--- a/lectures/About_Final_Projects.pptx
+++ b/lectures/About_Final_Projects.pptx
@@ -6,22 +6,21 @@
     <p:sldMasterId id="2147483682" r:id="rId2"/>
   </p:sldMasterIdLst>
   <p:notesMasterIdLst>
-    <p:notesMasterId r:id="rId13"/>
+    <p:notesMasterId r:id="rId12"/>
   </p:notesMasterIdLst>
   <p:handoutMasterIdLst>
-    <p:handoutMasterId r:id="rId14"/>
+    <p:handoutMasterId r:id="rId13"/>
   </p:handoutMasterIdLst>
   <p:sldIdLst>
     <p:sldId id="805" r:id="rId3"/>
     <p:sldId id="812" r:id="rId4"/>
     <p:sldId id="806" r:id="rId5"/>
     <p:sldId id="813" r:id="rId6"/>
-    <p:sldId id="814" r:id="rId7"/>
-    <p:sldId id="811" r:id="rId8"/>
-    <p:sldId id="807" r:id="rId9"/>
-    <p:sldId id="808" r:id="rId10"/>
-    <p:sldId id="810" r:id="rId11"/>
-    <p:sldId id="809" r:id="rId12"/>
+    <p:sldId id="811" r:id="rId7"/>
+    <p:sldId id="807" r:id="rId8"/>
+    <p:sldId id="808" r:id="rId9"/>
+    <p:sldId id="810" r:id="rId10"/>
+    <p:sldId id="809" r:id="rId11"/>
   </p:sldIdLst>
   <p:sldSz cx="9144000" cy="6858000" type="screen4x3"/>
   <p:notesSz cx="6858000" cy="9144000"/>
@@ -381,6 +380,38 @@
 </p:handoutMaster>
 </file>
 
+<file path=ppt/ink/ink1.xml><?xml version="1.0" encoding="utf-8"?>
+<inkml:ink xmlns:inkml="http://www.w3.org/2003/InkML">
+  <inkml:definitions>
+    <inkml:context xml:id="ctx0">
+      <inkml:inkSource xml:id="inkSrc0">
+        <inkml:traceFormat>
+          <inkml:channel name="X" type="integer" min="-2.14748E9" max="2.14748E9" units="cm"/>
+          <inkml:channel name="Y" type="integer" min="-2.14748E9" max="2.14748E9" units="cm"/>
+          <inkml:channel name="F" type="integer" max="32767" units="dev"/>
+          <inkml:channel name="OA" type="integer" max="360" units="deg"/>
+          <inkml:channel name="OE" type="integer" max="90" units="deg"/>
+        </inkml:traceFormat>
+        <inkml:channelProperties>
+          <inkml:channelProperty channel="X" name="resolution" value="1000" units="1/cm"/>
+          <inkml:channelProperty channel="Y" name="resolution" value="1000" units="1/cm"/>
+          <inkml:channelProperty channel="F" name="resolution" value="0" units="1/dev"/>
+          <inkml:channelProperty channel="OA" name="resolution" value="1000" units="1/deg"/>
+          <inkml:channelProperty channel="OE" name="resolution" value="1000" units="1/deg"/>
+        </inkml:channelProperties>
+      </inkml:inkSource>
+      <inkml:timestamp xml:id="ts0" timeString="2022-02-14T20:26:50.880"/>
+    </inkml:context>
+    <inkml:brush xml:id="br0">
+      <inkml:brushProperty name="width" value="0.1" units="cm"/>
+      <inkml:brushProperty name="height" value="0.1" units="cm"/>
+      <inkml:brushProperty name="color" value="#E71224"/>
+    </inkml:brush>
+  </inkml:definitions>
+  <inkml:trace contextRef="#ctx0" brushRef="#br0">45 0 5527 0 0,'-17'11'488'0'0,"4"-3"-392"0"0,-2-1-96 0 0</inkml:trace>
+</inkml:ink>
+</file>
+
 <file path=ppt/notesMasters/notesMaster1.xml><?xml version="1.0" encoding="utf-8"?>
 <p:notesMaster xmlns:a="http://schemas.openxmlformats.org/drawingml/2006/main" xmlns:r="http://schemas.openxmlformats.org/officeDocument/2006/relationships" xmlns:p="http://schemas.openxmlformats.org/presentationml/2006/main">
   <p:cSld>
@@ -8459,7 +8490,7 @@
     </p:spTree>
     <p:extLst>
       <p:ext uri="{BB962C8B-B14F-4D97-AF65-F5344CB8AC3E}">
-        <p14:creationId xmlns:p14="http://schemas.microsoft.com/office/powerpoint/2010/main" val="1675575684"/>
+        <p14:creationId xmlns:p14="http://schemas.microsoft.com/office/powerpoint/2010/main" val="3621497922"/>
       </p:ext>
     </p:extLst>
   </p:cSld>
@@ -10375,7 +10406,7 @@
     </p:spTree>
     <p:extLst>
       <p:ext uri="{BB962C8B-B14F-4D97-AF65-F5344CB8AC3E}">
-        <p14:creationId xmlns:p14="http://schemas.microsoft.com/office/powerpoint/2010/main" val="3621497922"/>
+        <p14:creationId xmlns:p14="http://schemas.microsoft.com/office/powerpoint/2010/main" val="1114315000"/>
       </p:ext>
     </p:extLst>
   </p:cSld>
@@ -12291,7 +12322,7 @@
     </p:spTree>
     <p:extLst>
       <p:ext uri="{BB962C8B-B14F-4D97-AF65-F5344CB8AC3E}">
-        <p14:creationId xmlns:p14="http://schemas.microsoft.com/office/powerpoint/2010/main" val="1114315000"/>
+        <p14:creationId xmlns:p14="http://schemas.microsoft.com/office/powerpoint/2010/main" val="4085495485"/>
       </p:ext>
     </p:extLst>
   </p:cSld>
@@ -14207,7 +14238,7 @@
     </p:spTree>
     <p:extLst>
       <p:ext uri="{BB962C8B-B14F-4D97-AF65-F5344CB8AC3E}">
-        <p14:creationId xmlns:p14="http://schemas.microsoft.com/office/powerpoint/2010/main" val="4085495485"/>
+        <p14:creationId xmlns:p14="http://schemas.microsoft.com/office/powerpoint/2010/main" val="2249450487"/>
       </p:ext>
     </p:extLst>
   </p:cSld>
@@ -16123,1922 +16154,6 @@
     </p:spTree>
     <p:extLst>
       <p:ext uri="{BB962C8B-B14F-4D97-AF65-F5344CB8AC3E}">
-        <p14:creationId xmlns:p14="http://schemas.microsoft.com/office/powerpoint/2010/main" val="2249450487"/>
-      </p:ext>
-    </p:extLst>
-  </p:cSld>
-  <p:clrMapOvr>
-    <a:masterClrMapping/>
-  </p:clrMapOvr>
-</p:notes>
-</file>
-
-<file path=ppt/notesSlides/notesSlide9.xml><?xml version="1.0" encoding="utf-8"?>
-<p:notes xmlns:a="http://schemas.openxmlformats.org/drawingml/2006/main" xmlns:r="http://schemas.openxmlformats.org/officeDocument/2006/relationships" xmlns:p="http://schemas.openxmlformats.org/presentationml/2006/main">
-  <p:cSld>
-    <p:bg>
-      <p:bgPr>
-        <a:solidFill>
-          <a:srgbClr val="FFFFFF"/>
-        </a:solidFill>
-        <a:effectLst/>
-      </p:bgPr>
-    </p:bg>
-    <p:spTree>
-      <p:nvGrpSpPr>
-        <p:cNvPr id="1" name=""/>
-        <p:cNvGrpSpPr/>
-        <p:nvPr/>
-      </p:nvGrpSpPr>
-      <p:grpSpPr>
-        <a:xfrm>
-          <a:off x="0" y="0"/>
-          <a:ext cx="0" cy="0"/>
-          <a:chOff x="0" y="0"/>
-          <a:chExt cx="0" cy="0"/>
-        </a:xfrm>
-      </p:grpSpPr>
-      <p:sp>
-        <p:nvSpPr>
-          <p:cNvPr id="15362" name="Rectangle 37"/>
-          <p:cNvSpPr>
-            <a:spLocks noGrp="1" noChangeArrowheads="1"/>
-          </p:cNvSpPr>
-          <p:nvPr>
-            <p:ph type="sldNum" sz="quarter"/>
-          </p:nvPr>
-        </p:nvSpPr>
-        <p:spPr>
-          <a:noFill/>
-          <a:extLst>
-            <a:ext uri="{91240B29-F687-4F45-9708-019B960494DF}">
-              <a14:hiddenLine xmlns:a14="http://schemas.microsoft.com/office/drawing/2010/main" w="9525">
-                <a:solidFill>
-                  <a:srgbClr val="3465A4"/>
-                </a:solidFill>
-                <a:round/>
-                <a:headEnd/>
-                <a:tailEnd/>
-              </a14:hiddenLine>
-            </a:ext>
-          </a:extLst>
-        </p:spPr>
-        <p:txBody>
-          <a:bodyPr/>
-          <a:lstStyle>
-            <a:lvl1pPr>
-              <a:spcBef>
-                <a:spcPct val="30000"/>
-              </a:spcBef>
-              <a:buClr>
-                <a:srgbClr val="000000"/>
-              </a:buClr>
-              <a:buSzPct val="100000"/>
-              <a:buFont typeface="Times New Roman" panose="02020603050405020304" pitchFamily="18" charset="0"/>
-              <a:tabLst>
-                <a:tab pos="0" algn="l"/>
-                <a:tab pos="457200" algn="l"/>
-                <a:tab pos="914400" algn="l"/>
-                <a:tab pos="1371600" algn="l"/>
-                <a:tab pos="1828800" algn="l"/>
-                <a:tab pos="2286000" algn="l"/>
-                <a:tab pos="2743200" algn="l"/>
-                <a:tab pos="3200400" algn="l"/>
-                <a:tab pos="3657600" algn="l"/>
-                <a:tab pos="4114800" algn="l"/>
-                <a:tab pos="4572000" algn="l"/>
-                <a:tab pos="5029200" algn="l"/>
-                <a:tab pos="5486400" algn="l"/>
-                <a:tab pos="5943600" algn="l"/>
-                <a:tab pos="6400800" algn="l"/>
-                <a:tab pos="6858000" algn="l"/>
-                <a:tab pos="7315200" algn="l"/>
-                <a:tab pos="7772400" algn="l"/>
-                <a:tab pos="8229600" algn="l"/>
-                <a:tab pos="8686800" algn="l"/>
-                <a:tab pos="9144000" algn="l"/>
-              </a:tabLst>
-              <a:defRPr sz="1200">
-                <a:solidFill>
-                  <a:srgbClr val="000000"/>
-                </a:solidFill>
-                <a:latin typeface="Times New Roman" panose="02020603050405020304" pitchFamily="18" charset="0"/>
-              </a:defRPr>
-            </a:lvl1pPr>
-            <a:lvl2pPr>
-              <a:spcBef>
-                <a:spcPct val="30000"/>
-              </a:spcBef>
-              <a:buClr>
-                <a:srgbClr val="000000"/>
-              </a:buClr>
-              <a:buSzPct val="100000"/>
-              <a:buFont typeface="Times New Roman" panose="02020603050405020304" pitchFamily="18" charset="0"/>
-              <a:tabLst>
-                <a:tab pos="0" algn="l"/>
-                <a:tab pos="457200" algn="l"/>
-                <a:tab pos="914400" algn="l"/>
-                <a:tab pos="1371600" algn="l"/>
-                <a:tab pos="1828800" algn="l"/>
-                <a:tab pos="2286000" algn="l"/>
-                <a:tab pos="2743200" algn="l"/>
-                <a:tab pos="3200400" algn="l"/>
-                <a:tab pos="3657600" algn="l"/>
-                <a:tab pos="4114800" algn="l"/>
-                <a:tab pos="4572000" algn="l"/>
-                <a:tab pos="5029200" algn="l"/>
-                <a:tab pos="5486400" algn="l"/>
-                <a:tab pos="5943600" algn="l"/>
-                <a:tab pos="6400800" algn="l"/>
-                <a:tab pos="6858000" algn="l"/>
-                <a:tab pos="7315200" algn="l"/>
-                <a:tab pos="7772400" algn="l"/>
-                <a:tab pos="8229600" algn="l"/>
-                <a:tab pos="8686800" algn="l"/>
-                <a:tab pos="9144000" algn="l"/>
-              </a:tabLst>
-              <a:defRPr sz="1200">
-                <a:solidFill>
-                  <a:srgbClr val="000000"/>
-                </a:solidFill>
-                <a:latin typeface="Times New Roman" panose="02020603050405020304" pitchFamily="18" charset="0"/>
-              </a:defRPr>
-            </a:lvl2pPr>
-            <a:lvl3pPr>
-              <a:spcBef>
-                <a:spcPct val="30000"/>
-              </a:spcBef>
-              <a:buClr>
-                <a:srgbClr val="000000"/>
-              </a:buClr>
-              <a:buSzPct val="100000"/>
-              <a:buFont typeface="Times New Roman" panose="02020603050405020304" pitchFamily="18" charset="0"/>
-              <a:tabLst>
-                <a:tab pos="0" algn="l"/>
-                <a:tab pos="457200" algn="l"/>
-                <a:tab pos="914400" algn="l"/>
-                <a:tab pos="1371600" algn="l"/>
-                <a:tab pos="1828800" algn="l"/>
-                <a:tab pos="2286000" algn="l"/>
-                <a:tab pos="2743200" algn="l"/>
-                <a:tab pos="3200400" algn="l"/>
-                <a:tab pos="3657600" algn="l"/>
-                <a:tab pos="4114800" algn="l"/>
-                <a:tab pos="4572000" algn="l"/>
-                <a:tab pos="5029200" algn="l"/>
-                <a:tab pos="5486400" algn="l"/>
-                <a:tab pos="5943600" algn="l"/>
-                <a:tab pos="6400800" algn="l"/>
-                <a:tab pos="6858000" algn="l"/>
-                <a:tab pos="7315200" algn="l"/>
-                <a:tab pos="7772400" algn="l"/>
-                <a:tab pos="8229600" algn="l"/>
-                <a:tab pos="8686800" algn="l"/>
-                <a:tab pos="9144000" algn="l"/>
-              </a:tabLst>
-              <a:defRPr sz="1200">
-                <a:solidFill>
-                  <a:srgbClr val="000000"/>
-                </a:solidFill>
-                <a:latin typeface="Times New Roman" panose="02020603050405020304" pitchFamily="18" charset="0"/>
-              </a:defRPr>
-            </a:lvl3pPr>
-            <a:lvl4pPr>
-              <a:spcBef>
-                <a:spcPct val="30000"/>
-              </a:spcBef>
-              <a:buClr>
-                <a:srgbClr val="000000"/>
-              </a:buClr>
-              <a:buSzPct val="100000"/>
-              <a:buFont typeface="Times New Roman" panose="02020603050405020304" pitchFamily="18" charset="0"/>
-              <a:tabLst>
-                <a:tab pos="0" algn="l"/>
-                <a:tab pos="457200" algn="l"/>
-                <a:tab pos="914400" algn="l"/>
-                <a:tab pos="1371600" algn="l"/>
-                <a:tab pos="1828800" algn="l"/>
-                <a:tab pos="2286000" algn="l"/>
-                <a:tab pos="2743200" algn="l"/>
-                <a:tab pos="3200400" algn="l"/>
-                <a:tab pos="3657600" algn="l"/>
-                <a:tab pos="4114800" algn="l"/>
-                <a:tab pos="4572000" algn="l"/>
-                <a:tab pos="5029200" algn="l"/>
-                <a:tab pos="5486400" algn="l"/>
-                <a:tab pos="5943600" algn="l"/>
-                <a:tab pos="6400800" algn="l"/>
-                <a:tab pos="6858000" algn="l"/>
-                <a:tab pos="7315200" algn="l"/>
-                <a:tab pos="7772400" algn="l"/>
-                <a:tab pos="8229600" algn="l"/>
-                <a:tab pos="8686800" algn="l"/>
-                <a:tab pos="9144000" algn="l"/>
-              </a:tabLst>
-              <a:defRPr sz="1200">
-                <a:solidFill>
-                  <a:srgbClr val="000000"/>
-                </a:solidFill>
-                <a:latin typeface="Times New Roman" panose="02020603050405020304" pitchFamily="18" charset="0"/>
-              </a:defRPr>
-            </a:lvl4pPr>
-            <a:lvl5pPr>
-              <a:spcBef>
-                <a:spcPct val="30000"/>
-              </a:spcBef>
-              <a:buClr>
-                <a:srgbClr val="000000"/>
-              </a:buClr>
-              <a:buSzPct val="100000"/>
-              <a:buFont typeface="Times New Roman" panose="02020603050405020304" pitchFamily="18" charset="0"/>
-              <a:tabLst>
-                <a:tab pos="0" algn="l"/>
-                <a:tab pos="457200" algn="l"/>
-                <a:tab pos="914400" algn="l"/>
-                <a:tab pos="1371600" algn="l"/>
-                <a:tab pos="1828800" algn="l"/>
-                <a:tab pos="2286000" algn="l"/>
-                <a:tab pos="2743200" algn="l"/>
-                <a:tab pos="3200400" algn="l"/>
-                <a:tab pos="3657600" algn="l"/>
-                <a:tab pos="4114800" algn="l"/>
-                <a:tab pos="4572000" algn="l"/>
-                <a:tab pos="5029200" algn="l"/>
-                <a:tab pos="5486400" algn="l"/>
-                <a:tab pos="5943600" algn="l"/>
-                <a:tab pos="6400800" algn="l"/>
-                <a:tab pos="6858000" algn="l"/>
-                <a:tab pos="7315200" algn="l"/>
-                <a:tab pos="7772400" algn="l"/>
-                <a:tab pos="8229600" algn="l"/>
-                <a:tab pos="8686800" algn="l"/>
-                <a:tab pos="9144000" algn="l"/>
-              </a:tabLst>
-              <a:defRPr sz="1200">
-                <a:solidFill>
-                  <a:srgbClr val="000000"/>
-                </a:solidFill>
-                <a:latin typeface="Times New Roman" panose="02020603050405020304" pitchFamily="18" charset="0"/>
-              </a:defRPr>
-            </a:lvl5pPr>
-            <a:lvl6pPr marL="2514600" indent="-228600" defTabSz="457200" eaLnBrk="0" fontAlgn="base" hangingPunct="0">
-              <a:spcBef>
-                <a:spcPct val="30000"/>
-              </a:spcBef>
-              <a:spcAft>
-                <a:spcPct val="0"/>
-              </a:spcAft>
-              <a:buClr>
-                <a:srgbClr val="000000"/>
-              </a:buClr>
-              <a:buSzPct val="100000"/>
-              <a:buFont typeface="Times New Roman" panose="02020603050405020304" pitchFamily="18" charset="0"/>
-              <a:tabLst>
-                <a:tab pos="0" algn="l"/>
-                <a:tab pos="457200" algn="l"/>
-                <a:tab pos="914400" algn="l"/>
-                <a:tab pos="1371600" algn="l"/>
-                <a:tab pos="1828800" algn="l"/>
-                <a:tab pos="2286000" algn="l"/>
-                <a:tab pos="2743200" algn="l"/>
-                <a:tab pos="3200400" algn="l"/>
-                <a:tab pos="3657600" algn="l"/>
-                <a:tab pos="4114800" algn="l"/>
-                <a:tab pos="4572000" algn="l"/>
-                <a:tab pos="5029200" algn="l"/>
-                <a:tab pos="5486400" algn="l"/>
-                <a:tab pos="5943600" algn="l"/>
-                <a:tab pos="6400800" algn="l"/>
-                <a:tab pos="6858000" algn="l"/>
-                <a:tab pos="7315200" algn="l"/>
-                <a:tab pos="7772400" algn="l"/>
-                <a:tab pos="8229600" algn="l"/>
-                <a:tab pos="8686800" algn="l"/>
-                <a:tab pos="9144000" algn="l"/>
-              </a:tabLst>
-              <a:defRPr sz="1200">
-                <a:solidFill>
-                  <a:srgbClr val="000000"/>
-                </a:solidFill>
-                <a:latin typeface="Times New Roman" panose="02020603050405020304" pitchFamily="18" charset="0"/>
-              </a:defRPr>
-            </a:lvl6pPr>
-            <a:lvl7pPr marL="2971800" indent="-228600" defTabSz="457200" eaLnBrk="0" fontAlgn="base" hangingPunct="0">
-              <a:spcBef>
-                <a:spcPct val="30000"/>
-              </a:spcBef>
-              <a:spcAft>
-                <a:spcPct val="0"/>
-              </a:spcAft>
-              <a:buClr>
-                <a:srgbClr val="000000"/>
-              </a:buClr>
-              <a:buSzPct val="100000"/>
-              <a:buFont typeface="Times New Roman" panose="02020603050405020304" pitchFamily="18" charset="0"/>
-              <a:tabLst>
-                <a:tab pos="0" algn="l"/>
-                <a:tab pos="457200" algn="l"/>
-                <a:tab pos="914400" algn="l"/>
-                <a:tab pos="1371600" algn="l"/>
-                <a:tab pos="1828800" algn="l"/>
-                <a:tab pos="2286000" algn="l"/>
-                <a:tab pos="2743200" algn="l"/>
-                <a:tab pos="3200400" algn="l"/>
-                <a:tab pos="3657600" algn="l"/>
-                <a:tab pos="4114800" algn="l"/>
-                <a:tab pos="4572000" algn="l"/>
-                <a:tab pos="5029200" algn="l"/>
-                <a:tab pos="5486400" algn="l"/>
-                <a:tab pos="5943600" algn="l"/>
-                <a:tab pos="6400800" algn="l"/>
-                <a:tab pos="6858000" algn="l"/>
-                <a:tab pos="7315200" algn="l"/>
-                <a:tab pos="7772400" algn="l"/>
-                <a:tab pos="8229600" algn="l"/>
-                <a:tab pos="8686800" algn="l"/>
-                <a:tab pos="9144000" algn="l"/>
-              </a:tabLst>
-              <a:defRPr sz="1200">
-                <a:solidFill>
-                  <a:srgbClr val="000000"/>
-                </a:solidFill>
-                <a:latin typeface="Times New Roman" panose="02020603050405020304" pitchFamily="18" charset="0"/>
-              </a:defRPr>
-            </a:lvl7pPr>
-            <a:lvl8pPr marL="3429000" indent="-228600" defTabSz="457200" eaLnBrk="0" fontAlgn="base" hangingPunct="0">
-              <a:spcBef>
-                <a:spcPct val="30000"/>
-              </a:spcBef>
-              <a:spcAft>
-                <a:spcPct val="0"/>
-              </a:spcAft>
-              <a:buClr>
-                <a:srgbClr val="000000"/>
-              </a:buClr>
-              <a:buSzPct val="100000"/>
-              <a:buFont typeface="Times New Roman" panose="02020603050405020304" pitchFamily="18" charset="0"/>
-              <a:tabLst>
-                <a:tab pos="0" algn="l"/>
-                <a:tab pos="457200" algn="l"/>
-                <a:tab pos="914400" algn="l"/>
-                <a:tab pos="1371600" algn="l"/>
-                <a:tab pos="1828800" algn="l"/>
-                <a:tab pos="2286000" algn="l"/>
-                <a:tab pos="2743200" algn="l"/>
-                <a:tab pos="3200400" algn="l"/>
-                <a:tab pos="3657600" algn="l"/>
-                <a:tab pos="4114800" algn="l"/>
-                <a:tab pos="4572000" algn="l"/>
-                <a:tab pos="5029200" algn="l"/>
-                <a:tab pos="5486400" algn="l"/>
-                <a:tab pos="5943600" algn="l"/>
-                <a:tab pos="6400800" algn="l"/>
-                <a:tab pos="6858000" algn="l"/>
-                <a:tab pos="7315200" algn="l"/>
-                <a:tab pos="7772400" algn="l"/>
-                <a:tab pos="8229600" algn="l"/>
-                <a:tab pos="8686800" algn="l"/>
-                <a:tab pos="9144000" algn="l"/>
-              </a:tabLst>
-              <a:defRPr sz="1200">
-                <a:solidFill>
-                  <a:srgbClr val="000000"/>
-                </a:solidFill>
-                <a:latin typeface="Times New Roman" panose="02020603050405020304" pitchFamily="18" charset="0"/>
-              </a:defRPr>
-            </a:lvl8pPr>
-            <a:lvl9pPr marL="3886200" indent="-228600" defTabSz="457200" eaLnBrk="0" fontAlgn="base" hangingPunct="0">
-              <a:spcBef>
-                <a:spcPct val="30000"/>
-              </a:spcBef>
-              <a:spcAft>
-                <a:spcPct val="0"/>
-              </a:spcAft>
-              <a:buClr>
-                <a:srgbClr val="000000"/>
-              </a:buClr>
-              <a:buSzPct val="100000"/>
-              <a:buFont typeface="Times New Roman" panose="02020603050405020304" pitchFamily="18" charset="0"/>
-              <a:tabLst>
-                <a:tab pos="0" algn="l"/>
-                <a:tab pos="457200" algn="l"/>
-                <a:tab pos="914400" algn="l"/>
-                <a:tab pos="1371600" algn="l"/>
-                <a:tab pos="1828800" algn="l"/>
-                <a:tab pos="2286000" algn="l"/>
-                <a:tab pos="2743200" algn="l"/>
-                <a:tab pos="3200400" algn="l"/>
-                <a:tab pos="3657600" algn="l"/>
-                <a:tab pos="4114800" algn="l"/>
-                <a:tab pos="4572000" algn="l"/>
-                <a:tab pos="5029200" algn="l"/>
-                <a:tab pos="5486400" algn="l"/>
-                <a:tab pos="5943600" algn="l"/>
-                <a:tab pos="6400800" algn="l"/>
-                <a:tab pos="6858000" algn="l"/>
-                <a:tab pos="7315200" algn="l"/>
-                <a:tab pos="7772400" algn="l"/>
-                <a:tab pos="8229600" algn="l"/>
-                <a:tab pos="8686800" algn="l"/>
-                <a:tab pos="9144000" algn="l"/>
-              </a:tabLst>
-              <a:defRPr sz="1200">
-                <a:solidFill>
-                  <a:srgbClr val="000000"/>
-                </a:solidFill>
-                <a:latin typeface="Times New Roman" panose="02020603050405020304" pitchFamily="18" charset="0"/>
-              </a:defRPr>
-            </a:lvl9pPr>
-          </a:lstStyle>
-          <a:p>
-            <a:pPr>
-              <a:spcBef>
-                <a:spcPct val="0"/>
-              </a:spcBef>
-              <a:buClrTx/>
-              <a:buFontTx/>
-              <a:buNone/>
-            </a:pPr>
-            <a:fld id="{90D40A94-F08D-4CD4-B29F-E34BE6CEA4DC}" type="slidenum">
-              <a:rPr lang="en-US" altLang="en-US" sz="1400" smtClean="0">
-                <a:ea typeface="DejaVu Sans"/>
-                <a:cs typeface="DejaVu Sans"/>
-              </a:rPr>
-              <a:pPr>
-                <a:spcBef>
-                  <a:spcPct val="0"/>
-                </a:spcBef>
-                <a:buClrTx/>
-                <a:buFontTx/>
-                <a:buNone/>
-              </a:pPr>
-              <a:t>10</a:t>
-            </a:fld>
-            <a:endParaRPr lang="en-US" altLang="en-US" sz="1400">
-              <a:ea typeface="DejaVu Sans"/>
-              <a:cs typeface="DejaVu Sans"/>
-            </a:endParaRPr>
-          </a:p>
-        </p:txBody>
-      </p:sp>
-      <p:sp>
-        <p:nvSpPr>
-          <p:cNvPr id="15363" name="Text Box 1"/>
-          <p:cNvSpPr txBox="1">
-            <a:spLocks noChangeArrowheads="1"/>
-          </p:cNvSpPr>
-          <p:nvPr/>
-        </p:nvSpPr>
-        <p:spPr bwMode="auto">
-          <a:xfrm>
-            <a:off x="4398963" y="9555163"/>
-            <a:ext cx="3333750" cy="463550"/>
-          </a:xfrm>
-          <a:prstGeom prst="rect">
-            <a:avLst/>
-          </a:prstGeom>
-          <a:noFill/>
-          <a:ln>
-            <a:noFill/>
-          </a:ln>
-          <a:effectLst/>
-          <a:extLst>
-            <a:ext uri="{909E8E84-426E-40DD-AFC4-6F175D3DCCD1}">
-              <a14:hiddenFill xmlns:a14="http://schemas.microsoft.com/office/drawing/2010/main">
-                <a:solidFill>
-                  <a:srgbClr val="FFFFFF"/>
-                </a:solidFill>
-              </a14:hiddenFill>
-            </a:ext>
-            <a:ext uri="{91240B29-F687-4F45-9708-019B960494DF}">
-              <a14:hiddenLine xmlns:a14="http://schemas.microsoft.com/office/drawing/2010/main" w="9525">
-                <a:solidFill>
-                  <a:srgbClr val="3465A4"/>
-                </a:solidFill>
-                <a:round/>
-                <a:headEnd/>
-                <a:tailEnd/>
-              </a14:hiddenLine>
-            </a:ext>
-            <a:ext uri="{AF507438-7753-43E0-B8FC-AC1667EBCBE1}">
-              <a14:hiddenEffects xmlns:a14="http://schemas.microsoft.com/office/drawing/2010/main">
-                <a:effectLst>
-                  <a:outerShdw dist="35921" dir="2700000" algn="ctr" rotWithShape="0">
-                    <a:srgbClr val="808080"/>
-                  </a:outerShdw>
-                </a:effectLst>
-              </a14:hiddenEffects>
-            </a:ext>
-          </a:extLst>
-        </p:spPr>
-        <p:txBody>
-          <a:bodyPr lIns="0" tIns="0" rIns="0" bIns="0" anchor="b"/>
-          <a:lstStyle>
-            <a:lvl1pPr>
-              <a:spcBef>
-                <a:spcPct val="30000"/>
-              </a:spcBef>
-              <a:buClr>
-                <a:srgbClr val="000000"/>
-              </a:buClr>
-              <a:buSzPct val="100000"/>
-              <a:buFont typeface="Times New Roman" panose="02020603050405020304" pitchFamily="18" charset="0"/>
-              <a:tabLst>
-                <a:tab pos="0" algn="l"/>
-                <a:tab pos="457200" algn="l"/>
-                <a:tab pos="914400" algn="l"/>
-                <a:tab pos="1371600" algn="l"/>
-                <a:tab pos="1828800" algn="l"/>
-                <a:tab pos="2286000" algn="l"/>
-                <a:tab pos="2743200" algn="l"/>
-                <a:tab pos="3200400" algn="l"/>
-                <a:tab pos="3657600" algn="l"/>
-                <a:tab pos="4114800" algn="l"/>
-                <a:tab pos="4572000" algn="l"/>
-                <a:tab pos="5029200" algn="l"/>
-                <a:tab pos="5486400" algn="l"/>
-                <a:tab pos="5943600" algn="l"/>
-                <a:tab pos="6400800" algn="l"/>
-                <a:tab pos="6858000" algn="l"/>
-                <a:tab pos="7315200" algn="l"/>
-                <a:tab pos="7772400" algn="l"/>
-                <a:tab pos="8229600" algn="l"/>
-                <a:tab pos="8686800" algn="l"/>
-                <a:tab pos="9144000" algn="l"/>
-              </a:tabLst>
-              <a:defRPr sz="1200">
-                <a:solidFill>
-                  <a:srgbClr val="000000"/>
-                </a:solidFill>
-                <a:latin typeface="Times New Roman" panose="02020603050405020304" pitchFamily="18" charset="0"/>
-              </a:defRPr>
-            </a:lvl1pPr>
-            <a:lvl2pPr>
-              <a:spcBef>
-                <a:spcPct val="30000"/>
-              </a:spcBef>
-              <a:buClr>
-                <a:srgbClr val="000000"/>
-              </a:buClr>
-              <a:buSzPct val="100000"/>
-              <a:buFont typeface="Times New Roman" panose="02020603050405020304" pitchFamily="18" charset="0"/>
-              <a:tabLst>
-                <a:tab pos="0" algn="l"/>
-                <a:tab pos="457200" algn="l"/>
-                <a:tab pos="914400" algn="l"/>
-                <a:tab pos="1371600" algn="l"/>
-                <a:tab pos="1828800" algn="l"/>
-                <a:tab pos="2286000" algn="l"/>
-                <a:tab pos="2743200" algn="l"/>
-                <a:tab pos="3200400" algn="l"/>
-                <a:tab pos="3657600" algn="l"/>
-                <a:tab pos="4114800" algn="l"/>
-                <a:tab pos="4572000" algn="l"/>
-                <a:tab pos="5029200" algn="l"/>
-                <a:tab pos="5486400" algn="l"/>
-                <a:tab pos="5943600" algn="l"/>
-                <a:tab pos="6400800" algn="l"/>
-                <a:tab pos="6858000" algn="l"/>
-                <a:tab pos="7315200" algn="l"/>
-                <a:tab pos="7772400" algn="l"/>
-                <a:tab pos="8229600" algn="l"/>
-                <a:tab pos="8686800" algn="l"/>
-                <a:tab pos="9144000" algn="l"/>
-              </a:tabLst>
-              <a:defRPr sz="1200">
-                <a:solidFill>
-                  <a:srgbClr val="000000"/>
-                </a:solidFill>
-                <a:latin typeface="Times New Roman" panose="02020603050405020304" pitchFamily="18" charset="0"/>
-              </a:defRPr>
-            </a:lvl2pPr>
-            <a:lvl3pPr>
-              <a:spcBef>
-                <a:spcPct val="30000"/>
-              </a:spcBef>
-              <a:buClr>
-                <a:srgbClr val="000000"/>
-              </a:buClr>
-              <a:buSzPct val="100000"/>
-              <a:buFont typeface="Times New Roman" panose="02020603050405020304" pitchFamily="18" charset="0"/>
-              <a:tabLst>
-                <a:tab pos="0" algn="l"/>
-                <a:tab pos="457200" algn="l"/>
-                <a:tab pos="914400" algn="l"/>
-                <a:tab pos="1371600" algn="l"/>
-                <a:tab pos="1828800" algn="l"/>
-                <a:tab pos="2286000" algn="l"/>
-                <a:tab pos="2743200" algn="l"/>
-                <a:tab pos="3200400" algn="l"/>
-                <a:tab pos="3657600" algn="l"/>
-                <a:tab pos="4114800" algn="l"/>
-                <a:tab pos="4572000" algn="l"/>
-                <a:tab pos="5029200" algn="l"/>
-                <a:tab pos="5486400" algn="l"/>
-                <a:tab pos="5943600" algn="l"/>
-                <a:tab pos="6400800" algn="l"/>
-                <a:tab pos="6858000" algn="l"/>
-                <a:tab pos="7315200" algn="l"/>
-                <a:tab pos="7772400" algn="l"/>
-                <a:tab pos="8229600" algn="l"/>
-                <a:tab pos="8686800" algn="l"/>
-                <a:tab pos="9144000" algn="l"/>
-              </a:tabLst>
-              <a:defRPr sz="1200">
-                <a:solidFill>
-                  <a:srgbClr val="000000"/>
-                </a:solidFill>
-                <a:latin typeface="Times New Roman" panose="02020603050405020304" pitchFamily="18" charset="0"/>
-              </a:defRPr>
-            </a:lvl3pPr>
-            <a:lvl4pPr>
-              <a:spcBef>
-                <a:spcPct val="30000"/>
-              </a:spcBef>
-              <a:buClr>
-                <a:srgbClr val="000000"/>
-              </a:buClr>
-              <a:buSzPct val="100000"/>
-              <a:buFont typeface="Times New Roman" panose="02020603050405020304" pitchFamily="18" charset="0"/>
-              <a:tabLst>
-                <a:tab pos="0" algn="l"/>
-                <a:tab pos="457200" algn="l"/>
-                <a:tab pos="914400" algn="l"/>
-                <a:tab pos="1371600" algn="l"/>
-                <a:tab pos="1828800" algn="l"/>
-                <a:tab pos="2286000" algn="l"/>
-                <a:tab pos="2743200" algn="l"/>
-                <a:tab pos="3200400" algn="l"/>
-                <a:tab pos="3657600" algn="l"/>
-                <a:tab pos="4114800" algn="l"/>
-                <a:tab pos="4572000" algn="l"/>
-                <a:tab pos="5029200" algn="l"/>
-                <a:tab pos="5486400" algn="l"/>
-                <a:tab pos="5943600" algn="l"/>
-                <a:tab pos="6400800" algn="l"/>
-                <a:tab pos="6858000" algn="l"/>
-                <a:tab pos="7315200" algn="l"/>
-                <a:tab pos="7772400" algn="l"/>
-                <a:tab pos="8229600" algn="l"/>
-                <a:tab pos="8686800" algn="l"/>
-                <a:tab pos="9144000" algn="l"/>
-              </a:tabLst>
-              <a:defRPr sz="1200">
-                <a:solidFill>
-                  <a:srgbClr val="000000"/>
-                </a:solidFill>
-                <a:latin typeface="Times New Roman" panose="02020603050405020304" pitchFamily="18" charset="0"/>
-              </a:defRPr>
-            </a:lvl4pPr>
-            <a:lvl5pPr>
-              <a:spcBef>
-                <a:spcPct val="30000"/>
-              </a:spcBef>
-              <a:buClr>
-                <a:srgbClr val="000000"/>
-              </a:buClr>
-              <a:buSzPct val="100000"/>
-              <a:buFont typeface="Times New Roman" panose="02020603050405020304" pitchFamily="18" charset="0"/>
-              <a:tabLst>
-                <a:tab pos="0" algn="l"/>
-                <a:tab pos="457200" algn="l"/>
-                <a:tab pos="914400" algn="l"/>
-                <a:tab pos="1371600" algn="l"/>
-                <a:tab pos="1828800" algn="l"/>
-                <a:tab pos="2286000" algn="l"/>
-                <a:tab pos="2743200" algn="l"/>
-                <a:tab pos="3200400" algn="l"/>
-                <a:tab pos="3657600" algn="l"/>
-                <a:tab pos="4114800" algn="l"/>
-                <a:tab pos="4572000" algn="l"/>
-                <a:tab pos="5029200" algn="l"/>
-                <a:tab pos="5486400" algn="l"/>
-                <a:tab pos="5943600" algn="l"/>
-                <a:tab pos="6400800" algn="l"/>
-                <a:tab pos="6858000" algn="l"/>
-                <a:tab pos="7315200" algn="l"/>
-                <a:tab pos="7772400" algn="l"/>
-                <a:tab pos="8229600" algn="l"/>
-                <a:tab pos="8686800" algn="l"/>
-                <a:tab pos="9144000" algn="l"/>
-              </a:tabLst>
-              <a:defRPr sz="1200">
-                <a:solidFill>
-                  <a:srgbClr val="000000"/>
-                </a:solidFill>
-                <a:latin typeface="Times New Roman" panose="02020603050405020304" pitchFamily="18" charset="0"/>
-              </a:defRPr>
-            </a:lvl5pPr>
-            <a:lvl6pPr marL="2514600" indent="-228600" defTabSz="457200" eaLnBrk="0" fontAlgn="base" hangingPunct="0">
-              <a:spcBef>
-                <a:spcPct val="30000"/>
-              </a:spcBef>
-              <a:spcAft>
-                <a:spcPct val="0"/>
-              </a:spcAft>
-              <a:buClr>
-                <a:srgbClr val="000000"/>
-              </a:buClr>
-              <a:buSzPct val="100000"/>
-              <a:buFont typeface="Times New Roman" panose="02020603050405020304" pitchFamily="18" charset="0"/>
-              <a:tabLst>
-                <a:tab pos="0" algn="l"/>
-                <a:tab pos="457200" algn="l"/>
-                <a:tab pos="914400" algn="l"/>
-                <a:tab pos="1371600" algn="l"/>
-                <a:tab pos="1828800" algn="l"/>
-                <a:tab pos="2286000" algn="l"/>
-                <a:tab pos="2743200" algn="l"/>
-                <a:tab pos="3200400" algn="l"/>
-                <a:tab pos="3657600" algn="l"/>
-                <a:tab pos="4114800" algn="l"/>
-                <a:tab pos="4572000" algn="l"/>
-                <a:tab pos="5029200" algn="l"/>
-                <a:tab pos="5486400" algn="l"/>
-                <a:tab pos="5943600" algn="l"/>
-                <a:tab pos="6400800" algn="l"/>
-                <a:tab pos="6858000" algn="l"/>
-                <a:tab pos="7315200" algn="l"/>
-                <a:tab pos="7772400" algn="l"/>
-                <a:tab pos="8229600" algn="l"/>
-                <a:tab pos="8686800" algn="l"/>
-                <a:tab pos="9144000" algn="l"/>
-              </a:tabLst>
-              <a:defRPr sz="1200">
-                <a:solidFill>
-                  <a:srgbClr val="000000"/>
-                </a:solidFill>
-                <a:latin typeface="Times New Roman" panose="02020603050405020304" pitchFamily="18" charset="0"/>
-              </a:defRPr>
-            </a:lvl6pPr>
-            <a:lvl7pPr marL="2971800" indent="-228600" defTabSz="457200" eaLnBrk="0" fontAlgn="base" hangingPunct="0">
-              <a:spcBef>
-                <a:spcPct val="30000"/>
-              </a:spcBef>
-              <a:spcAft>
-                <a:spcPct val="0"/>
-              </a:spcAft>
-              <a:buClr>
-                <a:srgbClr val="000000"/>
-              </a:buClr>
-              <a:buSzPct val="100000"/>
-              <a:buFont typeface="Times New Roman" panose="02020603050405020304" pitchFamily="18" charset="0"/>
-              <a:tabLst>
-                <a:tab pos="0" algn="l"/>
-                <a:tab pos="457200" algn="l"/>
-                <a:tab pos="914400" algn="l"/>
-                <a:tab pos="1371600" algn="l"/>
-                <a:tab pos="1828800" algn="l"/>
-                <a:tab pos="2286000" algn="l"/>
-                <a:tab pos="2743200" algn="l"/>
-                <a:tab pos="3200400" algn="l"/>
-                <a:tab pos="3657600" algn="l"/>
-                <a:tab pos="4114800" algn="l"/>
-                <a:tab pos="4572000" algn="l"/>
-                <a:tab pos="5029200" algn="l"/>
-                <a:tab pos="5486400" algn="l"/>
-                <a:tab pos="5943600" algn="l"/>
-                <a:tab pos="6400800" algn="l"/>
-                <a:tab pos="6858000" algn="l"/>
-                <a:tab pos="7315200" algn="l"/>
-                <a:tab pos="7772400" algn="l"/>
-                <a:tab pos="8229600" algn="l"/>
-                <a:tab pos="8686800" algn="l"/>
-                <a:tab pos="9144000" algn="l"/>
-              </a:tabLst>
-              <a:defRPr sz="1200">
-                <a:solidFill>
-                  <a:srgbClr val="000000"/>
-                </a:solidFill>
-                <a:latin typeface="Times New Roman" panose="02020603050405020304" pitchFamily="18" charset="0"/>
-              </a:defRPr>
-            </a:lvl7pPr>
-            <a:lvl8pPr marL="3429000" indent="-228600" defTabSz="457200" eaLnBrk="0" fontAlgn="base" hangingPunct="0">
-              <a:spcBef>
-                <a:spcPct val="30000"/>
-              </a:spcBef>
-              <a:spcAft>
-                <a:spcPct val="0"/>
-              </a:spcAft>
-              <a:buClr>
-                <a:srgbClr val="000000"/>
-              </a:buClr>
-              <a:buSzPct val="100000"/>
-              <a:buFont typeface="Times New Roman" panose="02020603050405020304" pitchFamily="18" charset="0"/>
-              <a:tabLst>
-                <a:tab pos="0" algn="l"/>
-                <a:tab pos="457200" algn="l"/>
-                <a:tab pos="914400" algn="l"/>
-                <a:tab pos="1371600" algn="l"/>
-                <a:tab pos="1828800" algn="l"/>
-                <a:tab pos="2286000" algn="l"/>
-                <a:tab pos="2743200" algn="l"/>
-                <a:tab pos="3200400" algn="l"/>
-                <a:tab pos="3657600" algn="l"/>
-                <a:tab pos="4114800" algn="l"/>
-                <a:tab pos="4572000" algn="l"/>
-                <a:tab pos="5029200" algn="l"/>
-                <a:tab pos="5486400" algn="l"/>
-                <a:tab pos="5943600" algn="l"/>
-                <a:tab pos="6400800" algn="l"/>
-                <a:tab pos="6858000" algn="l"/>
-                <a:tab pos="7315200" algn="l"/>
-                <a:tab pos="7772400" algn="l"/>
-                <a:tab pos="8229600" algn="l"/>
-                <a:tab pos="8686800" algn="l"/>
-                <a:tab pos="9144000" algn="l"/>
-              </a:tabLst>
-              <a:defRPr sz="1200">
-                <a:solidFill>
-                  <a:srgbClr val="000000"/>
-                </a:solidFill>
-                <a:latin typeface="Times New Roman" panose="02020603050405020304" pitchFamily="18" charset="0"/>
-              </a:defRPr>
-            </a:lvl8pPr>
-            <a:lvl9pPr marL="3886200" indent="-228600" defTabSz="457200" eaLnBrk="0" fontAlgn="base" hangingPunct="0">
-              <a:spcBef>
-                <a:spcPct val="30000"/>
-              </a:spcBef>
-              <a:spcAft>
-                <a:spcPct val="0"/>
-              </a:spcAft>
-              <a:buClr>
-                <a:srgbClr val="000000"/>
-              </a:buClr>
-              <a:buSzPct val="100000"/>
-              <a:buFont typeface="Times New Roman" panose="02020603050405020304" pitchFamily="18" charset="0"/>
-              <a:tabLst>
-                <a:tab pos="0" algn="l"/>
-                <a:tab pos="457200" algn="l"/>
-                <a:tab pos="914400" algn="l"/>
-                <a:tab pos="1371600" algn="l"/>
-                <a:tab pos="1828800" algn="l"/>
-                <a:tab pos="2286000" algn="l"/>
-                <a:tab pos="2743200" algn="l"/>
-                <a:tab pos="3200400" algn="l"/>
-                <a:tab pos="3657600" algn="l"/>
-                <a:tab pos="4114800" algn="l"/>
-                <a:tab pos="4572000" algn="l"/>
-                <a:tab pos="5029200" algn="l"/>
-                <a:tab pos="5486400" algn="l"/>
-                <a:tab pos="5943600" algn="l"/>
-                <a:tab pos="6400800" algn="l"/>
-                <a:tab pos="6858000" algn="l"/>
-                <a:tab pos="7315200" algn="l"/>
-                <a:tab pos="7772400" algn="l"/>
-                <a:tab pos="8229600" algn="l"/>
-                <a:tab pos="8686800" algn="l"/>
-                <a:tab pos="9144000" algn="l"/>
-              </a:tabLst>
-              <a:defRPr sz="1200">
-                <a:solidFill>
-                  <a:srgbClr val="000000"/>
-                </a:solidFill>
-                <a:latin typeface="Times New Roman" panose="02020603050405020304" pitchFamily="18" charset="0"/>
-              </a:defRPr>
-            </a:lvl9pPr>
-          </a:lstStyle>
-          <a:p>
-            <a:pPr algn="r" eaLnBrk="1">
-              <a:lnSpc>
-                <a:spcPct val="93000"/>
-              </a:lnSpc>
-              <a:spcBef>
-                <a:spcPct val="0"/>
-              </a:spcBef>
-              <a:buClrTx/>
-              <a:buFontTx/>
-              <a:buNone/>
-            </a:pPr>
-            <a:fld id="{7112A648-30BA-4405-A15D-D820356621FC}" type="slidenum">
-              <a:rPr lang="en-US" altLang="en-US" sz="1400">
-                <a:ea typeface="DejaVu Sans"/>
-                <a:cs typeface="DejaVu Sans"/>
-              </a:rPr>
-              <a:pPr algn="r" eaLnBrk="1">
-                <a:lnSpc>
-                  <a:spcPct val="93000"/>
-                </a:lnSpc>
-                <a:spcBef>
-                  <a:spcPct val="0"/>
-                </a:spcBef>
-                <a:buClrTx/>
-                <a:buFontTx/>
-                <a:buNone/>
-              </a:pPr>
-              <a:t>10</a:t>
-            </a:fld>
-            <a:endParaRPr lang="en-US" altLang="en-US" sz="1400">
-              <a:ea typeface="DejaVu Sans"/>
-              <a:cs typeface="DejaVu Sans"/>
-            </a:endParaRPr>
-          </a:p>
-        </p:txBody>
-      </p:sp>
-      <p:sp>
-        <p:nvSpPr>
-          <p:cNvPr id="15364" name="Text Box 2"/>
-          <p:cNvSpPr txBox="1">
-            <a:spLocks noChangeArrowheads="1"/>
-          </p:cNvSpPr>
-          <p:nvPr/>
-        </p:nvSpPr>
-        <p:spPr bwMode="auto">
-          <a:xfrm>
-            <a:off x="4398963" y="9555163"/>
-            <a:ext cx="3367087" cy="496887"/>
-          </a:xfrm>
-          <a:prstGeom prst="rect">
-            <a:avLst/>
-          </a:prstGeom>
-          <a:noFill/>
-          <a:ln>
-            <a:noFill/>
-          </a:ln>
-          <a:effectLst/>
-          <a:extLst>
-            <a:ext uri="{909E8E84-426E-40DD-AFC4-6F175D3DCCD1}">
-              <a14:hiddenFill xmlns:a14="http://schemas.microsoft.com/office/drawing/2010/main">
-                <a:solidFill>
-                  <a:srgbClr val="FFFFFF"/>
-                </a:solidFill>
-              </a14:hiddenFill>
-            </a:ext>
-            <a:ext uri="{91240B29-F687-4F45-9708-019B960494DF}">
-              <a14:hiddenLine xmlns:a14="http://schemas.microsoft.com/office/drawing/2010/main" w="9525">
-                <a:solidFill>
-                  <a:srgbClr val="3465A4"/>
-                </a:solidFill>
-                <a:round/>
-                <a:headEnd/>
-                <a:tailEnd/>
-              </a14:hiddenLine>
-            </a:ext>
-            <a:ext uri="{AF507438-7753-43E0-B8FC-AC1667EBCBE1}">
-              <a14:hiddenEffects xmlns:a14="http://schemas.microsoft.com/office/drawing/2010/main">
-                <a:effectLst>
-                  <a:outerShdw dist="35921" dir="2700000" algn="ctr" rotWithShape="0">
-                    <a:srgbClr val="808080"/>
-                  </a:outerShdw>
-                </a:effectLst>
-              </a14:hiddenEffects>
-            </a:ext>
-          </a:extLst>
-        </p:spPr>
-        <p:txBody>
-          <a:bodyPr lIns="0" tIns="0" rIns="0" bIns="0" anchor="b"/>
-          <a:lstStyle>
-            <a:lvl1pPr>
-              <a:spcBef>
-                <a:spcPct val="30000"/>
-              </a:spcBef>
-              <a:buClr>
-                <a:srgbClr val="000000"/>
-              </a:buClr>
-              <a:buSzPct val="100000"/>
-              <a:buFont typeface="Times New Roman" panose="02020603050405020304" pitchFamily="18" charset="0"/>
-              <a:tabLst>
-                <a:tab pos="0" algn="l"/>
-                <a:tab pos="457200" algn="l"/>
-                <a:tab pos="914400" algn="l"/>
-                <a:tab pos="1371600" algn="l"/>
-                <a:tab pos="1828800" algn="l"/>
-                <a:tab pos="2286000" algn="l"/>
-                <a:tab pos="2743200" algn="l"/>
-                <a:tab pos="3200400" algn="l"/>
-                <a:tab pos="3657600" algn="l"/>
-                <a:tab pos="4114800" algn="l"/>
-                <a:tab pos="4572000" algn="l"/>
-                <a:tab pos="5029200" algn="l"/>
-                <a:tab pos="5486400" algn="l"/>
-                <a:tab pos="5943600" algn="l"/>
-                <a:tab pos="6400800" algn="l"/>
-                <a:tab pos="6858000" algn="l"/>
-                <a:tab pos="7315200" algn="l"/>
-                <a:tab pos="7772400" algn="l"/>
-                <a:tab pos="8229600" algn="l"/>
-                <a:tab pos="8686800" algn="l"/>
-                <a:tab pos="9144000" algn="l"/>
-              </a:tabLst>
-              <a:defRPr sz="1200">
-                <a:solidFill>
-                  <a:srgbClr val="000000"/>
-                </a:solidFill>
-                <a:latin typeface="Times New Roman" panose="02020603050405020304" pitchFamily="18" charset="0"/>
-              </a:defRPr>
-            </a:lvl1pPr>
-            <a:lvl2pPr>
-              <a:spcBef>
-                <a:spcPct val="30000"/>
-              </a:spcBef>
-              <a:buClr>
-                <a:srgbClr val="000000"/>
-              </a:buClr>
-              <a:buSzPct val="100000"/>
-              <a:buFont typeface="Times New Roman" panose="02020603050405020304" pitchFamily="18" charset="0"/>
-              <a:tabLst>
-                <a:tab pos="0" algn="l"/>
-                <a:tab pos="457200" algn="l"/>
-                <a:tab pos="914400" algn="l"/>
-                <a:tab pos="1371600" algn="l"/>
-                <a:tab pos="1828800" algn="l"/>
-                <a:tab pos="2286000" algn="l"/>
-                <a:tab pos="2743200" algn="l"/>
-                <a:tab pos="3200400" algn="l"/>
-                <a:tab pos="3657600" algn="l"/>
-                <a:tab pos="4114800" algn="l"/>
-                <a:tab pos="4572000" algn="l"/>
-                <a:tab pos="5029200" algn="l"/>
-                <a:tab pos="5486400" algn="l"/>
-                <a:tab pos="5943600" algn="l"/>
-                <a:tab pos="6400800" algn="l"/>
-                <a:tab pos="6858000" algn="l"/>
-                <a:tab pos="7315200" algn="l"/>
-                <a:tab pos="7772400" algn="l"/>
-                <a:tab pos="8229600" algn="l"/>
-                <a:tab pos="8686800" algn="l"/>
-                <a:tab pos="9144000" algn="l"/>
-              </a:tabLst>
-              <a:defRPr sz="1200">
-                <a:solidFill>
-                  <a:srgbClr val="000000"/>
-                </a:solidFill>
-                <a:latin typeface="Times New Roman" panose="02020603050405020304" pitchFamily="18" charset="0"/>
-              </a:defRPr>
-            </a:lvl2pPr>
-            <a:lvl3pPr>
-              <a:spcBef>
-                <a:spcPct val="30000"/>
-              </a:spcBef>
-              <a:buClr>
-                <a:srgbClr val="000000"/>
-              </a:buClr>
-              <a:buSzPct val="100000"/>
-              <a:buFont typeface="Times New Roman" panose="02020603050405020304" pitchFamily="18" charset="0"/>
-              <a:tabLst>
-                <a:tab pos="0" algn="l"/>
-                <a:tab pos="457200" algn="l"/>
-                <a:tab pos="914400" algn="l"/>
-                <a:tab pos="1371600" algn="l"/>
-                <a:tab pos="1828800" algn="l"/>
-                <a:tab pos="2286000" algn="l"/>
-                <a:tab pos="2743200" algn="l"/>
-                <a:tab pos="3200400" algn="l"/>
-                <a:tab pos="3657600" algn="l"/>
-                <a:tab pos="4114800" algn="l"/>
-                <a:tab pos="4572000" algn="l"/>
-                <a:tab pos="5029200" algn="l"/>
-                <a:tab pos="5486400" algn="l"/>
-                <a:tab pos="5943600" algn="l"/>
-                <a:tab pos="6400800" algn="l"/>
-                <a:tab pos="6858000" algn="l"/>
-                <a:tab pos="7315200" algn="l"/>
-                <a:tab pos="7772400" algn="l"/>
-                <a:tab pos="8229600" algn="l"/>
-                <a:tab pos="8686800" algn="l"/>
-                <a:tab pos="9144000" algn="l"/>
-              </a:tabLst>
-              <a:defRPr sz="1200">
-                <a:solidFill>
-                  <a:srgbClr val="000000"/>
-                </a:solidFill>
-                <a:latin typeface="Times New Roman" panose="02020603050405020304" pitchFamily="18" charset="0"/>
-              </a:defRPr>
-            </a:lvl3pPr>
-            <a:lvl4pPr>
-              <a:spcBef>
-                <a:spcPct val="30000"/>
-              </a:spcBef>
-              <a:buClr>
-                <a:srgbClr val="000000"/>
-              </a:buClr>
-              <a:buSzPct val="100000"/>
-              <a:buFont typeface="Times New Roman" panose="02020603050405020304" pitchFamily="18" charset="0"/>
-              <a:tabLst>
-                <a:tab pos="0" algn="l"/>
-                <a:tab pos="457200" algn="l"/>
-                <a:tab pos="914400" algn="l"/>
-                <a:tab pos="1371600" algn="l"/>
-                <a:tab pos="1828800" algn="l"/>
-                <a:tab pos="2286000" algn="l"/>
-                <a:tab pos="2743200" algn="l"/>
-                <a:tab pos="3200400" algn="l"/>
-                <a:tab pos="3657600" algn="l"/>
-                <a:tab pos="4114800" algn="l"/>
-                <a:tab pos="4572000" algn="l"/>
-                <a:tab pos="5029200" algn="l"/>
-                <a:tab pos="5486400" algn="l"/>
-                <a:tab pos="5943600" algn="l"/>
-                <a:tab pos="6400800" algn="l"/>
-                <a:tab pos="6858000" algn="l"/>
-                <a:tab pos="7315200" algn="l"/>
-                <a:tab pos="7772400" algn="l"/>
-                <a:tab pos="8229600" algn="l"/>
-                <a:tab pos="8686800" algn="l"/>
-                <a:tab pos="9144000" algn="l"/>
-              </a:tabLst>
-              <a:defRPr sz="1200">
-                <a:solidFill>
-                  <a:srgbClr val="000000"/>
-                </a:solidFill>
-                <a:latin typeface="Times New Roman" panose="02020603050405020304" pitchFamily="18" charset="0"/>
-              </a:defRPr>
-            </a:lvl4pPr>
-            <a:lvl5pPr>
-              <a:spcBef>
-                <a:spcPct val="30000"/>
-              </a:spcBef>
-              <a:buClr>
-                <a:srgbClr val="000000"/>
-              </a:buClr>
-              <a:buSzPct val="100000"/>
-              <a:buFont typeface="Times New Roman" panose="02020603050405020304" pitchFamily="18" charset="0"/>
-              <a:tabLst>
-                <a:tab pos="0" algn="l"/>
-                <a:tab pos="457200" algn="l"/>
-                <a:tab pos="914400" algn="l"/>
-                <a:tab pos="1371600" algn="l"/>
-                <a:tab pos="1828800" algn="l"/>
-                <a:tab pos="2286000" algn="l"/>
-                <a:tab pos="2743200" algn="l"/>
-                <a:tab pos="3200400" algn="l"/>
-                <a:tab pos="3657600" algn="l"/>
-                <a:tab pos="4114800" algn="l"/>
-                <a:tab pos="4572000" algn="l"/>
-                <a:tab pos="5029200" algn="l"/>
-                <a:tab pos="5486400" algn="l"/>
-                <a:tab pos="5943600" algn="l"/>
-                <a:tab pos="6400800" algn="l"/>
-                <a:tab pos="6858000" algn="l"/>
-                <a:tab pos="7315200" algn="l"/>
-                <a:tab pos="7772400" algn="l"/>
-                <a:tab pos="8229600" algn="l"/>
-                <a:tab pos="8686800" algn="l"/>
-                <a:tab pos="9144000" algn="l"/>
-              </a:tabLst>
-              <a:defRPr sz="1200">
-                <a:solidFill>
-                  <a:srgbClr val="000000"/>
-                </a:solidFill>
-                <a:latin typeface="Times New Roman" panose="02020603050405020304" pitchFamily="18" charset="0"/>
-              </a:defRPr>
-            </a:lvl5pPr>
-            <a:lvl6pPr marL="2514600" indent="-228600" defTabSz="457200" eaLnBrk="0" fontAlgn="base" hangingPunct="0">
-              <a:spcBef>
-                <a:spcPct val="30000"/>
-              </a:spcBef>
-              <a:spcAft>
-                <a:spcPct val="0"/>
-              </a:spcAft>
-              <a:buClr>
-                <a:srgbClr val="000000"/>
-              </a:buClr>
-              <a:buSzPct val="100000"/>
-              <a:buFont typeface="Times New Roman" panose="02020603050405020304" pitchFamily="18" charset="0"/>
-              <a:tabLst>
-                <a:tab pos="0" algn="l"/>
-                <a:tab pos="457200" algn="l"/>
-                <a:tab pos="914400" algn="l"/>
-                <a:tab pos="1371600" algn="l"/>
-                <a:tab pos="1828800" algn="l"/>
-                <a:tab pos="2286000" algn="l"/>
-                <a:tab pos="2743200" algn="l"/>
-                <a:tab pos="3200400" algn="l"/>
-                <a:tab pos="3657600" algn="l"/>
-                <a:tab pos="4114800" algn="l"/>
-                <a:tab pos="4572000" algn="l"/>
-                <a:tab pos="5029200" algn="l"/>
-                <a:tab pos="5486400" algn="l"/>
-                <a:tab pos="5943600" algn="l"/>
-                <a:tab pos="6400800" algn="l"/>
-                <a:tab pos="6858000" algn="l"/>
-                <a:tab pos="7315200" algn="l"/>
-                <a:tab pos="7772400" algn="l"/>
-                <a:tab pos="8229600" algn="l"/>
-                <a:tab pos="8686800" algn="l"/>
-                <a:tab pos="9144000" algn="l"/>
-              </a:tabLst>
-              <a:defRPr sz="1200">
-                <a:solidFill>
-                  <a:srgbClr val="000000"/>
-                </a:solidFill>
-                <a:latin typeface="Times New Roman" panose="02020603050405020304" pitchFamily="18" charset="0"/>
-              </a:defRPr>
-            </a:lvl6pPr>
-            <a:lvl7pPr marL="2971800" indent="-228600" defTabSz="457200" eaLnBrk="0" fontAlgn="base" hangingPunct="0">
-              <a:spcBef>
-                <a:spcPct val="30000"/>
-              </a:spcBef>
-              <a:spcAft>
-                <a:spcPct val="0"/>
-              </a:spcAft>
-              <a:buClr>
-                <a:srgbClr val="000000"/>
-              </a:buClr>
-              <a:buSzPct val="100000"/>
-              <a:buFont typeface="Times New Roman" panose="02020603050405020304" pitchFamily="18" charset="0"/>
-              <a:tabLst>
-                <a:tab pos="0" algn="l"/>
-                <a:tab pos="457200" algn="l"/>
-                <a:tab pos="914400" algn="l"/>
-                <a:tab pos="1371600" algn="l"/>
-                <a:tab pos="1828800" algn="l"/>
-                <a:tab pos="2286000" algn="l"/>
-                <a:tab pos="2743200" algn="l"/>
-                <a:tab pos="3200400" algn="l"/>
-                <a:tab pos="3657600" algn="l"/>
-                <a:tab pos="4114800" algn="l"/>
-                <a:tab pos="4572000" algn="l"/>
-                <a:tab pos="5029200" algn="l"/>
-                <a:tab pos="5486400" algn="l"/>
-                <a:tab pos="5943600" algn="l"/>
-                <a:tab pos="6400800" algn="l"/>
-                <a:tab pos="6858000" algn="l"/>
-                <a:tab pos="7315200" algn="l"/>
-                <a:tab pos="7772400" algn="l"/>
-                <a:tab pos="8229600" algn="l"/>
-                <a:tab pos="8686800" algn="l"/>
-                <a:tab pos="9144000" algn="l"/>
-              </a:tabLst>
-              <a:defRPr sz="1200">
-                <a:solidFill>
-                  <a:srgbClr val="000000"/>
-                </a:solidFill>
-                <a:latin typeface="Times New Roman" panose="02020603050405020304" pitchFamily="18" charset="0"/>
-              </a:defRPr>
-            </a:lvl7pPr>
-            <a:lvl8pPr marL="3429000" indent="-228600" defTabSz="457200" eaLnBrk="0" fontAlgn="base" hangingPunct="0">
-              <a:spcBef>
-                <a:spcPct val="30000"/>
-              </a:spcBef>
-              <a:spcAft>
-                <a:spcPct val="0"/>
-              </a:spcAft>
-              <a:buClr>
-                <a:srgbClr val="000000"/>
-              </a:buClr>
-              <a:buSzPct val="100000"/>
-              <a:buFont typeface="Times New Roman" panose="02020603050405020304" pitchFamily="18" charset="0"/>
-              <a:tabLst>
-                <a:tab pos="0" algn="l"/>
-                <a:tab pos="457200" algn="l"/>
-                <a:tab pos="914400" algn="l"/>
-                <a:tab pos="1371600" algn="l"/>
-                <a:tab pos="1828800" algn="l"/>
-                <a:tab pos="2286000" algn="l"/>
-                <a:tab pos="2743200" algn="l"/>
-                <a:tab pos="3200400" algn="l"/>
-                <a:tab pos="3657600" algn="l"/>
-                <a:tab pos="4114800" algn="l"/>
-                <a:tab pos="4572000" algn="l"/>
-                <a:tab pos="5029200" algn="l"/>
-                <a:tab pos="5486400" algn="l"/>
-                <a:tab pos="5943600" algn="l"/>
-                <a:tab pos="6400800" algn="l"/>
-                <a:tab pos="6858000" algn="l"/>
-                <a:tab pos="7315200" algn="l"/>
-                <a:tab pos="7772400" algn="l"/>
-                <a:tab pos="8229600" algn="l"/>
-                <a:tab pos="8686800" algn="l"/>
-                <a:tab pos="9144000" algn="l"/>
-              </a:tabLst>
-              <a:defRPr sz="1200">
-                <a:solidFill>
-                  <a:srgbClr val="000000"/>
-                </a:solidFill>
-                <a:latin typeface="Times New Roman" panose="02020603050405020304" pitchFamily="18" charset="0"/>
-              </a:defRPr>
-            </a:lvl8pPr>
-            <a:lvl9pPr marL="3886200" indent="-228600" defTabSz="457200" eaLnBrk="0" fontAlgn="base" hangingPunct="0">
-              <a:spcBef>
-                <a:spcPct val="30000"/>
-              </a:spcBef>
-              <a:spcAft>
-                <a:spcPct val="0"/>
-              </a:spcAft>
-              <a:buClr>
-                <a:srgbClr val="000000"/>
-              </a:buClr>
-              <a:buSzPct val="100000"/>
-              <a:buFont typeface="Times New Roman" panose="02020603050405020304" pitchFamily="18" charset="0"/>
-              <a:tabLst>
-                <a:tab pos="0" algn="l"/>
-                <a:tab pos="457200" algn="l"/>
-                <a:tab pos="914400" algn="l"/>
-                <a:tab pos="1371600" algn="l"/>
-                <a:tab pos="1828800" algn="l"/>
-                <a:tab pos="2286000" algn="l"/>
-                <a:tab pos="2743200" algn="l"/>
-                <a:tab pos="3200400" algn="l"/>
-                <a:tab pos="3657600" algn="l"/>
-                <a:tab pos="4114800" algn="l"/>
-                <a:tab pos="4572000" algn="l"/>
-                <a:tab pos="5029200" algn="l"/>
-                <a:tab pos="5486400" algn="l"/>
-                <a:tab pos="5943600" algn="l"/>
-                <a:tab pos="6400800" algn="l"/>
-                <a:tab pos="6858000" algn="l"/>
-                <a:tab pos="7315200" algn="l"/>
-                <a:tab pos="7772400" algn="l"/>
-                <a:tab pos="8229600" algn="l"/>
-                <a:tab pos="8686800" algn="l"/>
-                <a:tab pos="9144000" algn="l"/>
-              </a:tabLst>
-              <a:defRPr sz="1200">
-                <a:solidFill>
-                  <a:srgbClr val="000000"/>
-                </a:solidFill>
-                <a:latin typeface="Times New Roman" panose="02020603050405020304" pitchFamily="18" charset="0"/>
-              </a:defRPr>
-            </a:lvl9pPr>
-          </a:lstStyle>
-          <a:p>
-            <a:pPr algn="r" eaLnBrk="1">
-              <a:lnSpc>
-                <a:spcPct val="93000"/>
-              </a:lnSpc>
-              <a:spcBef>
-                <a:spcPct val="0"/>
-              </a:spcBef>
-              <a:buClrTx/>
-              <a:buFontTx/>
-              <a:buNone/>
-            </a:pPr>
-            <a:fld id="{BC2E6FDE-E650-4FCA-924B-1FF30E1E55A2}" type="slidenum">
-              <a:rPr lang="en-US" altLang="en-US" sz="1400"/>
-              <a:pPr algn="r" eaLnBrk="1">
-                <a:lnSpc>
-                  <a:spcPct val="93000"/>
-                </a:lnSpc>
-                <a:spcBef>
-                  <a:spcPct val="0"/>
-                </a:spcBef>
-                <a:buClrTx/>
-                <a:buFontTx/>
-                <a:buNone/>
-              </a:pPr>
-              <a:t>10</a:t>
-            </a:fld>
-            <a:endParaRPr lang="en-US" altLang="en-US" sz="1400"/>
-          </a:p>
-        </p:txBody>
-      </p:sp>
-      <p:sp>
-        <p:nvSpPr>
-          <p:cNvPr id="15365" name="Text Box 3"/>
-          <p:cNvSpPr txBox="1">
-            <a:spLocks noChangeArrowheads="1"/>
-          </p:cNvSpPr>
-          <p:nvPr/>
-        </p:nvSpPr>
-        <p:spPr bwMode="auto">
-          <a:xfrm>
-            <a:off x="4398963" y="9555163"/>
-            <a:ext cx="3371850" cy="501650"/>
-          </a:xfrm>
-          <a:prstGeom prst="rect">
-            <a:avLst/>
-          </a:prstGeom>
-          <a:noFill/>
-          <a:ln>
-            <a:noFill/>
-          </a:ln>
-          <a:effectLst/>
-          <a:extLst>
-            <a:ext uri="{909E8E84-426E-40DD-AFC4-6F175D3DCCD1}">
-              <a14:hiddenFill xmlns:a14="http://schemas.microsoft.com/office/drawing/2010/main">
-                <a:solidFill>
-                  <a:srgbClr val="FFFFFF"/>
-                </a:solidFill>
-              </a14:hiddenFill>
-            </a:ext>
-            <a:ext uri="{91240B29-F687-4F45-9708-019B960494DF}">
-              <a14:hiddenLine xmlns:a14="http://schemas.microsoft.com/office/drawing/2010/main" w="9525">
-                <a:solidFill>
-                  <a:srgbClr val="3465A4"/>
-                </a:solidFill>
-                <a:round/>
-                <a:headEnd/>
-                <a:tailEnd/>
-              </a14:hiddenLine>
-            </a:ext>
-            <a:ext uri="{AF507438-7753-43E0-B8FC-AC1667EBCBE1}">
-              <a14:hiddenEffects xmlns:a14="http://schemas.microsoft.com/office/drawing/2010/main">
-                <a:effectLst>
-                  <a:outerShdw dist="35921" dir="2700000" algn="ctr" rotWithShape="0">
-                    <a:srgbClr val="808080"/>
-                  </a:outerShdw>
-                </a:effectLst>
-              </a14:hiddenEffects>
-            </a:ext>
-          </a:extLst>
-        </p:spPr>
-        <p:txBody>
-          <a:bodyPr lIns="0" tIns="0" rIns="0" bIns="0" anchor="b"/>
-          <a:lstStyle>
-            <a:lvl1pPr>
-              <a:spcBef>
-                <a:spcPct val="30000"/>
-              </a:spcBef>
-              <a:buClr>
-                <a:srgbClr val="000000"/>
-              </a:buClr>
-              <a:buSzPct val="100000"/>
-              <a:buFont typeface="Times New Roman" panose="02020603050405020304" pitchFamily="18" charset="0"/>
-              <a:tabLst>
-                <a:tab pos="0" algn="l"/>
-                <a:tab pos="457200" algn="l"/>
-                <a:tab pos="914400" algn="l"/>
-                <a:tab pos="1371600" algn="l"/>
-                <a:tab pos="1828800" algn="l"/>
-                <a:tab pos="2286000" algn="l"/>
-                <a:tab pos="2743200" algn="l"/>
-                <a:tab pos="3200400" algn="l"/>
-                <a:tab pos="3657600" algn="l"/>
-                <a:tab pos="4114800" algn="l"/>
-                <a:tab pos="4572000" algn="l"/>
-                <a:tab pos="5029200" algn="l"/>
-                <a:tab pos="5486400" algn="l"/>
-                <a:tab pos="5943600" algn="l"/>
-                <a:tab pos="6400800" algn="l"/>
-                <a:tab pos="6858000" algn="l"/>
-                <a:tab pos="7315200" algn="l"/>
-                <a:tab pos="7772400" algn="l"/>
-                <a:tab pos="8229600" algn="l"/>
-                <a:tab pos="8686800" algn="l"/>
-                <a:tab pos="9144000" algn="l"/>
-              </a:tabLst>
-              <a:defRPr sz="1200">
-                <a:solidFill>
-                  <a:srgbClr val="000000"/>
-                </a:solidFill>
-                <a:latin typeface="Times New Roman" panose="02020603050405020304" pitchFamily="18" charset="0"/>
-              </a:defRPr>
-            </a:lvl1pPr>
-            <a:lvl2pPr>
-              <a:spcBef>
-                <a:spcPct val="30000"/>
-              </a:spcBef>
-              <a:buClr>
-                <a:srgbClr val="000000"/>
-              </a:buClr>
-              <a:buSzPct val="100000"/>
-              <a:buFont typeface="Times New Roman" panose="02020603050405020304" pitchFamily="18" charset="0"/>
-              <a:tabLst>
-                <a:tab pos="0" algn="l"/>
-                <a:tab pos="457200" algn="l"/>
-                <a:tab pos="914400" algn="l"/>
-                <a:tab pos="1371600" algn="l"/>
-                <a:tab pos="1828800" algn="l"/>
-                <a:tab pos="2286000" algn="l"/>
-                <a:tab pos="2743200" algn="l"/>
-                <a:tab pos="3200400" algn="l"/>
-                <a:tab pos="3657600" algn="l"/>
-                <a:tab pos="4114800" algn="l"/>
-                <a:tab pos="4572000" algn="l"/>
-                <a:tab pos="5029200" algn="l"/>
-                <a:tab pos="5486400" algn="l"/>
-                <a:tab pos="5943600" algn="l"/>
-                <a:tab pos="6400800" algn="l"/>
-                <a:tab pos="6858000" algn="l"/>
-                <a:tab pos="7315200" algn="l"/>
-                <a:tab pos="7772400" algn="l"/>
-                <a:tab pos="8229600" algn="l"/>
-                <a:tab pos="8686800" algn="l"/>
-                <a:tab pos="9144000" algn="l"/>
-              </a:tabLst>
-              <a:defRPr sz="1200">
-                <a:solidFill>
-                  <a:srgbClr val="000000"/>
-                </a:solidFill>
-                <a:latin typeface="Times New Roman" panose="02020603050405020304" pitchFamily="18" charset="0"/>
-              </a:defRPr>
-            </a:lvl2pPr>
-            <a:lvl3pPr>
-              <a:spcBef>
-                <a:spcPct val="30000"/>
-              </a:spcBef>
-              <a:buClr>
-                <a:srgbClr val="000000"/>
-              </a:buClr>
-              <a:buSzPct val="100000"/>
-              <a:buFont typeface="Times New Roman" panose="02020603050405020304" pitchFamily="18" charset="0"/>
-              <a:tabLst>
-                <a:tab pos="0" algn="l"/>
-                <a:tab pos="457200" algn="l"/>
-                <a:tab pos="914400" algn="l"/>
-                <a:tab pos="1371600" algn="l"/>
-                <a:tab pos="1828800" algn="l"/>
-                <a:tab pos="2286000" algn="l"/>
-                <a:tab pos="2743200" algn="l"/>
-                <a:tab pos="3200400" algn="l"/>
-                <a:tab pos="3657600" algn="l"/>
-                <a:tab pos="4114800" algn="l"/>
-                <a:tab pos="4572000" algn="l"/>
-                <a:tab pos="5029200" algn="l"/>
-                <a:tab pos="5486400" algn="l"/>
-                <a:tab pos="5943600" algn="l"/>
-                <a:tab pos="6400800" algn="l"/>
-                <a:tab pos="6858000" algn="l"/>
-                <a:tab pos="7315200" algn="l"/>
-                <a:tab pos="7772400" algn="l"/>
-                <a:tab pos="8229600" algn="l"/>
-                <a:tab pos="8686800" algn="l"/>
-                <a:tab pos="9144000" algn="l"/>
-              </a:tabLst>
-              <a:defRPr sz="1200">
-                <a:solidFill>
-                  <a:srgbClr val="000000"/>
-                </a:solidFill>
-                <a:latin typeface="Times New Roman" panose="02020603050405020304" pitchFamily="18" charset="0"/>
-              </a:defRPr>
-            </a:lvl3pPr>
-            <a:lvl4pPr>
-              <a:spcBef>
-                <a:spcPct val="30000"/>
-              </a:spcBef>
-              <a:buClr>
-                <a:srgbClr val="000000"/>
-              </a:buClr>
-              <a:buSzPct val="100000"/>
-              <a:buFont typeface="Times New Roman" panose="02020603050405020304" pitchFamily="18" charset="0"/>
-              <a:tabLst>
-                <a:tab pos="0" algn="l"/>
-                <a:tab pos="457200" algn="l"/>
-                <a:tab pos="914400" algn="l"/>
-                <a:tab pos="1371600" algn="l"/>
-                <a:tab pos="1828800" algn="l"/>
-                <a:tab pos="2286000" algn="l"/>
-                <a:tab pos="2743200" algn="l"/>
-                <a:tab pos="3200400" algn="l"/>
-                <a:tab pos="3657600" algn="l"/>
-                <a:tab pos="4114800" algn="l"/>
-                <a:tab pos="4572000" algn="l"/>
-                <a:tab pos="5029200" algn="l"/>
-                <a:tab pos="5486400" algn="l"/>
-                <a:tab pos="5943600" algn="l"/>
-                <a:tab pos="6400800" algn="l"/>
-                <a:tab pos="6858000" algn="l"/>
-                <a:tab pos="7315200" algn="l"/>
-                <a:tab pos="7772400" algn="l"/>
-                <a:tab pos="8229600" algn="l"/>
-                <a:tab pos="8686800" algn="l"/>
-                <a:tab pos="9144000" algn="l"/>
-              </a:tabLst>
-              <a:defRPr sz="1200">
-                <a:solidFill>
-                  <a:srgbClr val="000000"/>
-                </a:solidFill>
-                <a:latin typeface="Times New Roman" panose="02020603050405020304" pitchFamily="18" charset="0"/>
-              </a:defRPr>
-            </a:lvl4pPr>
-            <a:lvl5pPr>
-              <a:spcBef>
-                <a:spcPct val="30000"/>
-              </a:spcBef>
-              <a:buClr>
-                <a:srgbClr val="000000"/>
-              </a:buClr>
-              <a:buSzPct val="100000"/>
-              <a:buFont typeface="Times New Roman" panose="02020603050405020304" pitchFamily="18" charset="0"/>
-              <a:tabLst>
-                <a:tab pos="0" algn="l"/>
-                <a:tab pos="457200" algn="l"/>
-                <a:tab pos="914400" algn="l"/>
-                <a:tab pos="1371600" algn="l"/>
-                <a:tab pos="1828800" algn="l"/>
-                <a:tab pos="2286000" algn="l"/>
-                <a:tab pos="2743200" algn="l"/>
-                <a:tab pos="3200400" algn="l"/>
-                <a:tab pos="3657600" algn="l"/>
-                <a:tab pos="4114800" algn="l"/>
-                <a:tab pos="4572000" algn="l"/>
-                <a:tab pos="5029200" algn="l"/>
-                <a:tab pos="5486400" algn="l"/>
-                <a:tab pos="5943600" algn="l"/>
-                <a:tab pos="6400800" algn="l"/>
-                <a:tab pos="6858000" algn="l"/>
-                <a:tab pos="7315200" algn="l"/>
-                <a:tab pos="7772400" algn="l"/>
-                <a:tab pos="8229600" algn="l"/>
-                <a:tab pos="8686800" algn="l"/>
-                <a:tab pos="9144000" algn="l"/>
-              </a:tabLst>
-              <a:defRPr sz="1200">
-                <a:solidFill>
-                  <a:srgbClr val="000000"/>
-                </a:solidFill>
-                <a:latin typeface="Times New Roman" panose="02020603050405020304" pitchFamily="18" charset="0"/>
-              </a:defRPr>
-            </a:lvl5pPr>
-            <a:lvl6pPr marL="2514600" indent="-228600" defTabSz="457200" eaLnBrk="0" fontAlgn="base" hangingPunct="0">
-              <a:spcBef>
-                <a:spcPct val="30000"/>
-              </a:spcBef>
-              <a:spcAft>
-                <a:spcPct val="0"/>
-              </a:spcAft>
-              <a:buClr>
-                <a:srgbClr val="000000"/>
-              </a:buClr>
-              <a:buSzPct val="100000"/>
-              <a:buFont typeface="Times New Roman" panose="02020603050405020304" pitchFamily="18" charset="0"/>
-              <a:tabLst>
-                <a:tab pos="0" algn="l"/>
-                <a:tab pos="457200" algn="l"/>
-                <a:tab pos="914400" algn="l"/>
-                <a:tab pos="1371600" algn="l"/>
-                <a:tab pos="1828800" algn="l"/>
-                <a:tab pos="2286000" algn="l"/>
-                <a:tab pos="2743200" algn="l"/>
-                <a:tab pos="3200400" algn="l"/>
-                <a:tab pos="3657600" algn="l"/>
-                <a:tab pos="4114800" algn="l"/>
-                <a:tab pos="4572000" algn="l"/>
-                <a:tab pos="5029200" algn="l"/>
-                <a:tab pos="5486400" algn="l"/>
-                <a:tab pos="5943600" algn="l"/>
-                <a:tab pos="6400800" algn="l"/>
-                <a:tab pos="6858000" algn="l"/>
-                <a:tab pos="7315200" algn="l"/>
-                <a:tab pos="7772400" algn="l"/>
-                <a:tab pos="8229600" algn="l"/>
-                <a:tab pos="8686800" algn="l"/>
-                <a:tab pos="9144000" algn="l"/>
-              </a:tabLst>
-              <a:defRPr sz="1200">
-                <a:solidFill>
-                  <a:srgbClr val="000000"/>
-                </a:solidFill>
-                <a:latin typeface="Times New Roman" panose="02020603050405020304" pitchFamily="18" charset="0"/>
-              </a:defRPr>
-            </a:lvl6pPr>
-            <a:lvl7pPr marL="2971800" indent="-228600" defTabSz="457200" eaLnBrk="0" fontAlgn="base" hangingPunct="0">
-              <a:spcBef>
-                <a:spcPct val="30000"/>
-              </a:spcBef>
-              <a:spcAft>
-                <a:spcPct val="0"/>
-              </a:spcAft>
-              <a:buClr>
-                <a:srgbClr val="000000"/>
-              </a:buClr>
-              <a:buSzPct val="100000"/>
-              <a:buFont typeface="Times New Roman" panose="02020603050405020304" pitchFamily="18" charset="0"/>
-              <a:tabLst>
-                <a:tab pos="0" algn="l"/>
-                <a:tab pos="457200" algn="l"/>
-                <a:tab pos="914400" algn="l"/>
-                <a:tab pos="1371600" algn="l"/>
-                <a:tab pos="1828800" algn="l"/>
-                <a:tab pos="2286000" algn="l"/>
-                <a:tab pos="2743200" algn="l"/>
-                <a:tab pos="3200400" algn="l"/>
-                <a:tab pos="3657600" algn="l"/>
-                <a:tab pos="4114800" algn="l"/>
-                <a:tab pos="4572000" algn="l"/>
-                <a:tab pos="5029200" algn="l"/>
-                <a:tab pos="5486400" algn="l"/>
-                <a:tab pos="5943600" algn="l"/>
-                <a:tab pos="6400800" algn="l"/>
-                <a:tab pos="6858000" algn="l"/>
-                <a:tab pos="7315200" algn="l"/>
-                <a:tab pos="7772400" algn="l"/>
-                <a:tab pos="8229600" algn="l"/>
-                <a:tab pos="8686800" algn="l"/>
-                <a:tab pos="9144000" algn="l"/>
-              </a:tabLst>
-              <a:defRPr sz="1200">
-                <a:solidFill>
-                  <a:srgbClr val="000000"/>
-                </a:solidFill>
-                <a:latin typeface="Times New Roman" panose="02020603050405020304" pitchFamily="18" charset="0"/>
-              </a:defRPr>
-            </a:lvl7pPr>
-            <a:lvl8pPr marL="3429000" indent="-228600" defTabSz="457200" eaLnBrk="0" fontAlgn="base" hangingPunct="0">
-              <a:spcBef>
-                <a:spcPct val="30000"/>
-              </a:spcBef>
-              <a:spcAft>
-                <a:spcPct val="0"/>
-              </a:spcAft>
-              <a:buClr>
-                <a:srgbClr val="000000"/>
-              </a:buClr>
-              <a:buSzPct val="100000"/>
-              <a:buFont typeface="Times New Roman" panose="02020603050405020304" pitchFamily="18" charset="0"/>
-              <a:tabLst>
-                <a:tab pos="0" algn="l"/>
-                <a:tab pos="457200" algn="l"/>
-                <a:tab pos="914400" algn="l"/>
-                <a:tab pos="1371600" algn="l"/>
-                <a:tab pos="1828800" algn="l"/>
-                <a:tab pos="2286000" algn="l"/>
-                <a:tab pos="2743200" algn="l"/>
-                <a:tab pos="3200400" algn="l"/>
-                <a:tab pos="3657600" algn="l"/>
-                <a:tab pos="4114800" algn="l"/>
-                <a:tab pos="4572000" algn="l"/>
-                <a:tab pos="5029200" algn="l"/>
-                <a:tab pos="5486400" algn="l"/>
-                <a:tab pos="5943600" algn="l"/>
-                <a:tab pos="6400800" algn="l"/>
-                <a:tab pos="6858000" algn="l"/>
-                <a:tab pos="7315200" algn="l"/>
-                <a:tab pos="7772400" algn="l"/>
-                <a:tab pos="8229600" algn="l"/>
-                <a:tab pos="8686800" algn="l"/>
-                <a:tab pos="9144000" algn="l"/>
-              </a:tabLst>
-              <a:defRPr sz="1200">
-                <a:solidFill>
-                  <a:srgbClr val="000000"/>
-                </a:solidFill>
-                <a:latin typeface="Times New Roman" panose="02020603050405020304" pitchFamily="18" charset="0"/>
-              </a:defRPr>
-            </a:lvl8pPr>
-            <a:lvl9pPr marL="3886200" indent="-228600" defTabSz="457200" eaLnBrk="0" fontAlgn="base" hangingPunct="0">
-              <a:spcBef>
-                <a:spcPct val="30000"/>
-              </a:spcBef>
-              <a:spcAft>
-                <a:spcPct val="0"/>
-              </a:spcAft>
-              <a:buClr>
-                <a:srgbClr val="000000"/>
-              </a:buClr>
-              <a:buSzPct val="100000"/>
-              <a:buFont typeface="Times New Roman" panose="02020603050405020304" pitchFamily="18" charset="0"/>
-              <a:tabLst>
-                <a:tab pos="0" algn="l"/>
-                <a:tab pos="457200" algn="l"/>
-                <a:tab pos="914400" algn="l"/>
-                <a:tab pos="1371600" algn="l"/>
-                <a:tab pos="1828800" algn="l"/>
-                <a:tab pos="2286000" algn="l"/>
-                <a:tab pos="2743200" algn="l"/>
-                <a:tab pos="3200400" algn="l"/>
-                <a:tab pos="3657600" algn="l"/>
-                <a:tab pos="4114800" algn="l"/>
-                <a:tab pos="4572000" algn="l"/>
-                <a:tab pos="5029200" algn="l"/>
-                <a:tab pos="5486400" algn="l"/>
-                <a:tab pos="5943600" algn="l"/>
-                <a:tab pos="6400800" algn="l"/>
-                <a:tab pos="6858000" algn="l"/>
-                <a:tab pos="7315200" algn="l"/>
-                <a:tab pos="7772400" algn="l"/>
-                <a:tab pos="8229600" algn="l"/>
-                <a:tab pos="8686800" algn="l"/>
-                <a:tab pos="9144000" algn="l"/>
-              </a:tabLst>
-              <a:defRPr sz="1200">
-                <a:solidFill>
-                  <a:srgbClr val="000000"/>
-                </a:solidFill>
-                <a:latin typeface="Times New Roman" panose="02020603050405020304" pitchFamily="18" charset="0"/>
-              </a:defRPr>
-            </a:lvl9pPr>
-          </a:lstStyle>
-          <a:p>
-            <a:pPr algn="r" eaLnBrk="1">
-              <a:lnSpc>
-                <a:spcPct val="93000"/>
-              </a:lnSpc>
-              <a:spcBef>
-                <a:spcPct val="0"/>
-              </a:spcBef>
-              <a:buClrTx/>
-              <a:buFontTx/>
-              <a:buNone/>
-            </a:pPr>
-            <a:fld id="{1E64C6FB-87A0-42BB-B506-B42340131B1B}" type="slidenum">
-              <a:rPr lang="en-US" altLang="en-US" sz="1400"/>
-              <a:pPr algn="r" eaLnBrk="1">
-                <a:lnSpc>
-                  <a:spcPct val="93000"/>
-                </a:lnSpc>
-                <a:spcBef>
-                  <a:spcPct val="0"/>
-                </a:spcBef>
-                <a:buClrTx/>
-                <a:buFontTx/>
-                <a:buNone/>
-              </a:pPr>
-              <a:t>10</a:t>
-            </a:fld>
-            <a:endParaRPr lang="en-US" altLang="en-US" sz="1400"/>
-          </a:p>
-        </p:txBody>
-      </p:sp>
-      <p:sp>
-        <p:nvSpPr>
-          <p:cNvPr id="15366" name="Rectangle 4"/>
-          <p:cNvSpPr>
-            <a:spLocks noGrp="1" noRot="1" noChangeAspect="1" noChangeArrowheads="1" noTextEdit="1"/>
-          </p:cNvSpPr>
-          <p:nvPr>
-            <p:ph type="sldImg"/>
-          </p:nvPr>
-        </p:nvSpPr>
-        <p:spPr>
-          <a:xfrm>
-            <a:off x="1373188" y="763588"/>
-            <a:ext cx="5026025" cy="3770312"/>
-          </a:xfrm>
-          <a:solidFill>
-            <a:srgbClr val="FFFFFF"/>
-          </a:solidFill>
-          <a:ln>
-            <a:solidFill>
-              <a:srgbClr val="000000"/>
-            </a:solidFill>
-            <a:miter lim="800000"/>
-            <a:headEnd/>
-            <a:tailEnd/>
-          </a:ln>
-          <a:extLst>
-            <a:ext uri="{AF507438-7753-43E0-B8FC-AC1667EBCBE1}">
-              <a14:hiddenEffects xmlns:a14="http://schemas.microsoft.com/office/drawing/2010/main">
-                <a:effectLst>
-                  <a:outerShdw dist="35921" dir="2700000" algn="ctr" rotWithShape="0">
-                    <a:srgbClr val="808080"/>
-                  </a:outerShdw>
-                </a:effectLst>
-              </a14:hiddenEffects>
-            </a:ext>
-          </a:extLst>
-        </p:spPr>
-      </p:sp>
-      <p:sp>
-        <p:nvSpPr>
-          <p:cNvPr id="15367" name="Text Box 5"/>
-          <p:cNvSpPr txBox="1">
-            <a:spLocks noChangeArrowheads="1"/>
-          </p:cNvSpPr>
-          <p:nvPr/>
-        </p:nvSpPr>
-        <p:spPr bwMode="auto">
-          <a:xfrm>
-            <a:off x="777875" y="4776788"/>
-            <a:ext cx="6218238" cy="4525962"/>
-          </a:xfrm>
-          <a:prstGeom prst="rect">
-            <a:avLst/>
-          </a:prstGeom>
-          <a:noFill/>
-          <a:ln>
-            <a:noFill/>
-          </a:ln>
-          <a:effectLst/>
-          <a:extLst>
-            <a:ext uri="{909E8E84-426E-40DD-AFC4-6F175D3DCCD1}">
-              <a14:hiddenFill xmlns:a14="http://schemas.microsoft.com/office/drawing/2010/main">
-                <a:solidFill>
-                  <a:srgbClr val="FFFFFF"/>
-                </a:solidFill>
-              </a14:hiddenFill>
-            </a:ext>
-            <a:ext uri="{91240B29-F687-4F45-9708-019B960494DF}">
-              <a14:hiddenLine xmlns:a14="http://schemas.microsoft.com/office/drawing/2010/main" w="9525">
-                <a:solidFill>
-                  <a:srgbClr val="3465A4"/>
-                </a:solidFill>
-                <a:round/>
-                <a:headEnd/>
-                <a:tailEnd/>
-              </a14:hiddenLine>
-            </a:ext>
-            <a:ext uri="{AF507438-7753-43E0-B8FC-AC1667EBCBE1}">
-              <a14:hiddenEffects xmlns:a14="http://schemas.microsoft.com/office/drawing/2010/main">
-                <a:effectLst>
-                  <a:outerShdw dist="35921" dir="2700000" algn="ctr" rotWithShape="0">
-                    <a:srgbClr val="808080"/>
-                  </a:outerShdw>
-                </a:effectLst>
-              </a14:hiddenEffects>
-            </a:ext>
-          </a:extLst>
-        </p:spPr>
-        <p:txBody>
-          <a:bodyPr wrap="none" anchor="ctr"/>
-          <a:lstStyle/>
-          <a:p>
-            <a:pPr>
-              <a:buClr>
-                <a:srgbClr val="000000"/>
-              </a:buClr>
-              <a:buSzPct val="100000"/>
-              <a:buFont typeface="Times New Roman" panose="02020603050405020304" pitchFamily="18" charset="0"/>
-              <a:buNone/>
-            </a:pPr>
-            <a:endParaRPr lang="en-US" altLang="en-US"/>
-          </a:p>
-        </p:txBody>
-      </p:sp>
-    </p:spTree>
-    <p:extLst>
-      <p:ext uri="{BB962C8B-B14F-4D97-AF65-F5344CB8AC3E}">
         <p14:creationId xmlns:p14="http://schemas.microsoft.com/office/powerpoint/2010/main" val="1479390645"/>
       </p:ext>
     </p:extLst>
@@ -18701,14 +16816,14 @@
         <p:spPr>
           <a:extLst>
             <a:ext uri="{909E8E84-426E-40dd-AFC4-6F175D3DCCD1}">
-              <a14:hiddenFill xmlns:a14="http://schemas.microsoft.com/office/drawing/2010/main" xmlns="">
+              <a14:hiddenFill xmlns="" xmlns:a14="http://schemas.microsoft.com/office/drawing/2010/main">
                 <a:solidFill>
                   <a:srgbClr val="FFFFFF"/>
                 </a:solidFill>
               </a14:hiddenFill>
             </a:ext>
             <a:ext uri="{91240B29-F687-4f45-9708-019B960494DF}">
-              <a14:hiddenLine xmlns:a14="http://schemas.microsoft.com/office/drawing/2010/main" xmlns="" w="9525">
+              <a14:hiddenLine xmlns="" xmlns:a14="http://schemas.microsoft.com/office/drawing/2010/main" w="9525">
                 <a:solidFill>
                   <a:srgbClr val="000000"/>
                 </a:solidFill>
@@ -18718,7 +16833,7 @@
               </a14:hiddenLine>
             </a:ext>
             <a:ext uri="{FAA26D3D-D897-4be2-8F04-BA451C77F1D7}">
-              <ma14:placeholderFlag xmlns:ma14="http://schemas.microsoft.com/office/mac/drawingml/2011/main" xmlns="" val="1"/>
+              <ma14:placeholderFlag xmlns="" xmlns:ma14="http://schemas.microsoft.com/office/mac/drawingml/2011/main" val="1"/>
             </a:ext>
           </a:extLst>
         </p:spPr>
@@ -18752,14 +16867,14 @@
         <p:spPr>
           <a:extLst>
             <a:ext uri="{909E8E84-426E-40dd-AFC4-6F175D3DCCD1}">
-              <a14:hiddenFill xmlns:a14="http://schemas.microsoft.com/office/drawing/2010/main" xmlns="">
+              <a14:hiddenFill xmlns="" xmlns:a14="http://schemas.microsoft.com/office/drawing/2010/main">
                 <a:solidFill>
                   <a:srgbClr val="FFFFFF"/>
                 </a:solidFill>
               </a14:hiddenFill>
             </a:ext>
             <a:ext uri="{91240B29-F687-4f45-9708-019B960494DF}">
-              <a14:hiddenLine xmlns:a14="http://schemas.microsoft.com/office/drawing/2010/main" xmlns="" w="9525">
+              <a14:hiddenLine xmlns="" xmlns:a14="http://schemas.microsoft.com/office/drawing/2010/main" w="9525">
                 <a:solidFill>
                   <a:srgbClr val="000000"/>
                 </a:solidFill>
@@ -18769,7 +16884,7 @@
               </a14:hiddenLine>
             </a:ext>
             <a:ext uri="{FAA26D3D-D897-4be2-8F04-BA451C77F1D7}">
-              <ma14:placeholderFlag xmlns:ma14="http://schemas.microsoft.com/office/mac/drawingml/2011/main" xmlns="" val="1"/>
+              <ma14:placeholderFlag xmlns="" xmlns:ma14="http://schemas.microsoft.com/office/mac/drawingml/2011/main" val="1"/>
             </a:ext>
           </a:extLst>
         </p:spPr>
@@ -18805,14 +16920,14 @@
         <p:spPr>
           <a:extLst>
             <a:ext uri="{909E8E84-426E-40dd-AFC4-6F175D3DCCD1}">
-              <a14:hiddenFill xmlns:a14="http://schemas.microsoft.com/office/drawing/2010/main" xmlns="">
+              <a14:hiddenFill xmlns="" xmlns:a14="http://schemas.microsoft.com/office/drawing/2010/main">
                 <a:solidFill>
                   <a:srgbClr val="FFFFFF"/>
                 </a:solidFill>
               </a14:hiddenFill>
             </a:ext>
             <a:ext uri="{91240B29-F687-4f45-9708-019B960494DF}">
-              <a14:hiddenLine xmlns:a14="http://schemas.microsoft.com/office/drawing/2010/main" xmlns="" w="9525">
+              <a14:hiddenLine xmlns="" xmlns:a14="http://schemas.microsoft.com/office/drawing/2010/main" w="9525">
                 <a:solidFill>
                   <a:srgbClr val="000000"/>
                 </a:solidFill>
@@ -18822,7 +16937,7 @@
               </a14:hiddenLine>
             </a:ext>
             <a:ext uri="{FAA26D3D-D897-4be2-8F04-BA451C77F1D7}">
-              <ma14:placeholderFlag xmlns:ma14="http://schemas.microsoft.com/office/mac/drawingml/2011/main" xmlns="" val="1"/>
+              <ma14:placeholderFlag xmlns="" xmlns:ma14="http://schemas.microsoft.com/office/mac/drawingml/2011/main" val="1"/>
             </a:ext>
           </a:extLst>
         </p:spPr>
@@ -20521,14 +18636,14 @@
         <p:spPr>
           <a:extLst>
             <a:ext uri="{909E8E84-426E-40dd-AFC4-6F175D3DCCD1}">
-              <a14:hiddenFill xmlns:a14="http://schemas.microsoft.com/office/drawing/2010/main" xmlns="">
+              <a14:hiddenFill xmlns="" xmlns:a14="http://schemas.microsoft.com/office/drawing/2010/main">
                 <a:solidFill>
                   <a:srgbClr val="FFFFFF"/>
                 </a:solidFill>
               </a14:hiddenFill>
             </a:ext>
             <a:ext uri="{91240B29-F687-4f45-9708-019B960494DF}">
-              <a14:hiddenLine xmlns:a14="http://schemas.microsoft.com/office/drawing/2010/main" xmlns="" w="9525">
+              <a14:hiddenLine xmlns="" xmlns:a14="http://schemas.microsoft.com/office/drawing/2010/main" w="9525">
                 <a:solidFill>
                   <a:srgbClr val="000000"/>
                 </a:solidFill>
@@ -20538,7 +18653,7 @@
               </a14:hiddenLine>
             </a:ext>
             <a:ext uri="{FAA26D3D-D897-4be2-8F04-BA451C77F1D7}">
-              <ma14:placeholderFlag xmlns:ma14="http://schemas.microsoft.com/office/mac/drawingml/2011/main" xmlns="" val="1"/>
+              <ma14:placeholderFlag xmlns="" xmlns:ma14="http://schemas.microsoft.com/office/mac/drawingml/2011/main" val="1"/>
             </a:ext>
           </a:extLst>
         </p:spPr>
@@ -20572,14 +18687,14 @@
         <p:spPr>
           <a:extLst>
             <a:ext uri="{909E8E84-426E-40dd-AFC4-6F175D3DCCD1}">
-              <a14:hiddenFill xmlns:a14="http://schemas.microsoft.com/office/drawing/2010/main" xmlns="">
+              <a14:hiddenFill xmlns="" xmlns:a14="http://schemas.microsoft.com/office/drawing/2010/main">
                 <a:solidFill>
                   <a:srgbClr val="FFFFFF"/>
                 </a:solidFill>
               </a14:hiddenFill>
             </a:ext>
             <a:ext uri="{91240B29-F687-4f45-9708-019B960494DF}">
-              <a14:hiddenLine xmlns:a14="http://schemas.microsoft.com/office/drawing/2010/main" xmlns="" w="9525">
+              <a14:hiddenLine xmlns="" xmlns:a14="http://schemas.microsoft.com/office/drawing/2010/main" w="9525">
                 <a:solidFill>
                   <a:srgbClr val="000000"/>
                 </a:solidFill>
@@ -20589,7 +18704,7 @@
               </a14:hiddenLine>
             </a:ext>
             <a:ext uri="{FAA26D3D-D897-4be2-8F04-BA451C77F1D7}">
-              <ma14:placeholderFlag xmlns:ma14="http://schemas.microsoft.com/office/mac/drawingml/2011/main" xmlns="" val="1"/>
+              <ma14:placeholderFlag xmlns="" xmlns:ma14="http://schemas.microsoft.com/office/mac/drawingml/2011/main" val="1"/>
             </a:ext>
           </a:extLst>
         </p:spPr>
@@ -20625,14 +18740,14 @@
         <p:spPr>
           <a:extLst>
             <a:ext uri="{909E8E84-426E-40dd-AFC4-6F175D3DCCD1}">
-              <a14:hiddenFill xmlns:a14="http://schemas.microsoft.com/office/drawing/2010/main" xmlns="">
+              <a14:hiddenFill xmlns="" xmlns:a14="http://schemas.microsoft.com/office/drawing/2010/main">
                 <a:solidFill>
                   <a:srgbClr val="FFFFFF"/>
                 </a:solidFill>
               </a14:hiddenFill>
             </a:ext>
             <a:ext uri="{91240B29-F687-4f45-9708-019B960494DF}">
-              <a14:hiddenLine xmlns:a14="http://schemas.microsoft.com/office/drawing/2010/main" xmlns="" w="9525">
+              <a14:hiddenLine xmlns="" xmlns:a14="http://schemas.microsoft.com/office/drawing/2010/main" w="9525">
                 <a:solidFill>
                   <a:srgbClr val="000000"/>
                 </a:solidFill>
@@ -20642,7 +18757,7 @@
               </a14:hiddenLine>
             </a:ext>
             <a:ext uri="{FAA26D3D-D897-4be2-8F04-BA451C77F1D7}">
-              <ma14:placeholderFlag xmlns:ma14="http://schemas.microsoft.com/office/mac/drawingml/2011/main" xmlns="" val="1"/>
+              <ma14:placeholderFlag xmlns="" xmlns:ma14="http://schemas.microsoft.com/office/mac/drawingml/2011/main" val="1"/>
             </a:ext>
           </a:extLst>
         </p:spPr>
@@ -20852,14 +18967,14 @@
         <p:spPr>
           <a:extLst>
             <a:ext uri="{909E8E84-426E-40dd-AFC4-6F175D3DCCD1}">
-              <a14:hiddenFill xmlns:a14="http://schemas.microsoft.com/office/drawing/2010/main" xmlns="">
+              <a14:hiddenFill xmlns="" xmlns:a14="http://schemas.microsoft.com/office/drawing/2010/main">
                 <a:solidFill>
                   <a:srgbClr val="FFFFFF"/>
                 </a:solidFill>
               </a14:hiddenFill>
             </a:ext>
             <a:ext uri="{91240B29-F687-4f45-9708-019B960494DF}">
-              <a14:hiddenLine xmlns:a14="http://schemas.microsoft.com/office/drawing/2010/main" xmlns="" w="9525">
+              <a14:hiddenLine xmlns="" xmlns:a14="http://schemas.microsoft.com/office/drawing/2010/main" w="9525">
                 <a:solidFill>
                   <a:srgbClr val="000000"/>
                 </a:solidFill>
@@ -20869,7 +18984,7 @@
               </a14:hiddenLine>
             </a:ext>
             <a:ext uri="{FAA26D3D-D897-4be2-8F04-BA451C77F1D7}">
-              <ma14:placeholderFlag xmlns:ma14="http://schemas.microsoft.com/office/mac/drawingml/2011/main" xmlns="" val="1"/>
+              <ma14:placeholderFlag xmlns="" xmlns:ma14="http://schemas.microsoft.com/office/mac/drawingml/2011/main" val="1"/>
             </a:ext>
           </a:extLst>
         </p:spPr>
@@ -20903,14 +19018,14 @@
         <p:spPr>
           <a:extLst>
             <a:ext uri="{909E8E84-426E-40dd-AFC4-6F175D3DCCD1}">
-              <a14:hiddenFill xmlns:a14="http://schemas.microsoft.com/office/drawing/2010/main" xmlns="">
+              <a14:hiddenFill xmlns="" xmlns:a14="http://schemas.microsoft.com/office/drawing/2010/main">
                 <a:solidFill>
                   <a:srgbClr val="FFFFFF"/>
                 </a:solidFill>
               </a14:hiddenFill>
             </a:ext>
             <a:ext uri="{91240B29-F687-4f45-9708-019B960494DF}">
-              <a14:hiddenLine xmlns:a14="http://schemas.microsoft.com/office/drawing/2010/main" xmlns="" w="9525">
+              <a14:hiddenLine xmlns="" xmlns:a14="http://schemas.microsoft.com/office/drawing/2010/main" w="9525">
                 <a:solidFill>
                   <a:srgbClr val="000000"/>
                 </a:solidFill>
@@ -20920,7 +19035,7 @@
               </a14:hiddenLine>
             </a:ext>
             <a:ext uri="{FAA26D3D-D897-4be2-8F04-BA451C77F1D7}">
-              <ma14:placeholderFlag xmlns:ma14="http://schemas.microsoft.com/office/mac/drawingml/2011/main" xmlns="" val="1"/>
+              <ma14:placeholderFlag xmlns="" xmlns:ma14="http://schemas.microsoft.com/office/mac/drawingml/2011/main" val="1"/>
             </a:ext>
           </a:extLst>
         </p:spPr>
@@ -20956,14 +19071,14 @@
         <p:spPr>
           <a:extLst>
             <a:ext uri="{909E8E84-426E-40dd-AFC4-6F175D3DCCD1}">
-              <a14:hiddenFill xmlns:a14="http://schemas.microsoft.com/office/drawing/2010/main" xmlns="">
+              <a14:hiddenFill xmlns="" xmlns:a14="http://schemas.microsoft.com/office/drawing/2010/main">
                 <a:solidFill>
                   <a:srgbClr val="FFFFFF"/>
                 </a:solidFill>
               </a14:hiddenFill>
             </a:ext>
             <a:ext uri="{91240B29-F687-4f45-9708-019B960494DF}">
-              <a14:hiddenLine xmlns:a14="http://schemas.microsoft.com/office/drawing/2010/main" xmlns="" w="9525">
+              <a14:hiddenLine xmlns="" xmlns:a14="http://schemas.microsoft.com/office/drawing/2010/main" w="9525">
                 <a:solidFill>
                   <a:srgbClr val="000000"/>
                 </a:solidFill>
@@ -20973,7 +19088,7 @@
               </a14:hiddenLine>
             </a:ext>
             <a:ext uri="{FAA26D3D-D897-4be2-8F04-BA451C77F1D7}">
-              <ma14:placeholderFlag xmlns:ma14="http://schemas.microsoft.com/office/mac/drawingml/2011/main" xmlns="" val="1"/>
+              <ma14:placeholderFlag xmlns="" xmlns:ma14="http://schemas.microsoft.com/office/mac/drawingml/2011/main" val="1"/>
             </a:ext>
           </a:extLst>
         </p:spPr>
@@ -21172,14 +19287,14 @@
         <p:spPr>
           <a:extLst>
             <a:ext uri="{909E8E84-426E-40dd-AFC4-6F175D3DCCD1}">
-              <a14:hiddenFill xmlns:a14="http://schemas.microsoft.com/office/drawing/2010/main" xmlns="">
+              <a14:hiddenFill xmlns="" xmlns:a14="http://schemas.microsoft.com/office/drawing/2010/main">
                 <a:solidFill>
                   <a:srgbClr val="FFFFFF"/>
                 </a:solidFill>
               </a14:hiddenFill>
             </a:ext>
             <a:ext uri="{91240B29-F687-4f45-9708-019B960494DF}">
-              <a14:hiddenLine xmlns:a14="http://schemas.microsoft.com/office/drawing/2010/main" xmlns="" w="9525">
+              <a14:hiddenLine xmlns="" xmlns:a14="http://schemas.microsoft.com/office/drawing/2010/main" w="9525">
                 <a:solidFill>
                   <a:srgbClr val="000000"/>
                 </a:solidFill>
@@ -21189,7 +19304,7 @@
               </a14:hiddenLine>
             </a:ext>
             <a:ext uri="{FAA26D3D-D897-4be2-8F04-BA451C77F1D7}">
-              <ma14:placeholderFlag xmlns:ma14="http://schemas.microsoft.com/office/mac/drawingml/2011/main" xmlns="" val="1"/>
+              <ma14:placeholderFlag xmlns="" xmlns:ma14="http://schemas.microsoft.com/office/mac/drawingml/2011/main" val="1"/>
             </a:ext>
           </a:extLst>
         </p:spPr>
@@ -21223,14 +19338,14 @@
         <p:spPr>
           <a:extLst>
             <a:ext uri="{909E8E84-426E-40dd-AFC4-6F175D3DCCD1}">
-              <a14:hiddenFill xmlns:a14="http://schemas.microsoft.com/office/drawing/2010/main" xmlns="">
+              <a14:hiddenFill xmlns="" xmlns:a14="http://schemas.microsoft.com/office/drawing/2010/main">
                 <a:solidFill>
                   <a:srgbClr val="FFFFFF"/>
                 </a:solidFill>
               </a14:hiddenFill>
             </a:ext>
             <a:ext uri="{91240B29-F687-4f45-9708-019B960494DF}">
-              <a14:hiddenLine xmlns:a14="http://schemas.microsoft.com/office/drawing/2010/main" xmlns="" w="9525">
+              <a14:hiddenLine xmlns="" xmlns:a14="http://schemas.microsoft.com/office/drawing/2010/main" w="9525">
                 <a:solidFill>
                   <a:srgbClr val="000000"/>
                 </a:solidFill>
@@ -21240,7 +19355,7 @@
               </a14:hiddenLine>
             </a:ext>
             <a:ext uri="{FAA26D3D-D897-4be2-8F04-BA451C77F1D7}">
-              <ma14:placeholderFlag xmlns:ma14="http://schemas.microsoft.com/office/mac/drawingml/2011/main" xmlns="" val="1"/>
+              <ma14:placeholderFlag xmlns="" xmlns:ma14="http://schemas.microsoft.com/office/mac/drawingml/2011/main" val="1"/>
             </a:ext>
           </a:extLst>
         </p:spPr>
@@ -21276,14 +19391,14 @@
         <p:spPr>
           <a:extLst>
             <a:ext uri="{909E8E84-426E-40dd-AFC4-6F175D3DCCD1}">
-              <a14:hiddenFill xmlns:a14="http://schemas.microsoft.com/office/drawing/2010/main" xmlns="">
+              <a14:hiddenFill xmlns="" xmlns:a14="http://schemas.microsoft.com/office/drawing/2010/main">
                 <a:solidFill>
                   <a:srgbClr val="FFFFFF"/>
                 </a:solidFill>
               </a14:hiddenFill>
             </a:ext>
             <a:ext uri="{91240B29-F687-4f45-9708-019B960494DF}">
-              <a14:hiddenLine xmlns:a14="http://schemas.microsoft.com/office/drawing/2010/main" xmlns="" w="9525">
+              <a14:hiddenLine xmlns="" xmlns:a14="http://schemas.microsoft.com/office/drawing/2010/main" w="9525">
                 <a:solidFill>
                   <a:srgbClr val="000000"/>
                 </a:solidFill>
@@ -21293,7 +19408,7 @@
               </a14:hiddenLine>
             </a:ext>
             <a:ext uri="{FAA26D3D-D897-4be2-8F04-BA451C77F1D7}">
-              <ma14:placeholderFlag xmlns:ma14="http://schemas.microsoft.com/office/mac/drawingml/2011/main" xmlns="" val="1"/>
+              <ma14:placeholderFlag xmlns="" xmlns:ma14="http://schemas.microsoft.com/office/mac/drawingml/2011/main" val="1"/>
             </a:ext>
           </a:extLst>
         </p:spPr>
@@ -22004,14 +20119,14 @@
           </a:ln>
           <a:extLst>
             <a:ext uri="{909E8E84-426E-40dd-AFC4-6F175D3DCCD1}">
-              <a14:hiddenFill xmlns:a14="http://schemas.microsoft.com/office/drawing/2010/main" xmlns="">
+              <a14:hiddenFill xmlns="" xmlns:a14="http://schemas.microsoft.com/office/drawing/2010/main">
                 <a:solidFill>
                   <a:srgbClr val="FFFFFF"/>
                 </a:solidFill>
               </a14:hiddenFill>
             </a:ext>
             <a:ext uri="{91240B29-F687-4f45-9708-019B960494DF}">
-              <a14:hiddenLine xmlns:a14="http://schemas.microsoft.com/office/drawing/2010/main" xmlns="" w="9525">
+              <a14:hiddenLine xmlns="" xmlns:a14="http://schemas.microsoft.com/office/drawing/2010/main" w="9525">
                 <a:solidFill>
                   <a:srgbClr val="000000"/>
                 </a:solidFill>
@@ -22021,7 +20136,7 @@
               </a14:hiddenLine>
             </a:ext>
             <a:ext uri="{FAA26D3D-D897-4be2-8F04-BA451C77F1D7}">
-              <ma14:placeholderFlag xmlns:ma14="http://schemas.microsoft.com/office/mac/drawingml/2011/main" xmlns="" val="1"/>
+              <ma14:placeholderFlag xmlns="" xmlns:ma14="http://schemas.microsoft.com/office/mac/drawingml/2011/main" val="1"/>
             </a:ext>
           </a:extLst>
         </p:spPr>
@@ -22075,14 +20190,14 @@
           </a:ln>
           <a:extLst>
             <a:ext uri="{909E8E84-426E-40dd-AFC4-6F175D3DCCD1}">
-              <a14:hiddenFill xmlns:a14="http://schemas.microsoft.com/office/drawing/2010/main" xmlns="">
+              <a14:hiddenFill xmlns="" xmlns:a14="http://schemas.microsoft.com/office/drawing/2010/main">
                 <a:solidFill>
                   <a:srgbClr val="FFFFFF"/>
                 </a:solidFill>
               </a14:hiddenFill>
             </a:ext>
             <a:ext uri="{91240B29-F687-4f45-9708-019B960494DF}">
-              <a14:hiddenLine xmlns:a14="http://schemas.microsoft.com/office/drawing/2010/main" xmlns="" w="9525">
+              <a14:hiddenLine xmlns="" xmlns:a14="http://schemas.microsoft.com/office/drawing/2010/main" w="9525">
                 <a:solidFill>
                   <a:srgbClr val="000000"/>
                 </a:solidFill>
@@ -22092,7 +20207,7 @@
               </a14:hiddenLine>
             </a:ext>
             <a:ext uri="{FAA26D3D-D897-4be2-8F04-BA451C77F1D7}">
-              <ma14:placeholderFlag xmlns:ma14="http://schemas.microsoft.com/office/mac/drawingml/2011/main" xmlns="" val="1"/>
+              <ma14:placeholderFlag xmlns="" xmlns:ma14="http://schemas.microsoft.com/office/mac/drawingml/2011/main" val="1"/>
             </a:ext>
           </a:extLst>
         </p:spPr>
@@ -22150,14 +20265,14 @@
           </a:ln>
           <a:extLst>
             <a:ext uri="{909E8E84-426E-40dd-AFC4-6F175D3DCCD1}">
-              <a14:hiddenFill xmlns:a14="http://schemas.microsoft.com/office/drawing/2010/main" xmlns="">
+              <a14:hiddenFill xmlns="" xmlns:a14="http://schemas.microsoft.com/office/drawing/2010/main">
                 <a:solidFill>
                   <a:srgbClr val="FFFFFF"/>
                 </a:solidFill>
               </a14:hiddenFill>
             </a:ext>
             <a:ext uri="{91240B29-F687-4f45-9708-019B960494DF}">
-              <a14:hiddenLine xmlns:a14="http://schemas.microsoft.com/office/drawing/2010/main" xmlns="" w="9525">
+              <a14:hiddenLine xmlns="" xmlns:a14="http://schemas.microsoft.com/office/drawing/2010/main" w="9525">
                 <a:solidFill>
                   <a:srgbClr val="000000"/>
                 </a:solidFill>
@@ -22167,7 +20282,7 @@
               </a14:hiddenLine>
             </a:ext>
             <a:ext uri="{FAA26D3D-D897-4be2-8F04-BA451C77F1D7}">
-              <ma14:placeholderFlag xmlns:ma14="http://schemas.microsoft.com/office/mac/drawingml/2011/main" xmlns="" val="1"/>
+              <ma14:placeholderFlag xmlns="" xmlns:ma14="http://schemas.microsoft.com/office/mac/drawingml/2011/main" val="1"/>
             </a:ext>
           </a:extLst>
         </p:spPr>
@@ -22822,1806 +20937,6 @@
 </p:sld>
 </file>
 
-<file path=ppt/slides/slide10.xml><?xml version="1.0" encoding="utf-8"?>
-<p:sld xmlns:a="http://schemas.openxmlformats.org/drawingml/2006/main" xmlns:r="http://schemas.openxmlformats.org/officeDocument/2006/relationships" xmlns:p="http://schemas.openxmlformats.org/presentationml/2006/main">
-  <p:cSld>
-    <p:spTree>
-      <p:nvGrpSpPr>
-        <p:cNvPr id="1" name=""/>
-        <p:cNvGrpSpPr/>
-        <p:nvPr/>
-      </p:nvGrpSpPr>
-      <p:grpSpPr>
-        <a:xfrm>
-          <a:off x="0" y="0"/>
-          <a:ext cx="0" cy="0"/>
-          <a:chOff x="0" y="0"/>
-          <a:chExt cx="0" cy="0"/>
-        </a:xfrm>
-      </p:grpSpPr>
-      <p:sp>
-        <p:nvSpPr>
-          <p:cNvPr id="14340" name="Freeform 3"/>
-          <p:cNvSpPr>
-            <a:spLocks noChangeArrowheads="1"/>
-          </p:cNvSpPr>
-          <p:nvPr/>
-        </p:nvSpPr>
-        <p:spPr bwMode="auto">
-          <a:xfrm>
-            <a:off x="6869113" y="5257800"/>
-            <a:ext cx="346075" cy="895350"/>
-          </a:xfrm>
-          <a:custGeom>
-            <a:avLst/>
-            <a:gdLst>
-              <a:gd name="T0" fmla="*/ 0 w 222250"/>
-              <a:gd name="T1" fmla="*/ 0 h 723900"/>
-              <a:gd name="T2" fmla="*/ 80514 w 222250"/>
-              <a:gd name="T3" fmla="*/ 0 h 723900"/>
-              <a:gd name="T4" fmla="*/ 80514 w 222250"/>
-              <a:gd name="T5" fmla="*/ 20872 h 723900"/>
-              <a:gd name="T6" fmla="*/ 0 w 222250"/>
-              <a:gd name="T7" fmla="*/ 20872 h 723900"/>
-              <a:gd name="T8" fmla="*/ 0 w 222250"/>
-              <a:gd name="T9" fmla="*/ 0 h 723900"/>
-              <a:gd name="T10" fmla="*/ 0 60000 65536"/>
-              <a:gd name="T11" fmla="*/ 0 60000 65536"/>
-              <a:gd name="T12" fmla="*/ 0 60000 65536"/>
-              <a:gd name="T13" fmla="*/ 0 60000 65536"/>
-              <a:gd name="T14" fmla="*/ 0 60000 65536"/>
-              <a:gd name="T15" fmla="*/ 0 w 222250"/>
-              <a:gd name="T16" fmla="*/ 0 h 723900"/>
-              <a:gd name="T17" fmla="*/ 222250 w 222250"/>
-              <a:gd name="T18" fmla="*/ 723900 h 723900"/>
-            </a:gdLst>
-            <a:ahLst/>
-            <a:cxnLst>
-              <a:cxn ang="T10">
-                <a:pos x="T0" y="T1"/>
-              </a:cxn>
-              <a:cxn ang="T11">
-                <a:pos x="T2" y="T3"/>
-              </a:cxn>
-              <a:cxn ang="T12">
-                <a:pos x="T4" y="T5"/>
-              </a:cxn>
-              <a:cxn ang="T13">
-                <a:pos x="T6" y="T7"/>
-              </a:cxn>
-              <a:cxn ang="T14">
-                <a:pos x="T8" y="T9"/>
-              </a:cxn>
-            </a:cxnLst>
-            <a:rect l="T15" t="T16" r="T17" b="T18"/>
-            <a:pathLst>
-              <a:path w="222250" h="723900">
-                <a:moveTo>
-                  <a:pt x="0" y="0"/>
-                </a:moveTo>
-                <a:lnTo>
-                  <a:pt x="617" y="0"/>
-                </a:lnTo>
-                <a:lnTo>
-                  <a:pt x="617" y="2014"/>
-                </a:lnTo>
-                <a:lnTo>
-                  <a:pt x="0" y="2014"/>
-                </a:lnTo>
-                <a:lnTo>
-                  <a:pt x="0" y="0"/>
-                </a:lnTo>
-                <a:close/>
-              </a:path>
-            </a:pathLst>
-          </a:custGeom>
-          <a:noFill/>
-          <a:ln>
-            <a:noFill/>
-          </a:ln>
-          <a:effectLst/>
-          <a:extLst>
-            <a:ext uri="{909E8E84-426E-40DD-AFC4-6F175D3DCCD1}">
-              <a14:hiddenFill xmlns:a14="http://schemas.microsoft.com/office/drawing/2010/main">
-                <a:solidFill>
-                  <a:srgbClr val="FFFFFF"/>
-                </a:solidFill>
-              </a14:hiddenFill>
-            </a:ext>
-            <a:ext uri="{91240B29-F687-4F45-9708-019B960494DF}">
-              <a14:hiddenLine xmlns:a14="http://schemas.microsoft.com/office/drawing/2010/main" w="9525" cap="flat">
-                <a:solidFill>
-                  <a:srgbClr val="3465A4"/>
-                </a:solidFill>
-                <a:round/>
-                <a:headEnd/>
-                <a:tailEnd/>
-              </a14:hiddenLine>
-            </a:ext>
-            <a:ext uri="{AF507438-7753-43E0-B8FC-AC1667EBCBE1}">
-              <a14:hiddenEffects xmlns:a14="http://schemas.microsoft.com/office/drawing/2010/main">
-                <a:effectLst>
-                  <a:outerShdw dist="35921" dir="2700000" algn="ctr" rotWithShape="0">
-                    <a:srgbClr val="808080"/>
-                  </a:outerShdw>
-                </a:effectLst>
-              </a14:hiddenEffects>
-            </a:ext>
-          </a:extLst>
-        </p:spPr>
-        <p:txBody>
-          <a:bodyPr wrap="none" anchor="ctr"/>
-          <a:lstStyle/>
-          <a:p>
-            <a:endParaRPr lang="en-US"/>
-          </a:p>
-        </p:txBody>
-      </p:sp>
-      <p:sp>
-        <p:nvSpPr>
-          <p:cNvPr id="14341" name="Text Box 4"/>
-          <p:cNvSpPr txBox="1">
-            <a:spLocks noChangeArrowheads="1"/>
-          </p:cNvSpPr>
-          <p:nvPr/>
-        </p:nvSpPr>
-        <p:spPr bwMode="auto">
-          <a:xfrm>
-            <a:off x="7620000" y="7938"/>
-            <a:ext cx="1033463" cy="333375"/>
-          </a:xfrm>
-          <a:prstGeom prst="rect">
-            <a:avLst/>
-          </a:prstGeom>
-          <a:noFill/>
-          <a:ln>
-            <a:noFill/>
-          </a:ln>
-          <a:effectLst/>
-          <a:extLst>
-            <a:ext uri="{909E8E84-426E-40DD-AFC4-6F175D3DCCD1}">
-              <a14:hiddenFill xmlns:a14="http://schemas.microsoft.com/office/drawing/2010/main">
-                <a:solidFill>
-                  <a:srgbClr val="FFFFFF"/>
-                </a:solidFill>
-              </a14:hiddenFill>
-            </a:ext>
-            <a:ext uri="{91240B29-F687-4F45-9708-019B960494DF}">
-              <a14:hiddenLine xmlns:a14="http://schemas.microsoft.com/office/drawing/2010/main" w="9525">
-                <a:solidFill>
-                  <a:srgbClr val="3465A4"/>
-                </a:solidFill>
-                <a:round/>
-                <a:headEnd/>
-                <a:tailEnd/>
-              </a14:hiddenLine>
-            </a:ext>
-            <a:ext uri="{AF507438-7753-43E0-B8FC-AC1667EBCBE1}">
-              <a14:hiddenEffects xmlns:a14="http://schemas.microsoft.com/office/drawing/2010/main">
-                <a:effectLst>
-                  <a:outerShdw dist="35921" dir="2700000" algn="ctr" rotWithShape="0">
-                    <a:srgbClr val="808080"/>
-                  </a:outerShdw>
-                </a:effectLst>
-              </a14:hiddenEffects>
-            </a:ext>
-          </a:extLst>
-        </p:spPr>
-        <p:txBody>
-          <a:bodyPr lIns="90000" tIns="46800" rIns="90000" bIns="46800" anchor="ctr"/>
-          <a:lstStyle>
-            <a:lvl1pPr>
-              <a:spcBef>
-                <a:spcPts val="600"/>
-              </a:spcBef>
-              <a:buClr>
-                <a:srgbClr val="000000"/>
-              </a:buClr>
-              <a:buSzPct val="100000"/>
-              <a:buFont typeface="Times New Roman" panose="02020603050405020304" pitchFamily="18" charset="0"/>
-              <a:tabLst>
-                <a:tab pos="0" algn="l"/>
-                <a:tab pos="457200" algn="l"/>
-                <a:tab pos="914400" algn="l"/>
-                <a:tab pos="1371600" algn="l"/>
-                <a:tab pos="1828800" algn="l"/>
-                <a:tab pos="2286000" algn="l"/>
-                <a:tab pos="2743200" algn="l"/>
-                <a:tab pos="3200400" algn="l"/>
-                <a:tab pos="3657600" algn="l"/>
-                <a:tab pos="4114800" algn="l"/>
-                <a:tab pos="4572000" algn="l"/>
-                <a:tab pos="5029200" algn="l"/>
-                <a:tab pos="5486400" algn="l"/>
-                <a:tab pos="5943600" algn="l"/>
-                <a:tab pos="6400800" algn="l"/>
-                <a:tab pos="6858000" algn="l"/>
-                <a:tab pos="7315200" algn="l"/>
-                <a:tab pos="7772400" algn="l"/>
-                <a:tab pos="8229600" algn="l"/>
-                <a:tab pos="8686800" algn="l"/>
-                <a:tab pos="9144000" algn="l"/>
-              </a:tabLst>
-              <a:defRPr sz="2400">
-                <a:solidFill>
-                  <a:srgbClr val="292934"/>
-                </a:solidFill>
-                <a:latin typeface="Arial" panose="020B0604020202020204" pitchFamily="34" charset="0"/>
-                <a:ea typeface="WenQuanYi Micro Hei"/>
-                <a:cs typeface="WenQuanYi Micro Hei"/>
-              </a:defRPr>
-            </a:lvl1pPr>
-            <a:lvl2pPr>
-              <a:spcBef>
-                <a:spcPts val="500"/>
-              </a:spcBef>
-              <a:buClr>
-                <a:srgbClr val="000000"/>
-              </a:buClr>
-              <a:buSzPct val="100000"/>
-              <a:buFont typeface="Times New Roman" panose="02020603050405020304" pitchFamily="18" charset="0"/>
-              <a:tabLst>
-                <a:tab pos="0" algn="l"/>
-                <a:tab pos="457200" algn="l"/>
-                <a:tab pos="914400" algn="l"/>
-                <a:tab pos="1371600" algn="l"/>
-                <a:tab pos="1828800" algn="l"/>
-                <a:tab pos="2286000" algn="l"/>
-                <a:tab pos="2743200" algn="l"/>
-                <a:tab pos="3200400" algn="l"/>
-                <a:tab pos="3657600" algn="l"/>
-                <a:tab pos="4114800" algn="l"/>
-                <a:tab pos="4572000" algn="l"/>
-                <a:tab pos="5029200" algn="l"/>
-                <a:tab pos="5486400" algn="l"/>
-                <a:tab pos="5943600" algn="l"/>
-                <a:tab pos="6400800" algn="l"/>
-                <a:tab pos="6858000" algn="l"/>
-                <a:tab pos="7315200" algn="l"/>
-                <a:tab pos="7772400" algn="l"/>
-                <a:tab pos="8229600" algn="l"/>
-                <a:tab pos="8686800" algn="l"/>
-                <a:tab pos="9144000" algn="l"/>
-              </a:tabLst>
-              <a:defRPr sz="2000">
-                <a:solidFill>
-                  <a:srgbClr val="292934"/>
-                </a:solidFill>
-                <a:latin typeface="Arial" panose="020B0604020202020204" pitchFamily="34" charset="0"/>
-                <a:ea typeface="WenQuanYi Micro Hei"/>
-                <a:cs typeface="WenQuanYi Micro Hei"/>
-              </a:defRPr>
-            </a:lvl2pPr>
-            <a:lvl3pPr>
-              <a:spcBef>
-                <a:spcPts val="450"/>
-              </a:spcBef>
-              <a:buClr>
-                <a:srgbClr val="000000"/>
-              </a:buClr>
-              <a:buSzPct val="100000"/>
-              <a:buFont typeface="Times New Roman" panose="02020603050405020304" pitchFamily="18" charset="0"/>
-              <a:tabLst>
-                <a:tab pos="0" algn="l"/>
-                <a:tab pos="457200" algn="l"/>
-                <a:tab pos="914400" algn="l"/>
-                <a:tab pos="1371600" algn="l"/>
-                <a:tab pos="1828800" algn="l"/>
-                <a:tab pos="2286000" algn="l"/>
-                <a:tab pos="2743200" algn="l"/>
-                <a:tab pos="3200400" algn="l"/>
-                <a:tab pos="3657600" algn="l"/>
-                <a:tab pos="4114800" algn="l"/>
-                <a:tab pos="4572000" algn="l"/>
-                <a:tab pos="5029200" algn="l"/>
-                <a:tab pos="5486400" algn="l"/>
-                <a:tab pos="5943600" algn="l"/>
-                <a:tab pos="6400800" algn="l"/>
-                <a:tab pos="6858000" algn="l"/>
-                <a:tab pos="7315200" algn="l"/>
-                <a:tab pos="7772400" algn="l"/>
-                <a:tab pos="8229600" algn="l"/>
-                <a:tab pos="8686800" algn="l"/>
-                <a:tab pos="9144000" algn="l"/>
-              </a:tabLst>
-              <a:defRPr>
-                <a:solidFill>
-                  <a:srgbClr val="292934"/>
-                </a:solidFill>
-                <a:latin typeface="Arial" panose="020B0604020202020204" pitchFamily="34" charset="0"/>
-                <a:ea typeface="WenQuanYi Micro Hei"/>
-                <a:cs typeface="WenQuanYi Micro Hei"/>
-              </a:defRPr>
-            </a:lvl3pPr>
-            <a:lvl4pPr>
-              <a:spcBef>
-                <a:spcPts val="400"/>
-              </a:spcBef>
-              <a:buClr>
-                <a:srgbClr val="000000"/>
-              </a:buClr>
-              <a:buSzPct val="100000"/>
-              <a:buFont typeface="Times New Roman" panose="02020603050405020304" pitchFamily="18" charset="0"/>
-              <a:tabLst>
-                <a:tab pos="0" algn="l"/>
-                <a:tab pos="457200" algn="l"/>
-                <a:tab pos="914400" algn="l"/>
-                <a:tab pos="1371600" algn="l"/>
-                <a:tab pos="1828800" algn="l"/>
-                <a:tab pos="2286000" algn="l"/>
-                <a:tab pos="2743200" algn="l"/>
-                <a:tab pos="3200400" algn="l"/>
-                <a:tab pos="3657600" algn="l"/>
-                <a:tab pos="4114800" algn="l"/>
-                <a:tab pos="4572000" algn="l"/>
-                <a:tab pos="5029200" algn="l"/>
-                <a:tab pos="5486400" algn="l"/>
-                <a:tab pos="5943600" algn="l"/>
-                <a:tab pos="6400800" algn="l"/>
-                <a:tab pos="6858000" algn="l"/>
-                <a:tab pos="7315200" algn="l"/>
-                <a:tab pos="7772400" algn="l"/>
-                <a:tab pos="8229600" algn="l"/>
-                <a:tab pos="8686800" algn="l"/>
-                <a:tab pos="9144000" algn="l"/>
-              </a:tabLst>
-              <a:defRPr sz="1600">
-                <a:solidFill>
-                  <a:srgbClr val="292934"/>
-                </a:solidFill>
-                <a:latin typeface="Arial" panose="020B0604020202020204" pitchFamily="34" charset="0"/>
-                <a:ea typeface="WenQuanYi Micro Hei"/>
-                <a:cs typeface="WenQuanYi Micro Hei"/>
-              </a:defRPr>
-            </a:lvl4pPr>
-            <a:lvl5pPr>
-              <a:spcBef>
-                <a:spcPts val="350"/>
-              </a:spcBef>
-              <a:buClr>
-                <a:srgbClr val="000000"/>
-              </a:buClr>
-              <a:buSzPct val="100000"/>
-              <a:buFont typeface="Times New Roman" panose="02020603050405020304" pitchFamily="18" charset="0"/>
-              <a:tabLst>
-                <a:tab pos="0" algn="l"/>
-                <a:tab pos="457200" algn="l"/>
-                <a:tab pos="914400" algn="l"/>
-                <a:tab pos="1371600" algn="l"/>
-                <a:tab pos="1828800" algn="l"/>
-                <a:tab pos="2286000" algn="l"/>
-                <a:tab pos="2743200" algn="l"/>
-                <a:tab pos="3200400" algn="l"/>
-                <a:tab pos="3657600" algn="l"/>
-                <a:tab pos="4114800" algn="l"/>
-                <a:tab pos="4572000" algn="l"/>
-                <a:tab pos="5029200" algn="l"/>
-                <a:tab pos="5486400" algn="l"/>
-                <a:tab pos="5943600" algn="l"/>
-                <a:tab pos="6400800" algn="l"/>
-                <a:tab pos="6858000" algn="l"/>
-                <a:tab pos="7315200" algn="l"/>
-                <a:tab pos="7772400" algn="l"/>
-                <a:tab pos="8229600" algn="l"/>
-                <a:tab pos="8686800" algn="l"/>
-                <a:tab pos="9144000" algn="l"/>
-              </a:tabLst>
-              <a:defRPr sz="1400">
-                <a:solidFill>
-                  <a:srgbClr val="292934"/>
-                </a:solidFill>
-                <a:latin typeface="Arial" panose="020B0604020202020204" pitchFamily="34" charset="0"/>
-                <a:ea typeface="WenQuanYi Micro Hei"/>
-                <a:cs typeface="WenQuanYi Micro Hei"/>
-              </a:defRPr>
-            </a:lvl5pPr>
-            <a:lvl6pPr marL="2514600" indent="-228600" defTabSz="457200" eaLnBrk="0" fontAlgn="base" hangingPunct="0">
-              <a:spcBef>
-                <a:spcPts val="350"/>
-              </a:spcBef>
-              <a:spcAft>
-                <a:spcPct val="0"/>
-              </a:spcAft>
-              <a:buClr>
-                <a:srgbClr val="000000"/>
-              </a:buClr>
-              <a:buSzPct val="100000"/>
-              <a:buFont typeface="Times New Roman" panose="02020603050405020304" pitchFamily="18" charset="0"/>
-              <a:tabLst>
-                <a:tab pos="0" algn="l"/>
-                <a:tab pos="457200" algn="l"/>
-                <a:tab pos="914400" algn="l"/>
-                <a:tab pos="1371600" algn="l"/>
-                <a:tab pos="1828800" algn="l"/>
-                <a:tab pos="2286000" algn="l"/>
-                <a:tab pos="2743200" algn="l"/>
-                <a:tab pos="3200400" algn="l"/>
-                <a:tab pos="3657600" algn="l"/>
-                <a:tab pos="4114800" algn="l"/>
-                <a:tab pos="4572000" algn="l"/>
-                <a:tab pos="5029200" algn="l"/>
-                <a:tab pos="5486400" algn="l"/>
-                <a:tab pos="5943600" algn="l"/>
-                <a:tab pos="6400800" algn="l"/>
-                <a:tab pos="6858000" algn="l"/>
-                <a:tab pos="7315200" algn="l"/>
-                <a:tab pos="7772400" algn="l"/>
-                <a:tab pos="8229600" algn="l"/>
-                <a:tab pos="8686800" algn="l"/>
-                <a:tab pos="9144000" algn="l"/>
-              </a:tabLst>
-              <a:defRPr sz="1400">
-                <a:solidFill>
-                  <a:srgbClr val="292934"/>
-                </a:solidFill>
-                <a:latin typeface="Arial" panose="020B0604020202020204" pitchFamily="34" charset="0"/>
-                <a:ea typeface="WenQuanYi Micro Hei"/>
-                <a:cs typeface="WenQuanYi Micro Hei"/>
-              </a:defRPr>
-            </a:lvl6pPr>
-            <a:lvl7pPr marL="2971800" indent="-228600" defTabSz="457200" eaLnBrk="0" fontAlgn="base" hangingPunct="0">
-              <a:spcBef>
-                <a:spcPts val="350"/>
-              </a:spcBef>
-              <a:spcAft>
-                <a:spcPct val="0"/>
-              </a:spcAft>
-              <a:buClr>
-                <a:srgbClr val="000000"/>
-              </a:buClr>
-              <a:buSzPct val="100000"/>
-              <a:buFont typeface="Times New Roman" panose="02020603050405020304" pitchFamily="18" charset="0"/>
-              <a:tabLst>
-                <a:tab pos="0" algn="l"/>
-                <a:tab pos="457200" algn="l"/>
-                <a:tab pos="914400" algn="l"/>
-                <a:tab pos="1371600" algn="l"/>
-                <a:tab pos="1828800" algn="l"/>
-                <a:tab pos="2286000" algn="l"/>
-                <a:tab pos="2743200" algn="l"/>
-                <a:tab pos="3200400" algn="l"/>
-                <a:tab pos="3657600" algn="l"/>
-                <a:tab pos="4114800" algn="l"/>
-                <a:tab pos="4572000" algn="l"/>
-                <a:tab pos="5029200" algn="l"/>
-                <a:tab pos="5486400" algn="l"/>
-                <a:tab pos="5943600" algn="l"/>
-                <a:tab pos="6400800" algn="l"/>
-                <a:tab pos="6858000" algn="l"/>
-                <a:tab pos="7315200" algn="l"/>
-                <a:tab pos="7772400" algn="l"/>
-                <a:tab pos="8229600" algn="l"/>
-                <a:tab pos="8686800" algn="l"/>
-                <a:tab pos="9144000" algn="l"/>
-              </a:tabLst>
-              <a:defRPr sz="1400">
-                <a:solidFill>
-                  <a:srgbClr val="292934"/>
-                </a:solidFill>
-                <a:latin typeface="Arial" panose="020B0604020202020204" pitchFamily="34" charset="0"/>
-                <a:ea typeface="WenQuanYi Micro Hei"/>
-                <a:cs typeface="WenQuanYi Micro Hei"/>
-              </a:defRPr>
-            </a:lvl7pPr>
-            <a:lvl8pPr marL="3429000" indent="-228600" defTabSz="457200" eaLnBrk="0" fontAlgn="base" hangingPunct="0">
-              <a:spcBef>
-                <a:spcPts val="350"/>
-              </a:spcBef>
-              <a:spcAft>
-                <a:spcPct val="0"/>
-              </a:spcAft>
-              <a:buClr>
-                <a:srgbClr val="000000"/>
-              </a:buClr>
-              <a:buSzPct val="100000"/>
-              <a:buFont typeface="Times New Roman" panose="02020603050405020304" pitchFamily="18" charset="0"/>
-              <a:tabLst>
-                <a:tab pos="0" algn="l"/>
-                <a:tab pos="457200" algn="l"/>
-                <a:tab pos="914400" algn="l"/>
-                <a:tab pos="1371600" algn="l"/>
-                <a:tab pos="1828800" algn="l"/>
-                <a:tab pos="2286000" algn="l"/>
-                <a:tab pos="2743200" algn="l"/>
-                <a:tab pos="3200400" algn="l"/>
-                <a:tab pos="3657600" algn="l"/>
-                <a:tab pos="4114800" algn="l"/>
-                <a:tab pos="4572000" algn="l"/>
-                <a:tab pos="5029200" algn="l"/>
-                <a:tab pos="5486400" algn="l"/>
-                <a:tab pos="5943600" algn="l"/>
-                <a:tab pos="6400800" algn="l"/>
-                <a:tab pos="6858000" algn="l"/>
-                <a:tab pos="7315200" algn="l"/>
-                <a:tab pos="7772400" algn="l"/>
-                <a:tab pos="8229600" algn="l"/>
-                <a:tab pos="8686800" algn="l"/>
-                <a:tab pos="9144000" algn="l"/>
-              </a:tabLst>
-              <a:defRPr sz="1400">
-                <a:solidFill>
-                  <a:srgbClr val="292934"/>
-                </a:solidFill>
-                <a:latin typeface="Arial" panose="020B0604020202020204" pitchFamily="34" charset="0"/>
-                <a:ea typeface="WenQuanYi Micro Hei"/>
-                <a:cs typeface="WenQuanYi Micro Hei"/>
-              </a:defRPr>
-            </a:lvl8pPr>
-            <a:lvl9pPr marL="3886200" indent="-228600" defTabSz="457200" eaLnBrk="0" fontAlgn="base" hangingPunct="0">
-              <a:spcBef>
-                <a:spcPts val="350"/>
-              </a:spcBef>
-              <a:spcAft>
-                <a:spcPct val="0"/>
-              </a:spcAft>
-              <a:buClr>
-                <a:srgbClr val="000000"/>
-              </a:buClr>
-              <a:buSzPct val="100000"/>
-              <a:buFont typeface="Times New Roman" panose="02020603050405020304" pitchFamily="18" charset="0"/>
-              <a:tabLst>
-                <a:tab pos="0" algn="l"/>
-                <a:tab pos="457200" algn="l"/>
-                <a:tab pos="914400" algn="l"/>
-                <a:tab pos="1371600" algn="l"/>
-                <a:tab pos="1828800" algn="l"/>
-                <a:tab pos="2286000" algn="l"/>
-                <a:tab pos="2743200" algn="l"/>
-                <a:tab pos="3200400" algn="l"/>
-                <a:tab pos="3657600" algn="l"/>
-                <a:tab pos="4114800" algn="l"/>
-                <a:tab pos="4572000" algn="l"/>
-                <a:tab pos="5029200" algn="l"/>
-                <a:tab pos="5486400" algn="l"/>
-                <a:tab pos="5943600" algn="l"/>
-                <a:tab pos="6400800" algn="l"/>
-                <a:tab pos="6858000" algn="l"/>
-                <a:tab pos="7315200" algn="l"/>
-                <a:tab pos="7772400" algn="l"/>
-                <a:tab pos="8229600" algn="l"/>
-                <a:tab pos="8686800" algn="l"/>
-                <a:tab pos="9144000" algn="l"/>
-              </a:tabLst>
-              <a:defRPr sz="1400">
-                <a:solidFill>
-                  <a:srgbClr val="292934"/>
-                </a:solidFill>
-                <a:latin typeface="Arial" panose="020B0604020202020204" pitchFamily="34" charset="0"/>
-                <a:ea typeface="WenQuanYi Micro Hei"/>
-                <a:cs typeface="WenQuanYi Micro Hei"/>
-              </a:defRPr>
-            </a:lvl9pPr>
-          </a:lstStyle>
-          <a:p>
-            <a:pPr>
-              <a:spcBef>
-                <a:spcPct val="0"/>
-              </a:spcBef>
-              <a:buClrTx/>
-              <a:buFontTx/>
-              <a:buNone/>
-            </a:pPr>
-            <a:fld id="{AC27BFD5-1794-4FD9-A037-BBC87146A6C0}" type="slidenum">
-              <a:rPr lang="en-US" altLang="en-US" sz="1800">
-                <a:solidFill>
-                  <a:srgbClr val="FFFFFF"/>
-                </a:solidFill>
-              </a:rPr>
-              <a:pPr>
-                <a:spcBef>
-                  <a:spcPct val="0"/>
-                </a:spcBef>
-                <a:buClrTx/>
-                <a:buFontTx/>
-                <a:buNone/>
-              </a:pPr>
-              <a:t>10</a:t>
-            </a:fld>
-            <a:endParaRPr lang="en-US" altLang="en-US" sz="1800">
-              <a:solidFill>
-                <a:srgbClr val="FFFFFF"/>
-              </a:solidFill>
-            </a:endParaRPr>
-          </a:p>
-        </p:txBody>
-      </p:sp>
-      <p:sp>
-        <p:nvSpPr>
-          <p:cNvPr id="6" name="Title 1"/>
-          <p:cNvSpPr txBox="1">
-            <a:spLocks/>
-          </p:cNvSpPr>
-          <p:nvPr/>
-        </p:nvSpPr>
-        <p:spPr>
-          <a:xfrm>
-            <a:off x="228600" y="289034"/>
-            <a:ext cx="8686800" cy="541283"/>
-          </a:xfrm>
-          <a:prstGeom prst="rect">
-            <a:avLst/>
-          </a:prstGeom>
-        </p:spPr>
-        <p:txBody>
-          <a:bodyPr/>
-          <a:lstStyle>
-            <a:lvl1pPr algn="l" defTabSz="457200" rtl="0" eaLnBrk="1" fontAlgn="base" hangingPunct="1">
-              <a:spcBef>
-                <a:spcPct val="0"/>
-              </a:spcBef>
-              <a:spcAft>
-                <a:spcPct val="0"/>
-              </a:spcAft>
-              <a:defRPr sz="1700" b="1" kern="1200">
-                <a:solidFill>
-                  <a:srgbClr val="074184"/>
-                </a:solidFill>
-                <a:latin typeface="Helvetica"/>
-                <a:ea typeface="Geneva" charset="0"/>
-                <a:cs typeface="ＭＳ Ｐゴシック" charset="0"/>
-              </a:defRPr>
-            </a:lvl1pPr>
-            <a:lvl2pPr algn="l" defTabSz="457200" rtl="0" eaLnBrk="1" fontAlgn="base" hangingPunct="1">
-              <a:spcBef>
-                <a:spcPct val="0"/>
-              </a:spcBef>
-              <a:spcAft>
-                <a:spcPct val="0"/>
-              </a:spcAft>
-              <a:defRPr sz="1700" b="1">
-                <a:solidFill>
-                  <a:srgbClr val="074184"/>
-                </a:solidFill>
-                <a:latin typeface="Helvetica" charset="0"/>
-                <a:ea typeface="Geneva" charset="0"/>
-                <a:cs typeface="ＭＳ Ｐゴシック" charset="0"/>
-              </a:defRPr>
-            </a:lvl2pPr>
-            <a:lvl3pPr algn="l" defTabSz="457200" rtl="0" eaLnBrk="1" fontAlgn="base" hangingPunct="1">
-              <a:spcBef>
-                <a:spcPct val="0"/>
-              </a:spcBef>
-              <a:spcAft>
-                <a:spcPct val="0"/>
-              </a:spcAft>
-              <a:defRPr sz="1700" b="1">
-                <a:solidFill>
-                  <a:srgbClr val="074184"/>
-                </a:solidFill>
-                <a:latin typeface="Helvetica" charset="0"/>
-                <a:ea typeface="Geneva" charset="0"/>
-                <a:cs typeface="ＭＳ Ｐゴシック" charset="0"/>
-              </a:defRPr>
-            </a:lvl3pPr>
-            <a:lvl4pPr algn="l" defTabSz="457200" rtl="0" eaLnBrk="1" fontAlgn="base" hangingPunct="1">
-              <a:spcBef>
-                <a:spcPct val="0"/>
-              </a:spcBef>
-              <a:spcAft>
-                <a:spcPct val="0"/>
-              </a:spcAft>
-              <a:defRPr sz="1700" b="1">
-                <a:solidFill>
-                  <a:srgbClr val="074184"/>
-                </a:solidFill>
-                <a:latin typeface="Helvetica" charset="0"/>
-                <a:ea typeface="Geneva" charset="0"/>
-                <a:cs typeface="ＭＳ Ｐゴシック" charset="0"/>
-              </a:defRPr>
-            </a:lvl4pPr>
-            <a:lvl5pPr algn="l" defTabSz="457200" rtl="0" eaLnBrk="1" fontAlgn="base" hangingPunct="1">
-              <a:spcBef>
-                <a:spcPct val="0"/>
-              </a:spcBef>
-              <a:spcAft>
-                <a:spcPct val="0"/>
-              </a:spcAft>
-              <a:defRPr sz="1700" b="1">
-                <a:solidFill>
-                  <a:srgbClr val="074184"/>
-                </a:solidFill>
-                <a:latin typeface="Helvetica" charset="0"/>
-                <a:ea typeface="Geneva" charset="0"/>
-                <a:cs typeface="ＭＳ Ｐゴシック" charset="0"/>
-              </a:defRPr>
-            </a:lvl5pPr>
-            <a:lvl6pPr marL="457200" algn="ctr" defTabSz="457200" rtl="0" eaLnBrk="1" fontAlgn="base" hangingPunct="1">
-              <a:spcBef>
-                <a:spcPct val="0"/>
-              </a:spcBef>
-              <a:spcAft>
-                <a:spcPct val="0"/>
-              </a:spcAft>
-              <a:defRPr sz="4400">
-                <a:solidFill>
-                  <a:schemeClr val="tx1"/>
-                </a:solidFill>
-                <a:latin typeface="Calibri" charset="0"/>
-                <a:ea typeface="ＭＳ Ｐゴシック" charset="0"/>
-                <a:cs typeface="ＭＳ Ｐゴシック" charset="0"/>
-              </a:defRPr>
-            </a:lvl6pPr>
-            <a:lvl7pPr marL="914400" algn="ctr" defTabSz="457200" rtl="0" eaLnBrk="1" fontAlgn="base" hangingPunct="1">
-              <a:spcBef>
-                <a:spcPct val="0"/>
-              </a:spcBef>
-              <a:spcAft>
-                <a:spcPct val="0"/>
-              </a:spcAft>
-              <a:defRPr sz="4400">
-                <a:solidFill>
-                  <a:schemeClr val="tx1"/>
-                </a:solidFill>
-                <a:latin typeface="Calibri" charset="0"/>
-                <a:ea typeface="ＭＳ Ｐゴシック" charset="0"/>
-                <a:cs typeface="ＭＳ Ｐゴシック" charset="0"/>
-              </a:defRPr>
-            </a:lvl7pPr>
-            <a:lvl8pPr marL="1371600" algn="ctr" defTabSz="457200" rtl="0" eaLnBrk="1" fontAlgn="base" hangingPunct="1">
-              <a:spcBef>
-                <a:spcPct val="0"/>
-              </a:spcBef>
-              <a:spcAft>
-                <a:spcPct val="0"/>
-              </a:spcAft>
-              <a:defRPr sz="4400">
-                <a:solidFill>
-                  <a:schemeClr val="tx1"/>
-                </a:solidFill>
-                <a:latin typeface="Calibri" charset="0"/>
-                <a:ea typeface="ＭＳ Ｐゴシック" charset="0"/>
-                <a:cs typeface="ＭＳ Ｐゴシック" charset="0"/>
-              </a:defRPr>
-            </a:lvl8pPr>
-            <a:lvl9pPr marL="1828800" algn="ctr" defTabSz="457200" rtl="0" eaLnBrk="1" fontAlgn="base" hangingPunct="1">
-              <a:spcBef>
-                <a:spcPct val="0"/>
-              </a:spcBef>
-              <a:spcAft>
-                <a:spcPct val="0"/>
-              </a:spcAft>
-              <a:defRPr sz="4400">
-                <a:solidFill>
-                  <a:schemeClr val="tx1"/>
-                </a:solidFill>
-                <a:latin typeface="Calibri" charset="0"/>
-                <a:ea typeface="ＭＳ Ｐゴシック" charset="0"/>
-                <a:cs typeface="ＭＳ Ｐゴシック" charset="0"/>
-              </a:defRPr>
-            </a:lvl9pPr>
-          </a:lstStyle>
-          <a:p>
-            <a:r>
-              <a:rPr lang="en-US" sz="2400" dirty="0"/>
-              <a:t>Where to get project ideas?</a:t>
-            </a:r>
-          </a:p>
-        </p:txBody>
-      </p:sp>
-      <p:sp>
-        <p:nvSpPr>
-          <p:cNvPr id="11" name="Footer Placeholder 4">
-            <a:extLst>
-              <a:ext uri="{FF2B5EF4-FFF2-40B4-BE49-F238E27FC236}">
-                <a16:creationId xmlns:a16="http://schemas.microsoft.com/office/drawing/2014/main" id="{2FE57909-62AB-4CA8-A326-43A731F0570E}"/>
-              </a:ext>
-            </a:extLst>
-          </p:cNvPr>
-          <p:cNvSpPr txBox="1">
-            <a:spLocks/>
-          </p:cNvSpPr>
-          <p:nvPr/>
-        </p:nvSpPr>
-        <p:spPr bwMode="auto">
-          <a:xfrm>
-            <a:off x="676275" y="6557142"/>
-            <a:ext cx="5946447" cy="241300"/>
-          </a:xfrm>
-          <a:prstGeom prst="rect">
-            <a:avLst/>
-          </a:prstGeom>
-          <a:noFill/>
-          <a:ln/>
-          <a:extLst>
-            <a:ext uri="{909E8E84-426E-40DD-AFC4-6F175D3DCCD1}">
-              <a14:hiddenFill xmlns:a14="http://schemas.microsoft.com/office/drawing/2010/main">
-                <a:solidFill>
-                  <a:srgbClr val="FFFFFF"/>
-                </a:solidFill>
-              </a14:hiddenFill>
-            </a:ext>
-            <a:ext uri="{91240B29-F687-4F45-9708-019B960494DF}">
-              <a14:hiddenLine xmlns:a14="http://schemas.microsoft.com/office/drawing/2010/main" w="9525">
-                <a:solidFill>
-                  <a:srgbClr val="000000"/>
-                </a:solidFill>
-                <a:miter lim="800000"/>
-                <a:headEnd/>
-                <a:tailEnd/>
-              </a14:hiddenLine>
-            </a:ext>
-          </a:extLst>
-        </p:spPr>
-        <p:txBody>
-          <a:bodyPr vert="horz" wrap="square" lIns="0" tIns="0" rIns="0" bIns="0" numCol="1" anchor="t" anchorCtr="0" compatLnSpc="1">
-            <a:prstTxWarp prst="textNoShape">
-              <a:avLst/>
-            </a:prstTxWarp>
-          </a:bodyPr>
-          <a:lstStyle>
-            <a:defPPr>
-              <a:defRPr lang="en-US"/>
-            </a:defPPr>
-            <a:lvl1pPr algn="l" defTabSz="457200" rtl="0" eaLnBrk="0" fontAlgn="base" hangingPunct="0">
-              <a:spcBef>
-                <a:spcPct val="0"/>
-              </a:spcBef>
-              <a:spcAft>
-                <a:spcPct val="0"/>
-              </a:spcAft>
-              <a:defRPr sz="2400" kern="1200">
-                <a:solidFill>
-                  <a:schemeClr val="tx1"/>
-                </a:solidFill>
-                <a:latin typeface="Calibri" panose="020F0502020204030204" pitchFamily="34" charset="0"/>
-                <a:ea typeface="Geneva" pitchFamily="121" charset="-128"/>
-                <a:cs typeface="+mn-cs"/>
-              </a:defRPr>
-            </a:lvl1pPr>
-            <a:lvl2pPr marL="742950" indent="-285750" algn="l" defTabSz="457200" rtl="0" eaLnBrk="0" fontAlgn="base" hangingPunct="0">
-              <a:spcBef>
-                <a:spcPct val="0"/>
-              </a:spcBef>
-              <a:spcAft>
-                <a:spcPct val="0"/>
-              </a:spcAft>
-              <a:defRPr sz="2400" kern="1200">
-                <a:solidFill>
-                  <a:schemeClr val="tx1"/>
-                </a:solidFill>
-                <a:latin typeface="Calibri" panose="020F0502020204030204" pitchFamily="34" charset="0"/>
-                <a:ea typeface="Geneva" pitchFamily="121" charset="-128"/>
-                <a:cs typeface="+mn-cs"/>
-              </a:defRPr>
-            </a:lvl2pPr>
-            <a:lvl3pPr marL="1143000" indent="-228600" algn="l" defTabSz="457200" rtl="0" eaLnBrk="0" fontAlgn="base" hangingPunct="0">
-              <a:spcBef>
-                <a:spcPct val="0"/>
-              </a:spcBef>
-              <a:spcAft>
-                <a:spcPct val="0"/>
-              </a:spcAft>
-              <a:defRPr sz="2400" kern="1200">
-                <a:solidFill>
-                  <a:schemeClr val="tx1"/>
-                </a:solidFill>
-                <a:latin typeface="Calibri" panose="020F0502020204030204" pitchFamily="34" charset="0"/>
-                <a:ea typeface="Geneva" pitchFamily="121" charset="-128"/>
-                <a:cs typeface="+mn-cs"/>
-              </a:defRPr>
-            </a:lvl3pPr>
-            <a:lvl4pPr marL="1600200" indent="-228600" algn="l" defTabSz="457200" rtl="0" eaLnBrk="0" fontAlgn="base" hangingPunct="0">
-              <a:spcBef>
-                <a:spcPct val="0"/>
-              </a:spcBef>
-              <a:spcAft>
-                <a:spcPct val="0"/>
-              </a:spcAft>
-              <a:defRPr sz="2400" kern="1200">
-                <a:solidFill>
-                  <a:schemeClr val="tx1"/>
-                </a:solidFill>
-                <a:latin typeface="Calibri" panose="020F0502020204030204" pitchFamily="34" charset="0"/>
-                <a:ea typeface="Geneva" pitchFamily="121" charset="-128"/>
-                <a:cs typeface="+mn-cs"/>
-              </a:defRPr>
-            </a:lvl4pPr>
-            <a:lvl5pPr marL="2057400" indent="-228600" algn="l" defTabSz="457200" rtl="0" eaLnBrk="0" fontAlgn="base" hangingPunct="0">
-              <a:spcBef>
-                <a:spcPct val="0"/>
-              </a:spcBef>
-              <a:spcAft>
-                <a:spcPct val="0"/>
-              </a:spcAft>
-              <a:defRPr sz="2400" kern="1200">
-                <a:solidFill>
-                  <a:schemeClr val="tx1"/>
-                </a:solidFill>
-                <a:latin typeface="Calibri" panose="020F0502020204030204" pitchFamily="34" charset="0"/>
-                <a:ea typeface="Geneva" pitchFamily="121" charset="-128"/>
-                <a:cs typeface="+mn-cs"/>
-              </a:defRPr>
-            </a:lvl5pPr>
-            <a:lvl6pPr marL="2514600" indent="-228600" algn="l" defTabSz="457200" rtl="0" eaLnBrk="0" fontAlgn="base" latinLnBrk="0" hangingPunct="0">
-              <a:spcBef>
-                <a:spcPct val="0"/>
-              </a:spcBef>
-              <a:spcAft>
-                <a:spcPct val="0"/>
-              </a:spcAft>
-              <a:defRPr sz="2400" kern="1200">
-                <a:solidFill>
-                  <a:schemeClr val="tx1"/>
-                </a:solidFill>
-                <a:latin typeface="Calibri" panose="020F0502020204030204" pitchFamily="34" charset="0"/>
-                <a:ea typeface="Geneva" pitchFamily="121" charset="-128"/>
-                <a:cs typeface="+mn-cs"/>
-              </a:defRPr>
-            </a:lvl6pPr>
-            <a:lvl7pPr marL="2971800" indent="-228600" algn="l" defTabSz="457200" rtl="0" eaLnBrk="0" fontAlgn="base" latinLnBrk="0" hangingPunct="0">
-              <a:spcBef>
-                <a:spcPct val="0"/>
-              </a:spcBef>
-              <a:spcAft>
-                <a:spcPct val="0"/>
-              </a:spcAft>
-              <a:defRPr sz="2400" kern="1200">
-                <a:solidFill>
-                  <a:schemeClr val="tx1"/>
-                </a:solidFill>
-                <a:latin typeface="Calibri" panose="020F0502020204030204" pitchFamily="34" charset="0"/>
-                <a:ea typeface="Geneva" pitchFamily="121" charset="-128"/>
-                <a:cs typeface="+mn-cs"/>
-              </a:defRPr>
-            </a:lvl7pPr>
-            <a:lvl8pPr marL="3429000" indent="-228600" algn="l" defTabSz="457200" rtl="0" eaLnBrk="0" fontAlgn="base" latinLnBrk="0" hangingPunct="0">
-              <a:spcBef>
-                <a:spcPct val="0"/>
-              </a:spcBef>
-              <a:spcAft>
-                <a:spcPct val="0"/>
-              </a:spcAft>
-              <a:defRPr sz="2400" kern="1200">
-                <a:solidFill>
-                  <a:schemeClr val="tx1"/>
-                </a:solidFill>
-                <a:latin typeface="Calibri" panose="020F0502020204030204" pitchFamily="34" charset="0"/>
-                <a:ea typeface="Geneva" pitchFamily="121" charset="-128"/>
-                <a:cs typeface="+mn-cs"/>
-              </a:defRPr>
-            </a:lvl8pPr>
-            <a:lvl9pPr marL="3886200" indent="-228600" algn="l" defTabSz="457200" rtl="0" eaLnBrk="0" fontAlgn="base" latinLnBrk="0" hangingPunct="0">
-              <a:spcBef>
-                <a:spcPct val="0"/>
-              </a:spcBef>
-              <a:spcAft>
-                <a:spcPct val="0"/>
-              </a:spcAft>
-              <a:defRPr sz="2400" kern="1200">
-                <a:solidFill>
-                  <a:schemeClr val="tx1"/>
-                </a:solidFill>
-                <a:latin typeface="Calibri" panose="020F0502020204030204" pitchFamily="34" charset="0"/>
-                <a:ea typeface="Geneva" pitchFamily="121" charset="-128"/>
-                <a:cs typeface="+mn-cs"/>
-              </a:defRPr>
-            </a:lvl9pPr>
-          </a:lstStyle>
-          <a:p>
-            <a:pPr>
-              <a:defRPr/>
-            </a:pPr>
-            <a:r>
-              <a:rPr lang="en-US" sz="1200" dirty="0">
-                <a:latin typeface="Helvetica" panose="020B0604020202020204" pitchFamily="34" charset="0"/>
-              </a:rPr>
-              <a:t>Classical Mechanics and Electromagnetism | January 2021 USPAS</a:t>
-            </a:r>
-            <a:endParaRPr lang="en-US" sz="1200" dirty="0"/>
-          </a:p>
-        </p:txBody>
-      </p:sp>
-      <p:sp>
-        <p:nvSpPr>
-          <p:cNvPr id="12" name="Slide Number Placeholder 5">
-            <a:extLst>
-              <a:ext uri="{FF2B5EF4-FFF2-40B4-BE49-F238E27FC236}">
-                <a16:creationId xmlns:a16="http://schemas.microsoft.com/office/drawing/2014/main" id="{B9590385-BB59-41AC-A651-98B0CD6812AD}"/>
-              </a:ext>
-            </a:extLst>
-          </p:cNvPr>
-          <p:cNvSpPr txBox="1">
-            <a:spLocks/>
-          </p:cNvSpPr>
-          <p:nvPr/>
-        </p:nvSpPr>
-        <p:spPr bwMode="auto">
-          <a:xfrm>
-            <a:off x="228600" y="6515100"/>
-            <a:ext cx="447675" cy="241300"/>
-          </a:xfrm>
-          <a:prstGeom prst="rect">
-            <a:avLst/>
-          </a:prstGeom>
-          <a:noFill/>
-          <a:extLst>
-            <a:ext uri="{909E8E84-426E-40DD-AFC4-6F175D3DCCD1}">
-              <a14:hiddenFill xmlns:a14="http://schemas.microsoft.com/office/drawing/2010/main">
-                <a:solidFill>
-                  <a:srgbClr val="FFFFFF"/>
-                </a:solidFill>
-              </a14:hiddenFill>
-            </a:ext>
-            <a:ext uri="{91240B29-F687-4F45-9708-019B960494DF}">
-              <a14:hiddenLine xmlns:a14="http://schemas.microsoft.com/office/drawing/2010/main" w="9525">
-                <a:solidFill>
-                  <a:srgbClr val="000000"/>
-                </a:solidFill>
-                <a:miter lim="800000"/>
-                <a:headEnd/>
-                <a:tailEnd/>
-              </a14:hiddenLine>
-            </a:ext>
-          </a:extLst>
-        </p:spPr>
-        <p:txBody>
-          <a:bodyPr vert="horz" wrap="square" lIns="0" tIns="0" rIns="0" bIns="0" numCol="1" anchor="t" anchorCtr="0" compatLnSpc="1">
-            <a:prstTxWarp prst="textNoShape">
-              <a:avLst/>
-            </a:prstTxWarp>
-          </a:bodyPr>
-          <a:lstStyle>
-            <a:defPPr>
-              <a:defRPr lang="en-US"/>
-            </a:defPPr>
-            <a:lvl1pPr algn="l" defTabSz="457200" rtl="0" eaLnBrk="0" fontAlgn="base" hangingPunct="0">
-              <a:spcBef>
-                <a:spcPct val="0"/>
-              </a:spcBef>
-              <a:spcAft>
-                <a:spcPct val="0"/>
-              </a:spcAft>
-              <a:defRPr sz="2400" kern="1200">
-                <a:solidFill>
-                  <a:schemeClr val="tx1"/>
-                </a:solidFill>
-                <a:latin typeface="Calibri" panose="020F0502020204030204" pitchFamily="34" charset="0"/>
-                <a:ea typeface="Geneva" pitchFamily="121" charset="-128"/>
-                <a:cs typeface="+mn-cs"/>
-              </a:defRPr>
-            </a:lvl1pPr>
-            <a:lvl2pPr marL="742950" indent="-285750" algn="l" defTabSz="457200" rtl="0" eaLnBrk="0" fontAlgn="base" hangingPunct="0">
-              <a:spcBef>
-                <a:spcPct val="0"/>
-              </a:spcBef>
-              <a:spcAft>
-                <a:spcPct val="0"/>
-              </a:spcAft>
-              <a:defRPr sz="2400" kern="1200">
-                <a:solidFill>
-                  <a:schemeClr val="tx1"/>
-                </a:solidFill>
-                <a:latin typeface="Calibri" panose="020F0502020204030204" pitchFamily="34" charset="0"/>
-                <a:ea typeface="Geneva" pitchFamily="121" charset="-128"/>
-                <a:cs typeface="+mn-cs"/>
-              </a:defRPr>
-            </a:lvl2pPr>
-            <a:lvl3pPr marL="1143000" indent="-228600" algn="l" defTabSz="457200" rtl="0" eaLnBrk="0" fontAlgn="base" hangingPunct="0">
-              <a:spcBef>
-                <a:spcPct val="0"/>
-              </a:spcBef>
-              <a:spcAft>
-                <a:spcPct val="0"/>
-              </a:spcAft>
-              <a:defRPr sz="2400" kern="1200">
-                <a:solidFill>
-                  <a:schemeClr val="tx1"/>
-                </a:solidFill>
-                <a:latin typeface="Calibri" panose="020F0502020204030204" pitchFamily="34" charset="0"/>
-                <a:ea typeface="Geneva" pitchFamily="121" charset="-128"/>
-                <a:cs typeface="+mn-cs"/>
-              </a:defRPr>
-            </a:lvl3pPr>
-            <a:lvl4pPr marL="1600200" indent="-228600" algn="l" defTabSz="457200" rtl="0" eaLnBrk="0" fontAlgn="base" hangingPunct="0">
-              <a:spcBef>
-                <a:spcPct val="0"/>
-              </a:spcBef>
-              <a:spcAft>
-                <a:spcPct val="0"/>
-              </a:spcAft>
-              <a:defRPr sz="2400" kern="1200">
-                <a:solidFill>
-                  <a:schemeClr val="tx1"/>
-                </a:solidFill>
-                <a:latin typeface="Calibri" panose="020F0502020204030204" pitchFamily="34" charset="0"/>
-                <a:ea typeface="Geneva" pitchFamily="121" charset="-128"/>
-                <a:cs typeface="+mn-cs"/>
-              </a:defRPr>
-            </a:lvl4pPr>
-            <a:lvl5pPr marL="2057400" indent="-228600" algn="l" defTabSz="457200" rtl="0" eaLnBrk="0" fontAlgn="base" hangingPunct="0">
-              <a:spcBef>
-                <a:spcPct val="0"/>
-              </a:spcBef>
-              <a:spcAft>
-                <a:spcPct val="0"/>
-              </a:spcAft>
-              <a:defRPr sz="2400" kern="1200">
-                <a:solidFill>
-                  <a:schemeClr val="tx1"/>
-                </a:solidFill>
-                <a:latin typeface="Calibri" panose="020F0502020204030204" pitchFamily="34" charset="0"/>
-                <a:ea typeface="Geneva" pitchFamily="121" charset="-128"/>
-                <a:cs typeface="+mn-cs"/>
-              </a:defRPr>
-            </a:lvl5pPr>
-            <a:lvl6pPr marL="2514600" indent="-228600" algn="l" defTabSz="457200" rtl="0" eaLnBrk="0" fontAlgn="base" latinLnBrk="0" hangingPunct="0">
-              <a:spcBef>
-                <a:spcPct val="0"/>
-              </a:spcBef>
-              <a:spcAft>
-                <a:spcPct val="0"/>
-              </a:spcAft>
-              <a:defRPr sz="2400" kern="1200">
-                <a:solidFill>
-                  <a:schemeClr val="tx1"/>
-                </a:solidFill>
-                <a:latin typeface="Calibri" panose="020F0502020204030204" pitchFamily="34" charset="0"/>
-                <a:ea typeface="Geneva" pitchFamily="121" charset="-128"/>
-                <a:cs typeface="+mn-cs"/>
-              </a:defRPr>
-            </a:lvl6pPr>
-            <a:lvl7pPr marL="2971800" indent="-228600" algn="l" defTabSz="457200" rtl="0" eaLnBrk="0" fontAlgn="base" latinLnBrk="0" hangingPunct="0">
-              <a:spcBef>
-                <a:spcPct val="0"/>
-              </a:spcBef>
-              <a:spcAft>
-                <a:spcPct val="0"/>
-              </a:spcAft>
-              <a:defRPr sz="2400" kern="1200">
-                <a:solidFill>
-                  <a:schemeClr val="tx1"/>
-                </a:solidFill>
-                <a:latin typeface="Calibri" panose="020F0502020204030204" pitchFamily="34" charset="0"/>
-                <a:ea typeface="Geneva" pitchFamily="121" charset="-128"/>
-                <a:cs typeface="+mn-cs"/>
-              </a:defRPr>
-            </a:lvl7pPr>
-            <a:lvl8pPr marL="3429000" indent="-228600" algn="l" defTabSz="457200" rtl="0" eaLnBrk="0" fontAlgn="base" latinLnBrk="0" hangingPunct="0">
-              <a:spcBef>
-                <a:spcPct val="0"/>
-              </a:spcBef>
-              <a:spcAft>
-                <a:spcPct val="0"/>
-              </a:spcAft>
-              <a:defRPr sz="2400" kern="1200">
-                <a:solidFill>
-                  <a:schemeClr val="tx1"/>
-                </a:solidFill>
-                <a:latin typeface="Calibri" panose="020F0502020204030204" pitchFamily="34" charset="0"/>
-                <a:ea typeface="Geneva" pitchFamily="121" charset="-128"/>
-                <a:cs typeface="+mn-cs"/>
-              </a:defRPr>
-            </a:lvl8pPr>
-            <a:lvl9pPr marL="3886200" indent="-228600" algn="l" defTabSz="457200" rtl="0" eaLnBrk="0" fontAlgn="base" latinLnBrk="0" hangingPunct="0">
-              <a:spcBef>
-                <a:spcPct val="0"/>
-              </a:spcBef>
-              <a:spcAft>
-                <a:spcPct val="0"/>
-              </a:spcAft>
-              <a:defRPr sz="2400" kern="1200">
-                <a:solidFill>
-                  <a:schemeClr val="tx1"/>
-                </a:solidFill>
-                <a:latin typeface="Calibri" panose="020F0502020204030204" pitchFamily="34" charset="0"/>
-                <a:ea typeface="Geneva" pitchFamily="121" charset="-128"/>
-                <a:cs typeface="+mn-cs"/>
-              </a:defRPr>
-            </a:lvl9pPr>
-          </a:lstStyle>
-          <a:p>
-            <a:pPr eaLnBrk="1" hangingPunct="1"/>
-            <a:fld id="{626492DB-2F06-44C7-8B18-72CF568DED1B}" type="slidenum">
-              <a:rPr lang="en-US" altLang="en-US" sz="1600" b="1" smtClean="0">
-                <a:solidFill>
-                  <a:srgbClr val="004C97"/>
-                </a:solidFill>
-                <a:latin typeface="Helvetica" panose="020B0604020202020204" pitchFamily="34" charset="0"/>
-              </a:rPr>
-              <a:pPr eaLnBrk="1" hangingPunct="1"/>
-              <a:t>10</a:t>
-            </a:fld>
-            <a:endParaRPr lang="en-US" altLang="en-US" sz="1600" b="1" dirty="0">
-              <a:solidFill>
-                <a:srgbClr val="004C97"/>
-              </a:solidFill>
-              <a:latin typeface="Helvetica" panose="020B0604020202020204" pitchFamily="34" charset="0"/>
-            </a:endParaRPr>
-          </a:p>
-        </p:txBody>
-      </p:sp>
-      <p:sp>
-        <p:nvSpPr>
-          <p:cNvPr id="13" name="Date Placeholder 3">
-            <a:extLst>
-              <a:ext uri="{FF2B5EF4-FFF2-40B4-BE49-F238E27FC236}">
-                <a16:creationId xmlns:a16="http://schemas.microsoft.com/office/drawing/2014/main" id="{E4F8BE8B-96DA-452A-B9D9-0833C48B613A}"/>
-              </a:ext>
-            </a:extLst>
-          </p:cNvPr>
-          <p:cNvSpPr>
-            <a:spLocks noGrp="1"/>
-          </p:cNvSpPr>
-          <p:nvPr>
-            <p:ph type="dt" sz="quarter" idx="10"/>
-          </p:nvPr>
-        </p:nvSpPr>
-        <p:spPr bwMode="auto">
-          <a:xfrm>
-            <a:off x="6450013" y="6541375"/>
-            <a:ext cx="1076325" cy="241300"/>
-          </a:xfrm>
-          <a:noFill/>
-          <a:extLst>
-            <a:ext uri="{909E8E84-426E-40DD-AFC4-6F175D3DCCD1}">
-              <a14:hiddenFill xmlns:a14="http://schemas.microsoft.com/office/drawing/2010/main">
-                <a:solidFill>
-                  <a:srgbClr val="FFFFFF"/>
-                </a:solidFill>
-              </a14:hiddenFill>
-            </a:ext>
-            <a:ext uri="{91240B29-F687-4F45-9708-019B960494DF}">
-              <a14:hiddenLine xmlns:a14="http://schemas.microsoft.com/office/drawing/2010/main" w="9525">
-                <a:solidFill>
-                  <a:srgbClr val="000000"/>
-                </a:solidFill>
-                <a:miter lim="800000"/>
-                <a:headEnd/>
-                <a:tailEnd/>
-              </a14:hiddenLine>
-            </a:ext>
-          </a:extLst>
-        </p:spPr>
-        <p:txBody>
-          <a:bodyPr/>
-          <a:lstStyle>
-            <a:lvl1pPr eaLnBrk="0" hangingPunct="0">
-              <a:defRPr sz="2400">
-                <a:solidFill>
-                  <a:schemeClr val="tx1"/>
-                </a:solidFill>
-                <a:latin typeface="Calibri" panose="020F0502020204030204" pitchFamily="34" charset="0"/>
-                <a:ea typeface="Geneva" pitchFamily="121" charset="-128"/>
-              </a:defRPr>
-            </a:lvl1pPr>
-            <a:lvl2pPr marL="742950" indent="-285750" eaLnBrk="0" hangingPunct="0">
-              <a:defRPr sz="2400">
-                <a:solidFill>
-                  <a:schemeClr val="tx1"/>
-                </a:solidFill>
-                <a:latin typeface="Calibri" panose="020F0502020204030204" pitchFamily="34" charset="0"/>
-                <a:ea typeface="Geneva" pitchFamily="121" charset="-128"/>
-              </a:defRPr>
-            </a:lvl2pPr>
-            <a:lvl3pPr marL="1143000" indent="-228600" eaLnBrk="0" hangingPunct="0">
-              <a:defRPr sz="2400">
-                <a:solidFill>
-                  <a:schemeClr val="tx1"/>
-                </a:solidFill>
-                <a:latin typeface="Calibri" panose="020F0502020204030204" pitchFamily="34" charset="0"/>
-                <a:ea typeface="Geneva" pitchFamily="121" charset="-128"/>
-              </a:defRPr>
-            </a:lvl3pPr>
-            <a:lvl4pPr marL="1600200" indent="-228600" eaLnBrk="0" hangingPunct="0">
-              <a:defRPr sz="2400">
-                <a:solidFill>
-                  <a:schemeClr val="tx1"/>
-                </a:solidFill>
-                <a:latin typeface="Calibri" panose="020F0502020204030204" pitchFamily="34" charset="0"/>
-                <a:ea typeface="Geneva" pitchFamily="121" charset="-128"/>
-              </a:defRPr>
-            </a:lvl4pPr>
-            <a:lvl5pPr marL="2057400" indent="-228600" eaLnBrk="0" hangingPunct="0">
-              <a:defRPr sz="2400">
-                <a:solidFill>
-                  <a:schemeClr val="tx1"/>
-                </a:solidFill>
-                <a:latin typeface="Calibri" panose="020F0502020204030204" pitchFamily="34" charset="0"/>
-                <a:ea typeface="Geneva" pitchFamily="121" charset="-128"/>
-              </a:defRPr>
-            </a:lvl5pPr>
-            <a:lvl6pPr marL="2514600" indent="-228600" defTabSz="457200" eaLnBrk="0" fontAlgn="base" hangingPunct="0">
-              <a:spcBef>
-                <a:spcPct val="0"/>
-              </a:spcBef>
-              <a:spcAft>
-                <a:spcPct val="0"/>
-              </a:spcAft>
-              <a:defRPr sz="2400">
-                <a:solidFill>
-                  <a:schemeClr val="tx1"/>
-                </a:solidFill>
-                <a:latin typeface="Calibri" panose="020F0502020204030204" pitchFamily="34" charset="0"/>
-                <a:ea typeface="Geneva" pitchFamily="121" charset="-128"/>
-              </a:defRPr>
-            </a:lvl6pPr>
-            <a:lvl7pPr marL="2971800" indent="-228600" defTabSz="457200" eaLnBrk="0" fontAlgn="base" hangingPunct="0">
-              <a:spcBef>
-                <a:spcPct val="0"/>
-              </a:spcBef>
-              <a:spcAft>
-                <a:spcPct val="0"/>
-              </a:spcAft>
-              <a:defRPr sz="2400">
-                <a:solidFill>
-                  <a:schemeClr val="tx1"/>
-                </a:solidFill>
-                <a:latin typeface="Calibri" panose="020F0502020204030204" pitchFamily="34" charset="0"/>
-                <a:ea typeface="Geneva" pitchFamily="121" charset="-128"/>
-              </a:defRPr>
-            </a:lvl7pPr>
-            <a:lvl8pPr marL="3429000" indent="-228600" defTabSz="457200" eaLnBrk="0" fontAlgn="base" hangingPunct="0">
-              <a:spcBef>
-                <a:spcPct val="0"/>
-              </a:spcBef>
-              <a:spcAft>
-                <a:spcPct val="0"/>
-              </a:spcAft>
-              <a:defRPr sz="2400">
-                <a:solidFill>
-                  <a:schemeClr val="tx1"/>
-                </a:solidFill>
-                <a:latin typeface="Calibri" panose="020F0502020204030204" pitchFamily="34" charset="0"/>
-                <a:ea typeface="Geneva" pitchFamily="121" charset="-128"/>
-              </a:defRPr>
-            </a:lvl8pPr>
-            <a:lvl9pPr marL="3886200" indent="-228600" defTabSz="457200" eaLnBrk="0" fontAlgn="base" hangingPunct="0">
-              <a:spcBef>
-                <a:spcPct val="0"/>
-              </a:spcBef>
-              <a:spcAft>
-                <a:spcPct val="0"/>
-              </a:spcAft>
-              <a:defRPr sz="2400">
-                <a:solidFill>
-                  <a:schemeClr val="tx1"/>
-                </a:solidFill>
-                <a:latin typeface="Calibri" panose="020F0502020204030204" pitchFamily="34" charset="0"/>
-                <a:ea typeface="Geneva" pitchFamily="121" charset="-128"/>
-              </a:defRPr>
-            </a:lvl9pPr>
-          </a:lstStyle>
-          <a:p>
-            <a:pPr eaLnBrk="1" hangingPunct="1"/>
-            <a:fld id="{4DD9356F-AFC1-46DA-ACC5-77A7E9A7C83A}" type="datetime1">
-              <a:rPr lang="en-US" altLang="en-US" sz="1200">
-                <a:solidFill>
-                  <a:srgbClr val="004C97"/>
-                </a:solidFill>
-                <a:latin typeface="Helvetica" panose="020B0604020202020204" pitchFamily="34" charset="0"/>
-              </a:rPr>
-              <a:pPr eaLnBrk="1" hangingPunct="1"/>
-              <a:t>2/14/2022</a:t>
-            </a:fld>
-            <a:endParaRPr lang="en-US" altLang="en-US" sz="1200" dirty="0">
-              <a:solidFill>
-                <a:srgbClr val="004C97"/>
-              </a:solidFill>
-              <a:latin typeface="Helvetica" panose="020B0604020202020204" pitchFamily="34" charset="0"/>
-            </a:endParaRPr>
-          </a:p>
-        </p:txBody>
-      </p:sp>
-      <p:sp>
-        <p:nvSpPr>
-          <p:cNvPr id="14" name="Content Placeholder 29 1">
-            <a:extLst>
-              <a:ext uri="{FF2B5EF4-FFF2-40B4-BE49-F238E27FC236}">
-                <a16:creationId xmlns:a16="http://schemas.microsoft.com/office/drawing/2014/main" id="{5C262748-C113-4C8B-B2F0-56B0810390A4}"/>
-              </a:ext>
-            </a:extLst>
-          </p:cNvPr>
-          <p:cNvSpPr txBox="1">
-            <a:spLocks/>
-          </p:cNvSpPr>
-          <p:nvPr/>
-        </p:nvSpPr>
-        <p:spPr bwMode="auto">
-          <a:xfrm>
-            <a:off x="195189" y="981590"/>
-            <a:ext cx="8672513" cy="5086548"/>
-          </a:xfrm>
-          <a:prstGeom prst="rect">
-            <a:avLst/>
-          </a:prstGeom>
-          <a:noFill/>
-          <a:extLst>
-            <a:ext uri="{909E8E84-426E-40DD-AFC4-6F175D3DCCD1}">
-              <a14:hiddenFill xmlns:a14="http://schemas.microsoft.com/office/drawing/2010/main">
-                <a:solidFill>
-                  <a:srgbClr val="FFFFFF"/>
-                </a:solidFill>
-              </a14:hiddenFill>
-            </a:ext>
-            <a:ext uri="{91240B29-F687-4F45-9708-019B960494DF}">
-              <a14:hiddenLine xmlns:a14="http://schemas.microsoft.com/office/drawing/2010/main" w="9525">
-                <a:solidFill>
-                  <a:srgbClr val="000000"/>
-                </a:solidFill>
-                <a:miter lim="800000"/>
-                <a:headEnd/>
-                <a:tailEnd/>
-              </a14:hiddenLine>
-            </a:ext>
-          </a:extLst>
-        </p:spPr>
-        <p:txBody>
-          <a:bodyPr vert="horz" wrap="square" numCol="1" anchor="t" anchorCtr="0" compatLnSpc="1">
-            <a:prstTxWarp prst="textNoShape">
-              <a:avLst/>
-            </a:prstTxWarp>
-          </a:bodyPr>
-          <a:lstStyle>
-            <a:lvl1pPr marL="342900" indent="-342900" algn="l" defTabSz="457200" rtl="0" eaLnBrk="1" fontAlgn="base" hangingPunct="1">
-              <a:spcBef>
-                <a:spcPct val="20000"/>
-              </a:spcBef>
-              <a:spcAft>
-                <a:spcPct val="0"/>
-              </a:spcAft>
-              <a:buFont typeface="Arial" panose="020B0604020202020204" pitchFamily="34" charset="0"/>
-              <a:buChar char="•"/>
-              <a:defRPr kern="1200">
-                <a:solidFill>
-                  <a:srgbClr val="595959"/>
-                </a:solidFill>
-                <a:latin typeface="Helvetica"/>
-                <a:ea typeface="Geneva" charset="0"/>
-                <a:cs typeface="ＭＳ Ｐゴシック" charset="0"/>
-              </a:defRPr>
-            </a:lvl1pPr>
-            <a:lvl2pPr marL="742950" indent="-285750" algn="l" defTabSz="457200" rtl="0" eaLnBrk="1" fontAlgn="base" hangingPunct="1">
-              <a:spcBef>
-                <a:spcPct val="20000"/>
-              </a:spcBef>
-              <a:spcAft>
-                <a:spcPct val="0"/>
-              </a:spcAft>
-              <a:buFont typeface="Arial" panose="020B0604020202020204" pitchFamily="34" charset="0"/>
-              <a:buChar char="–"/>
-              <a:defRPr sz="1600" kern="1200">
-                <a:solidFill>
-                  <a:srgbClr val="595959"/>
-                </a:solidFill>
-                <a:latin typeface="Helvetica"/>
-                <a:ea typeface="MS PGothic" panose="020B0600070205080204" pitchFamily="34" charset="-128"/>
-                <a:cs typeface="MS PGothic" panose="020B0600070205080204" pitchFamily="34" charset="-128"/>
-              </a:defRPr>
-            </a:lvl2pPr>
-            <a:lvl3pPr marL="1143000" indent="-228600" algn="l" defTabSz="457200" rtl="0" eaLnBrk="1" fontAlgn="base" hangingPunct="1">
-              <a:spcBef>
-                <a:spcPct val="20000"/>
-              </a:spcBef>
-              <a:spcAft>
-                <a:spcPct val="0"/>
-              </a:spcAft>
-              <a:buFont typeface="Arial" panose="020B0604020202020204" pitchFamily="34" charset="0"/>
-              <a:buChar char="•"/>
-              <a:defRPr sz="1400" kern="1200">
-                <a:solidFill>
-                  <a:srgbClr val="595959"/>
-                </a:solidFill>
-                <a:latin typeface="Helvetica"/>
-                <a:ea typeface="MS PGothic" panose="020B0600070205080204" pitchFamily="34" charset="-128"/>
-                <a:cs typeface="MS PGothic" panose="020B0600070205080204" pitchFamily="34" charset="-128"/>
-              </a:defRPr>
-            </a:lvl3pPr>
-            <a:lvl4pPr marL="1600200" indent="-228600" algn="l" defTabSz="457200" rtl="0" eaLnBrk="1" fontAlgn="base" hangingPunct="1">
-              <a:spcBef>
-                <a:spcPct val="20000"/>
-              </a:spcBef>
-              <a:spcAft>
-                <a:spcPct val="0"/>
-              </a:spcAft>
-              <a:buFont typeface="Arial" panose="020B0604020202020204" pitchFamily="34" charset="0"/>
-              <a:buChar char="–"/>
-              <a:defRPr sz="1200" kern="1200">
-                <a:solidFill>
-                  <a:srgbClr val="595959"/>
-                </a:solidFill>
-                <a:latin typeface="Helvetica"/>
-                <a:ea typeface="MS PGothic" panose="020B0600070205080204" pitchFamily="34" charset="-128"/>
-                <a:cs typeface="MS PGothic" panose="020B0600070205080204" pitchFamily="34" charset="-128"/>
-              </a:defRPr>
-            </a:lvl4pPr>
-            <a:lvl5pPr marL="2057400" indent="-228600" algn="l" defTabSz="457200" rtl="0" eaLnBrk="1" fontAlgn="base" hangingPunct="1">
-              <a:spcBef>
-                <a:spcPct val="20000"/>
-              </a:spcBef>
-              <a:spcAft>
-                <a:spcPct val="0"/>
-              </a:spcAft>
-              <a:buFont typeface="Arial" panose="020B0604020202020204" pitchFamily="34" charset="0"/>
-              <a:buChar char="»"/>
-              <a:defRPr sz="1200" kern="1200">
-                <a:solidFill>
-                  <a:srgbClr val="595959"/>
-                </a:solidFill>
-                <a:latin typeface="Helvetica"/>
-                <a:ea typeface="MS PGothic" panose="020B0600070205080204" pitchFamily="34" charset="-128"/>
-                <a:cs typeface="MS PGothic" panose="020B0600070205080204" pitchFamily="34" charset="-128"/>
-              </a:defRPr>
-            </a:lvl5pPr>
-            <a:lvl6pPr marL="2514600" indent="-228600" algn="l" defTabSz="457200" rtl="0" eaLnBrk="1" latinLnBrk="0" hangingPunct="1">
-              <a:spcBef>
-                <a:spcPct val="20000"/>
-              </a:spcBef>
-              <a:buFont typeface="Arial"/>
-              <a:buChar char="•"/>
-              <a:defRPr sz="2000" kern="1200">
-                <a:solidFill>
-                  <a:schemeClr val="tx1"/>
-                </a:solidFill>
-                <a:latin typeface="+mn-lt"/>
-                <a:ea typeface="+mn-ea"/>
-                <a:cs typeface="+mn-cs"/>
-              </a:defRPr>
-            </a:lvl6pPr>
-            <a:lvl7pPr marL="2971800" indent="-228600" algn="l" defTabSz="457200" rtl="0" eaLnBrk="1" latinLnBrk="0" hangingPunct="1">
-              <a:spcBef>
-                <a:spcPct val="20000"/>
-              </a:spcBef>
-              <a:buFont typeface="Arial"/>
-              <a:buChar char="•"/>
-              <a:defRPr sz="2000" kern="1200">
-                <a:solidFill>
-                  <a:schemeClr val="tx1"/>
-                </a:solidFill>
-                <a:latin typeface="+mn-lt"/>
-                <a:ea typeface="+mn-ea"/>
-                <a:cs typeface="+mn-cs"/>
-              </a:defRPr>
-            </a:lvl7pPr>
-            <a:lvl8pPr marL="3429000" indent="-228600" algn="l" defTabSz="457200" rtl="0" eaLnBrk="1" latinLnBrk="0" hangingPunct="1">
-              <a:spcBef>
-                <a:spcPct val="20000"/>
-              </a:spcBef>
-              <a:buFont typeface="Arial"/>
-              <a:buChar char="•"/>
-              <a:defRPr sz="2000" kern="1200">
-                <a:solidFill>
-                  <a:schemeClr val="tx1"/>
-                </a:solidFill>
-                <a:latin typeface="+mn-lt"/>
-                <a:ea typeface="+mn-ea"/>
-                <a:cs typeface="+mn-cs"/>
-              </a:defRPr>
-            </a:lvl8pPr>
-            <a:lvl9pPr marL="3886200" indent="-228600" algn="l" defTabSz="457200" rtl="0" eaLnBrk="1" latinLnBrk="0" hangingPunct="1">
-              <a:spcBef>
-                <a:spcPct val="20000"/>
-              </a:spcBef>
-              <a:buFont typeface="Arial"/>
-              <a:buChar char="•"/>
-              <a:defRPr sz="2000" kern="1200">
-                <a:solidFill>
-                  <a:schemeClr val="tx1"/>
-                </a:solidFill>
-                <a:latin typeface="+mn-lt"/>
-                <a:ea typeface="+mn-ea"/>
-                <a:cs typeface="+mn-cs"/>
-              </a:defRPr>
-            </a:lvl9pPr>
-          </a:lstStyle>
-          <a:p>
-            <a:pPr marL="0" indent="0">
-              <a:buNone/>
-            </a:pPr>
-            <a:r>
-              <a:rPr lang="en-US" sz="1800" b="1" dirty="0">
-                <a:solidFill>
-                  <a:schemeClr val="accent6"/>
-                </a:solidFill>
-              </a:rPr>
-              <a:t>1. MATLAB, Python, and Homework scripts</a:t>
-            </a:r>
-          </a:p>
-          <a:p>
-            <a:pPr marL="0" indent="0">
-              <a:buNone/>
-            </a:pPr>
-            <a:r>
-              <a:rPr lang="en-US" sz="1800" dirty="0">
-                <a:solidFill>
-                  <a:schemeClr val="accent6"/>
-                </a:solidFill>
-              </a:rPr>
-              <a:t>- Is there a particular example or homework that speaks to you and that you’d like to do a more advanced version of?</a:t>
-            </a:r>
-          </a:p>
-          <a:p>
-            <a:pPr marL="0" indent="0">
-              <a:buNone/>
-            </a:pPr>
-            <a:r>
-              <a:rPr lang="en-US" sz="1800" dirty="0">
-                <a:solidFill>
-                  <a:schemeClr val="accent6"/>
-                </a:solidFill>
-              </a:rPr>
-              <a:t>- Can you combine what you know from two different examples/</a:t>
-            </a:r>
-            <a:r>
-              <a:rPr lang="en-US" sz="1800" dirty="0" err="1">
-                <a:solidFill>
-                  <a:schemeClr val="accent6"/>
-                </a:solidFill>
-              </a:rPr>
-              <a:t>homeworks</a:t>
-            </a:r>
-            <a:r>
-              <a:rPr lang="en-US" sz="1800" dirty="0">
-                <a:solidFill>
-                  <a:schemeClr val="accent6"/>
-                </a:solidFill>
-              </a:rPr>
-              <a:t>?</a:t>
-            </a:r>
-          </a:p>
-          <a:p>
-            <a:pPr marL="0" indent="0">
-              <a:buNone/>
-            </a:pPr>
-            <a:endParaRPr lang="en-US" sz="800" b="1" dirty="0">
-              <a:solidFill>
-                <a:schemeClr val="accent6"/>
-              </a:solidFill>
-            </a:endParaRPr>
-          </a:p>
-          <a:p>
-            <a:pPr marL="0" indent="0">
-              <a:buNone/>
-            </a:pPr>
-            <a:r>
-              <a:rPr lang="en-US" sz="1800" b="1" dirty="0">
-                <a:solidFill>
-                  <a:schemeClr val="accent6"/>
-                </a:solidFill>
-              </a:rPr>
-              <a:t>2. Catching up on Work</a:t>
-            </a:r>
-          </a:p>
-          <a:p>
-            <a:pPr marL="0" indent="0">
-              <a:buNone/>
-            </a:pPr>
-            <a:r>
-              <a:rPr lang="en-US" sz="1800" dirty="0">
-                <a:solidFill>
-                  <a:schemeClr val="accent6"/>
-                </a:solidFill>
-              </a:rPr>
-              <a:t>- Is there something you’d like to do for work/study/research anyway?</a:t>
-            </a:r>
-          </a:p>
-          <a:p>
-            <a:pPr marL="0" indent="0">
-              <a:buNone/>
-            </a:pPr>
-            <a:r>
-              <a:rPr lang="en-US" sz="1800" dirty="0">
-                <a:solidFill>
-                  <a:schemeClr val="accent6"/>
-                </a:solidFill>
-              </a:rPr>
-              <a:t>- If not, what is basic physics taking place where you work and can you make an oversimplified model of it?</a:t>
-            </a:r>
-          </a:p>
-          <a:p>
-            <a:pPr marL="0" indent="0">
-              <a:buNone/>
-            </a:pPr>
-            <a:endParaRPr lang="en-US" sz="800" dirty="0">
-              <a:solidFill>
-                <a:schemeClr val="accent6"/>
-              </a:solidFill>
-            </a:endParaRPr>
-          </a:p>
-          <a:p>
-            <a:pPr marL="0" indent="0">
-              <a:buNone/>
-            </a:pPr>
-            <a:r>
-              <a:rPr lang="en-US" sz="1800" b="1" dirty="0">
-                <a:solidFill>
-                  <a:schemeClr val="accent6"/>
-                </a:solidFill>
-              </a:rPr>
-              <a:t>3. Learn something new</a:t>
-            </a:r>
-          </a:p>
-          <a:p>
-            <a:pPr marL="0" indent="0">
-              <a:buNone/>
-            </a:pPr>
-            <a:r>
-              <a:rPr lang="en-US" sz="1800" dirty="0">
-                <a:solidFill>
-                  <a:schemeClr val="accent6"/>
-                </a:solidFill>
-              </a:rPr>
-              <a:t>- Did you want to use something you learned in another class?</a:t>
-            </a:r>
-          </a:p>
-          <a:p>
-            <a:pPr marL="0" indent="0">
-              <a:buNone/>
-            </a:pPr>
-            <a:r>
-              <a:rPr lang="en-US" sz="1800" dirty="0">
-                <a:solidFill>
-                  <a:schemeClr val="accent6"/>
-                </a:solidFill>
-              </a:rPr>
-              <a:t>- Something you want to learn about, such as loess smoothing or ICA algorithms.</a:t>
-            </a:r>
-          </a:p>
-          <a:p>
-            <a:pPr marL="0" indent="0">
-              <a:buNone/>
-            </a:pPr>
-            <a:endParaRPr lang="en-US" sz="800" dirty="0">
-              <a:solidFill>
-                <a:schemeClr val="accent6"/>
-              </a:solidFill>
-            </a:endParaRPr>
-          </a:p>
-          <a:p>
-            <a:pPr marL="0" indent="0">
-              <a:buNone/>
-            </a:pPr>
-            <a:r>
-              <a:rPr lang="en-US" sz="1800" b="1" dirty="0">
-                <a:solidFill>
-                  <a:schemeClr val="accent6"/>
-                </a:solidFill>
-              </a:rPr>
-              <a:t>4. Adam, Dan, and I can help</a:t>
-            </a:r>
-          </a:p>
-        </p:txBody>
-      </p:sp>
-    </p:spTree>
-    <p:extLst>
-      <p:ext uri="{BB962C8B-B14F-4D97-AF65-F5344CB8AC3E}">
-        <p14:creationId xmlns:p14="http://schemas.microsoft.com/office/powerpoint/2010/main" val="3160264201"/>
-      </p:ext>
-    </p:extLst>
-  </p:cSld>
-  <p:clrMapOvr>
-    <a:masterClrMapping/>
-  </p:clrMapOvr>
-  <p:transition spd="med"/>
-  <p:timing>
-    <p:tnLst>
-      <p:par>
-        <p:cTn id="1" dur="indefinite" restart="never" nodeType="tmRoot">
-          <p:childTnLst>
-            <p:seq concurrent="1" nextAc="seek">
-              <p:cTn id="2" dur="0" nodeType="mainSeq"/>
-              <p:prevCondLst>
-                <p:cond evt="onPrev" delay="0">
-                  <p:tgtEl>
-                    <p:sldTgt/>
-                  </p:tgtEl>
-                </p:cond>
-              </p:prevCondLst>
-              <p:nextCondLst>
-                <p:cond evt="onNext" delay="0">
-                  <p:tgtEl>
-                    <p:sldTgt/>
-                  </p:tgtEl>
-                </p:cond>
-              </p:nextCondLst>
-            </p:seq>
-          </p:childTnLst>
-        </p:cTn>
-      </p:par>
-    </p:tnLst>
-  </p:timing>
-</p:sld>
-</file>
-
 <file path=ppt/slides/slide2.xml><?xml version="1.0" encoding="utf-8"?>
 <p:sld xmlns:a="http://schemas.openxmlformats.org/drawingml/2006/main" xmlns:r="http://schemas.openxmlformats.org/officeDocument/2006/relationships" xmlns:p="http://schemas.openxmlformats.org/presentationml/2006/main">
   <p:cSld>
@@ -26018,14 +22333,13 @@
         </p:nvPicPr>
         <p:blipFill>
           <a:blip r:embed="rId3"/>
-          <a:stretch>
-            <a:fillRect/>
-          </a:stretch>
+          <a:srcRect/>
+          <a:stretch/>
         </p:blipFill>
         <p:spPr>
           <a:xfrm>
             <a:off x="538843" y="1010022"/>
-            <a:ext cx="7690680" cy="4837955"/>
+            <a:ext cx="7690680" cy="4837954"/>
           </a:xfrm>
           <a:prstGeom prst="rect">
             <a:avLst/>
@@ -27726,14 +24040,45 @@
             <a:pPr marL="0" indent="0">
               <a:buNone/>
             </a:pPr>
+            <a:endParaRPr lang="en-US" sz="1000" dirty="0">
+              <a:solidFill>
+                <a:schemeClr val="accent6"/>
+              </a:solidFill>
+            </a:endParaRPr>
+          </a:p>
+          <a:p>
+            <a:pPr marL="0" indent="0">
+              <a:buNone/>
+            </a:pPr>
             <a:r>
-              <a:rPr lang="en-US" sz="1800" dirty="0">
+              <a:rPr lang="en-US" sz="1800" b="1" dirty="0">
                 <a:solidFill>
                   <a:schemeClr val="accent6"/>
                 </a:solidFill>
               </a:rPr>
-              <a:t>- A video up to 5 minutes explaining your project.</a:t>
+              <a:t>10-noon </a:t>
             </a:r>
+            <a:r>
+              <a:rPr lang="en-US" sz="1800" b="1" dirty="0" err="1">
+                <a:solidFill>
+                  <a:schemeClr val="accent6"/>
+                </a:solidFill>
+              </a:rPr>
+              <a:t>cst</a:t>
+            </a:r>
+            <a:r>
+              <a:rPr lang="en-US" sz="1800" b="1" dirty="0">
+                <a:solidFill>
+                  <a:schemeClr val="accent6"/>
+                </a:solidFill>
+              </a:rPr>
+              <a:t>, 5 minute Presentations</a:t>
+            </a:r>
+            <a:endParaRPr lang="en-US" sz="1800" dirty="0">
+              <a:solidFill>
+                <a:schemeClr val="accent6"/>
+              </a:solidFill>
+            </a:endParaRPr>
           </a:p>
           <a:p>
             <a:pPr marL="0" indent="0">
@@ -27755,113 +24100,6 @@
                   <a:schemeClr val="accent6"/>
                 </a:solidFill>
               </a:rPr>
-              <a:t>Peer-Review </a:t>
-            </a:r>
-            <a:r>
-              <a:rPr lang="en-US" sz="1800" b="1" dirty="0" err="1">
-                <a:solidFill>
-                  <a:schemeClr val="accent6"/>
-                </a:solidFill>
-              </a:rPr>
-              <a:t>Sessison</a:t>
-            </a:r>
-            <a:endParaRPr lang="en-US" sz="1800" b="1" dirty="0">
-              <a:solidFill>
-                <a:schemeClr val="accent6"/>
-              </a:solidFill>
-            </a:endParaRPr>
-          </a:p>
-          <a:p>
-            <a:pPr marL="0" indent="0">
-              <a:buNone/>
-            </a:pPr>
-            <a:r>
-              <a:rPr lang="en-US" sz="1800" dirty="0">
-                <a:solidFill>
-                  <a:schemeClr val="accent6"/>
-                </a:solidFill>
-              </a:rPr>
-              <a:t>- Between 10am and noon </a:t>
-            </a:r>
-            <a:r>
-              <a:rPr lang="en-US" sz="1800" dirty="0" err="1">
-                <a:solidFill>
-                  <a:schemeClr val="accent6"/>
-                </a:solidFill>
-              </a:rPr>
-              <a:t>cst</a:t>
-            </a:r>
-            <a:r>
-              <a:rPr lang="en-US" sz="1800" dirty="0">
-                <a:solidFill>
-                  <a:schemeClr val="accent6"/>
-                </a:solidFill>
-              </a:rPr>
-              <a:t>, take a moment to look at others student’s projects.</a:t>
-            </a:r>
-          </a:p>
-          <a:p>
-            <a:pPr marL="0" indent="0">
-              <a:buNone/>
-            </a:pPr>
-            <a:r>
-              <a:rPr lang="en-US" sz="1800" dirty="0">
-                <a:solidFill>
-                  <a:schemeClr val="accent6"/>
-                </a:solidFill>
-              </a:rPr>
-              <a:t>- Turn in a </a:t>
-            </a:r>
-            <a:r>
-              <a:rPr lang="en-US" sz="1800" dirty="0" err="1">
-                <a:solidFill>
-                  <a:schemeClr val="accent6"/>
-                </a:solidFill>
-              </a:rPr>
-              <a:t>bulletpoint</a:t>
-            </a:r>
-            <a:r>
-              <a:rPr lang="en-US" sz="1800" dirty="0">
-                <a:solidFill>
-                  <a:schemeClr val="accent6"/>
-                </a:solidFill>
-              </a:rPr>
-              <a:t> list of 10-20 comments, showing evidence of having seen at least five different presentation (think book report).</a:t>
-            </a:r>
-          </a:p>
-          <a:p>
-            <a:pPr marL="0" indent="0">
-              <a:buNone/>
-            </a:pPr>
-            <a:r>
-              <a:rPr lang="en-US" sz="1800" dirty="0">
-                <a:solidFill>
-                  <a:schemeClr val="accent6"/>
-                </a:solidFill>
-              </a:rPr>
-              <a:t>- Your comments will not be used in grading other student’s work.</a:t>
-            </a:r>
-          </a:p>
-          <a:p>
-            <a:pPr marL="0" indent="0">
-              <a:buNone/>
-            </a:pPr>
-            <a:endParaRPr lang="en-US" sz="1000" dirty="0">
-              <a:solidFill>
-                <a:schemeClr val="accent6"/>
-              </a:solidFill>
-            </a:endParaRPr>
-          </a:p>
-          <a:p>
-            <a:pPr marL="0" indent="0">
-              <a:buNone/>
-            </a:pPr>
-            <a:r>
-              <a:rPr lang="en-US" sz="1800" b="1" dirty="0">
-                <a:solidFill>
-                  <a:schemeClr val="accent6"/>
-                </a:solidFill>
-              </a:rPr>
               <a:t>So when am I done? </a:t>
             </a:r>
           </a:p>
@@ -27901,7 +24139,7 @@
                   <a:schemeClr val="accent6"/>
                 </a:solidFill>
               </a:rPr>
-              <a:t>- On Friday morning Peer-Review Session.</a:t>
+              <a:t>- On Friday morning 5min Presentations</a:t>
             </a:r>
           </a:p>
         </p:txBody>
@@ -28718,7 +24956,7 @@
           <a:p>
             <a:r>
               <a:rPr lang="en-US" sz="2400" dirty="0"/>
-              <a:t>5 minute Video Presentation</a:t>
+              <a:t>5 min Video Presentation</a:t>
             </a:r>
           </a:p>
         </p:txBody>
@@ -29538,7 +25776,7 @@
                   <a:schemeClr val="accent6"/>
                 </a:solidFill>
               </a:rPr>
-              <a:t>With your final project, you will record a 5 minute video.</a:t>
+              <a:t>With your final project, you will present 5 minute video.</a:t>
             </a:r>
           </a:p>
           <a:p>
@@ -29561,53 +25799,7 @@
                   <a:schemeClr val="accent6"/>
                 </a:solidFill>
               </a:rPr>
-              <a:t>The easiest way to do that will be to go into an empty Zoom room by yourself, hit the record button at the bottom, and do a screen share while you walk through your code and its output explaining what you did.</a:t>
-            </a:r>
-          </a:p>
-          <a:p>
-            <a:pPr marL="0" indent="0">
-              <a:buNone/>
-            </a:pPr>
-            <a:endParaRPr lang="en-US" sz="800" dirty="0">
-              <a:solidFill>
-                <a:schemeClr val="accent6"/>
-              </a:solidFill>
-            </a:endParaRPr>
-          </a:p>
-          <a:p>
-            <a:pPr marL="0" indent="0">
-              <a:buNone/>
-            </a:pPr>
-            <a:r>
-              <a:rPr lang="en-US" sz="1800" dirty="0">
-                <a:solidFill>
-                  <a:schemeClr val="accent6"/>
-                </a:solidFill>
-              </a:rPr>
               <a:t>The video doesn’t have to be perfectly polished and you don’t have to provide any more insight than what is already there in your code/output. But this is your opportunity to explain what you worked on and how it works.</a:t>
-            </a:r>
-          </a:p>
-          <a:p>
-            <a:pPr marL="0" indent="0">
-              <a:buNone/>
-            </a:pPr>
-            <a:endParaRPr lang="en-US" sz="800" dirty="0">
-              <a:solidFill>
-                <a:schemeClr val="accent6"/>
-              </a:solidFill>
-            </a:endParaRPr>
-          </a:p>
-          <a:p>
-            <a:pPr marL="0" indent="0">
-              <a:buNone/>
-            </a:pPr>
-            <a:r>
-              <a:rPr lang="en-US" sz="1800" dirty="0">
-                <a:solidFill>
-                  <a:schemeClr val="accent6"/>
-                </a:solidFill>
-              </a:rPr>
-              <a:t>My advice is not to do any more than two “takes” and not to worry about it too.</a:t>
             </a:r>
           </a:p>
         </p:txBody>
@@ -30424,7 +26616,7 @@
           <a:p>
             <a:r>
               <a:rPr lang="en-US" sz="2400" dirty="0"/>
-              <a:t>Peer Review Session</a:t>
+              <a:t>Final Project Grading Criteria</a:t>
             </a:r>
           </a:p>
         </p:txBody>
@@ -31049,8 +27241,8 @@
         </p:nvSpPr>
         <p:spPr bwMode="auto">
           <a:xfrm>
-            <a:off x="195189" y="981590"/>
-            <a:ext cx="8672513" cy="5239596"/>
+            <a:off x="195189" y="992476"/>
+            <a:ext cx="8672513" cy="5075662"/>
           </a:xfrm>
           <a:prstGeom prst="rect">
             <a:avLst/>
@@ -31239,35 +27431,144 @@
               <a:buNone/>
             </a:pPr>
             <a:r>
-              <a:rPr lang="en-US" sz="1800" dirty="0">
+              <a:rPr lang="en-US" sz="1800" b="1" dirty="0">
                 <a:solidFill>
                   <a:schemeClr val="accent6"/>
                 </a:solidFill>
               </a:rPr>
-              <a:t>Everyone is supposed to turn in their final projects at 10am </a:t>
-            </a:r>
-            <a:r>
-              <a:rPr lang="en-US" sz="1800" dirty="0" err="1">
-                <a:solidFill>
-                  <a:schemeClr val="accent6"/>
-                </a:solidFill>
-              </a:rPr>
-              <a:t>cst</a:t>
-            </a:r>
-            <a:r>
-              <a:rPr lang="en-US" sz="1800" dirty="0">
-                <a:solidFill>
-                  <a:schemeClr val="accent6"/>
-                </a:solidFill>
-              </a:rPr>
-              <a:t>.</a:t>
+              <a:t>Completeness</a:t>
             </a:r>
           </a:p>
           <a:p>
             <a:pPr marL="0" indent="0">
               <a:buNone/>
             </a:pPr>
-            <a:endParaRPr lang="en-US" sz="800" dirty="0">
+            <a:r>
+              <a:rPr lang="en-US" sz="1800" dirty="0">
+                <a:solidFill>
+                  <a:schemeClr val="accent6"/>
+                </a:solidFill>
+              </a:rPr>
+              <a:t>- Does the script run? Does the project make sense to me?</a:t>
+            </a:r>
+          </a:p>
+          <a:p>
+            <a:pPr marL="0" indent="0">
+              <a:buNone/>
+            </a:pPr>
+            <a:r>
+              <a:rPr lang="en-US" sz="1800" b="1" dirty="0">
+                <a:solidFill>
+                  <a:schemeClr val="accent6"/>
+                </a:solidFill>
+              </a:rPr>
+              <a:t>Outputs</a:t>
+            </a:r>
+          </a:p>
+          <a:p>
+            <a:pPr marL="0" indent="0">
+              <a:buNone/>
+            </a:pPr>
+            <a:r>
+              <a:rPr lang="en-US" sz="1800" dirty="0">
+                <a:solidFill>
+                  <a:schemeClr val="accent6"/>
+                </a:solidFill>
+              </a:rPr>
+              <a:t>- Do you produce good plots and/or outputs? Can I see the result of your work?</a:t>
+            </a:r>
+          </a:p>
+          <a:p>
+            <a:pPr marL="0" indent="0">
+              <a:buNone/>
+            </a:pPr>
+            <a:r>
+              <a:rPr lang="en-US" sz="1800" b="1" dirty="0">
+                <a:solidFill>
+                  <a:schemeClr val="accent6"/>
+                </a:solidFill>
+              </a:rPr>
+              <a:t>Clarity</a:t>
+            </a:r>
+          </a:p>
+          <a:p>
+            <a:pPr marL="0" indent="0">
+              <a:buNone/>
+            </a:pPr>
+            <a:r>
+              <a:rPr lang="en-US" sz="1800" dirty="0">
+                <a:solidFill>
+                  <a:schemeClr val="accent6"/>
+                </a:solidFill>
+              </a:rPr>
+              <a:t>- Is the code well-commented and organized? Can I understand it by reading it?</a:t>
+            </a:r>
+          </a:p>
+          <a:p>
+            <a:pPr marL="0" indent="0">
+              <a:buNone/>
+            </a:pPr>
+            <a:r>
+              <a:rPr lang="en-US" sz="1800" b="1" dirty="0">
+                <a:solidFill>
+                  <a:schemeClr val="accent6"/>
+                </a:solidFill>
+              </a:rPr>
+              <a:t>Programming</a:t>
+            </a:r>
+          </a:p>
+          <a:p>
+            <a:pPr marL="0" indent="0">
+              <a:buNone/>
+            </a:pPr>
+            <a:r>
+              <a:rPr lang="en-US" sz="1800" dirty="0">
+                <a:solidFill>
+                  <a:schemeClr val="accent6"/>
+                </a:solidFill>
+              </a:rPr>
+              <a:t>- Did you use what we learned past day 2? How advanced is the project?</a:t>
+            </a:r>
+          </a:p>
+          <a:p>
+            <a:pPr marL="0" indent="0">
+              <a:buNone/>
+            </a:pPr>
+            <a:r>
+              <a:rPr lang="en-US" sz="1800" b="1" dirty="0">
+                <a:solidFill>
+                  <a:schemeClr val="accent6"/>
+                </a:solidFill>
+              </a:rPr>
+              <a:t>Analysis</a:t>
+            </a:r>
+          </a:p>
+          <a:p>
+            <a:pPr marL="0" indent="0">
+              <a:buNone/>
+            </a:pPr>
+            <a:r>
+              <a:rPr lang="en-US" sz="1800" dirty="0">
+                <a:solidFill>
+                  <a:schemeClr val="accent6"/>
+                </a:solidFill>
+              </a:rPr>
+              <a:t>- Did you vary the parameters/technique? Did you seek to understand?</a:t>
+            </a:r>
+          </a:p>
+          <a:p>
+            <a:pPr marL="0" indent="0">
+              <a:buNone/>
+            </a:pPr>
+            <a:r>
+              <a:rPr lang="en-US" sz="1800" b="1" dirty="0">
+                <a:solidFill>
+                  <a:schemeClr val="accent6"/>
+                </a:solidFill>
+              </a:rPr>
+              <a:t>Bonus:</a:t>
+            </a:r>
+            <a:endParaRPr lang="en-US" sz="1800" dirty="0">
               <a:solidFill>
                 <a:schemeClr val="accent6"/>
               </a:solidFill>
@@ -31283,14 +27584,14 @@
                   <a:schemeClr val="accent6"/>
                 </a:solidFill>
               </a:rPr>
-              <a:t>At that time I will move a copy of everyone’s final projects to a public repository folder. Which you can then download. I estimate that will take about 15 minutes.</a:t>
+              <a:t>- Did you go beyond the class? Do something I found impressive?</a:t>
             </a:r>
           </a:p>
           <a:p>
             <a:pPr marL="0" indent="0">
               <a:buNone/>
             </a:pPr>
-            <a:endParaRPr lang="en-US" sz="800" dirty="0">
+            <a:endParaRPr lang="en-US" sz="1800" dirty="0">
               <a:solidFill>
                 <a:schemeClr val="accent6"/>
               </a:solidFill>
@@ -31301,98 +27602,30 @@
               <a:buNone/>
             </a:pPr>
             <a:r>
-              <a:rPr lang="en-US" sz="1800" dirty="0">
+              <a:rPr lang="en-US" sz="1800" b="1" dirty="0">
                 <a:solidFill>
                   <a:schemeClr val="accent6"/>
                 </a:solidFill>
               </a:rPr>
-              <a:t>Then from 10am to noon </a:t>
-            </a:r>
-            <a:r>
-              <a:rPr lang="en-US" sz="1800" dirty="0" err="1">
-                <a:solidFill>
-                  <a:schemeClr val="accent6"/>
-                </a:solidFill>
-              </a:rPr>
-              <a:t>cst</a:t>
-            </a:r>
-            <a:r>
-              <a:rPr lang="en-US" sz="1800" dirty="0">
-                <a:solidFill>
-                  <a:schemeClr val="accent6"/>
-                </a:solidFill>
-              </a:rPr>
-              <a:t> will be a virtual poster session. You should look through, read some other people’s codes, watch some of their videos. You can comment on the Discord chat and give them immediate feedback, but you don’t have to. Do take the opportunity to learn from each other!</a:t>
+              <a:t>Presentation</a:t>
             </a:r>
           </a:p>
           <a:p>
             <a:pPr marL="0" indent="0">
               <a:buNone/>
             </a:pPr>
-            <a:endParaRPr lang="en-US" sz="800" dirty="0">
+            <a:endParaRPr lang="en-US" sz="1800" dirty="0">
               <a:solidFill>
                 <a:schemeClr val="accent6"/>
               </a:solidFill>
             </a:endParaRPr>
-          </a:p>
-          <a:p>
-            <a:pPr marL="0" indent="0">
-              <a:buNone/>
-            </a:pPr>
-            <a:r>
-              <a:rPr lang="en-US" sz="1800" dirty="0">
-                <a:solidFill>
-                  <a:schemeClr val="accent6"/>
-                </a:solidFill>
-              </a:rPr>
-              <a:t>I do want you to make a short report on what you saw and learned, and commit it to the repository. It can be a </a:t>
-            </a:r>
-            <a:r>
-              <a:rPr lang="en-US" sz="1800" dirty="0" err="1">
-                <a:solidFill>
-                  <a:schemeClr val="accent6"/>
-                </a:solidFill>
-              </a:rPr>
-              <a:t>bulletpoint</a:t>
-            </a:r>
-            <a:r>
-              <a:rPr lang="en-US" sz="1800" dirty="0">
-                <a:solidFill>
-                  <a:schemeClr val="accent6"/>
-                </a:solidFill>
-              </a:rPr>
-              <a:t> list or it can a few short paragraphs no more than a page. Provide comments – things you liked, state the project in your own words, ways the project could be expanded, whether it reminded you of something from class or work, something you didn’t understand about it etc.</a:t>
-            </a:r>
-          </a:p>
-          <a:p>
-            <a:pPr marL="0" indent="0">
-              <a:buNone/>
-            </a:pPr>
-            <a:endParaRPr lang="en-US" sz="800" dirty="0">
-              <a:solidFill>
-                <a:schemeClr val="accent6"/>
-              </a:solidFill>
-            </a:endParaRPr>
-          </a:p>
-          <a:p>
-            <a:pPr marL="0" indent="0">
-              <a:buNone/>
-            </a:pPr>
-            <a:r>
-              <a:rPr lang="en-US" sz="1800" dirty="0">
-                <a:solidFill>
-                  <a:schemeClr val="accent6"/>
-                </a:solidFill>
-              </a:rPr>
-              <a:t>There should be somewhere between 10-20 comments and they should provide commentary on at least five different presentations. You don’t have to be particularly insightful and you don’t have to worry about your comments affecting their grade.</a:t>
-            </a:r>
           </a:p>
         </p:txBody>
       </p:sp>
     </p:spTree>
     <p:extLst>
       <p:ext uri="{BB962C8B-B14F-4D97-AF65-F5344CB8AC3E}">
-        <p14:creationId xmlns:p14="http://schemas.microsoft.com/office/powerpoint/2010/main" val="2924160664"/>
+        <p14:creationId xmlns:p14="http://schemas.microsoft.com/office/powerpoint/2010/main" val="2945878217"/>
       </p:ext>
     </p:extLst>
   </p:cSld>
@@ -32201,7 +28434,7 @@
           <a:p>
             <a:r>
               <a:rPr lang="en-US" sz="2400" dirty="0"/>
-              <a:t>Final Project Grading Criteria</a:t>
+              <a:t>Some Past “A+” Projects</a:t>
             </a:r>
           </a:p>
         </p:txBody>
@@ -32826,8 +29059,8 @@
         </p:nvSpPr>
         <p:spPr bwMode="auto">
           <a:xfrm>
-            <a:off x="195189" y="992476"/>
-            <a:ext cx="8672513" cy="5075662"/>
+            <a:off x="195189" y="981590"/>
+            <a:ext cx="8672513" cy="5086548"/>
           </a:xfrm>
           <a:prstGeom prst="rect">
             <a:avLst/>
@@ -33021,7 +29254,7 @@
                   <a:schemeClr val="accent6"/>
                 </a:solidFill>
               </a:rPr>
-              <a:t>Completeness</a:t>
+              <a:t>Ensemble of Particles in a Synchrotron Oscillation</a:t>
             </a:r>
           </a:p>
           <a:p>
@@ -33034,20 +29267,23 @@
                   <a:schemeClr val="accent6"/>
                 </a:solidFill>
               </a:rPr>
-              <a:t>- Does the script run? Does the project make sense to me?</a:t>
+              <a:t>- Generate a 2D Truncated Gaussian distribution of particles, 2D </a:t>
             </a:r>
-          </a:p>
-          <a:p>
-            <a:pPr marL="0" indent="0">
-              <a:buNone/>
-            </a:pPr>
             <a:r>
-              <a:rPr lang="en-US" sz="1800" b="1" dirty="0">
+              <a:rPr lang="en-US" sz="1800" dirty="0" err="1">
                 <a:solidFill>
                   <a:schemeClr val="accent6"/>
                 </a:solidFill>
               </a:rPr>
-              <a:t>Outputs</a:t>
+              <a:t>histrogram</a:t>
+            </a:r>
+            <a:r>
+              <a:rPr lang="en-US" sz="1800" dirty="0">
+                <a:solidFill>
+                  <a:schemeClr val="accent6"/>
+                </a:solidFill>
+              </a:rPr>
+              <a:t>.</a:t>
             </a:r>
           </a:p>
           <a:p>
@@ -33060,20 +29296,23 @@
                   <a:schemeClr val="accent6"/>
                 </a:solidFill>
               </a:rPr>
-              <a:t>- Do you produce good plots and/or outputs? Can I see the result of your work?</a:t>
+              <a:t>- </a:t>
             </a:r>
-          </a:p>
-          <a:p>
-            <a:pPr marL="0" indent="0">
-              <a:buNone/>
-            </a:pPr>
             <a:r>
-              <a:rPr lang="en-US" sz="1800" b="1" dirty="0">
+              <a:rPr lang="en-US" sz="1800" dirty="0" err="1">
                 <a:solidFill>
                   <a:schemeClr val="accent6"/>
                 </a:solidFill>
               </a:rPr>
-              <a:t>Clarity</a:t>
+              <a:t>Symplectic</a:t>
+            </a:r>
+            <a:r>
+              <a:rPr lang="en-US" sz="1800" dirty="0">
+                <a:solidFill>
+                  <a:schemeClr val="accent6"/>
+                </a:solidFill>
+              </a:rPr>
+              <a:t> tracking for each particle undergoing synchrotron oscillation.</a:t>
             </a:r>
           </a:p>
           <a:p>
@@ -33086,20 +29325,7 @@
                   <a:schemeClr val="accent6"/>
                 </a:solidFill>
               </a:rPr>
-              <a:t>- Is the code well-commented and organized? Can I understand it by reading it?</a:t>
-            </a:r>
-          </a:p>
-          <a:p>
-            <a:pPr marL="0" indent="0">
-              <a:buNone/>
-            </a:pPr>
-            <a:r>
-              <a:rPr lang="en-US" sz="1800" b="1" dirty="0">
-                <a:solidFill>
-                  <a:schemeClr val="accent6"/>
-                </a:solidFill>
-              </a:rPr>
-              <a:t>Programming</a:t>
+              <a:t>- Provide an example with a mismatched injection and one with changing V.</a:t>
             </a:r>
           </a:p>
           <a:p>
@@ -33112,71 +29338,14 @@
                   <a:schemeClr val="accent6"/>
                 </a:solidFill>
               </a:rPr>
-              <a:t>- Did you use what we learned past day 2? How advanced is the project?</a:t>
+              <a:t>- Produce 2D animations and 1D plots of the results.</a:t>
             </a:r>
           </a:p>
           <a:p>
             <a:pPr marL="0" indent="0">
               <a:buNone/>
             </a:pPr>
-            <a:r>
-              <a:rPr lang="en-US" sz="1800" b="1" dirty="0">
-                <a:solidFill>
-                  <a:schemeClr val="accent6"/>
-                </a:solidFill>
-              </a:rPr>
-              <a:t>Analysis</a:t>
-            </a:r>
-          </a:p>
-          <a:p>
-            <a:pPr marL="0" indent="0">
-              <a:buNone/>
-            </a:pPr>
-            <a:r>
-              <a:rPr lang="en-US" sz="1800" dirty="0">
-                <a:solidFill>
-                  <a:schemeClr val="accent6"/>
-                </a:solidFill>
-              </a:rPr>
-              <a:t>- Did you vary the parameters/technique? Did you seek to understand?</a:t>
-            </a:r>
-          </a:p>
-          <a:p>
-            <a:pPr marL="0" indent="0">
-              <a:buNone/>
-            </a:pPr>
-            <a:r>
-              <a:rPr lang="en-US" sz="1800" b="1" dirty="0">
-                <a:solidFill>
-                  <a:schemeClr val="accent6"/>
-                </a:solidFill>
-              </a:rPr>
-              <a:t>Bonus:</a:t>
-            </a:r>
-            <a:endParaRPr lang="en-US" sz="1800" dirty="0">
-              <a:solidFill>
-                <a:schemeClr val="accent6"/>
-              </a:solidFill>
-            </a:endParaRPr>
-          </a:p>
-          <a:p>
-            <a:pPr marL="0" indent="0">
-              <a:buNone/>
-            </a:pPr>
-            <a:r>
-              <a:rPr lang="en-US" sz="1800" dirty="0">
-                <a:solidFill>
-                  <a:schemeClr val="accent6"/>
-                </a:solidFill>
-              </a:rPr>
-              <a:t>- Did you go beyond the class? Do something I found impressive?</a:t>
-            </a:r>
-          </a:p>
-          <a:p>
-            <a:pPr marL="0" indent="0">
-              <a:buNone/>
-            </a:pPr>
-            <a:endParaRPr lang="en-US" sz="1800" dirty="0">
+            <a:endParaRPr lang="en-US" sz="1800" b="1" dirty="0">
               <a:solidFill>
                 <a:schemeClr val="accent6"/>
               </a:solidFill>
@@ -33192,7 +29361,7 @@
                   <a:schemeClr val="accent6"/>
                 </a:solidFill>
               </a:rPr>
-              <a:t>Participation in Peer-Review Session</a:t>
+              <a:t>Channeling Electrons in a Crystal Lattice</a:t>
             </a:r>
           </a:p>
           <a:p>
@@ -33200,30 +29369,97 @@
               <a:buNone/>
             </a:pPr>
             <a:r>
-              <a:rPr lang="en-US" sz="1800" b="1" dirty="0">
+              <a:rPr lang="en-US" sz="1800" dirty="0">
                 <a:solidFill>
                   <a:schemeClr val="accent6"/>
                 </a:solidFill>
               </a:rPr>
-              <a:t>Completion of a Video Presentation</a:t>
+              <a:t>- Make a 2D grid of circular atoms and a track the 2D trajectory of an electron.</a:t>
             </a:r>
           </a:p>
           <a:p>
             <a:pPr marL="0" indent="0">
               <a:buNone/>
             </a:pPr>
-            <a:endParaRPr lang="en-US" sz="1800" dirty="0">
-              <a:solidFill>
-                <a:schemeClr val="accent6"/>
-              </a:solidFill>
-            </a:endParaRPr>
+            <a:r>
+              <a:rPr lang="en-US" sz="1800" dirty="0">
+                <a:solidFill>
+                  <a:schemeClr val="accent6"/>
+                </a:solidFill>
+              </a:rPr>
+              <a:t>- When the electron comes close enough to an atom, give it a random impact parameter and a new trajectory corresponding to Rutherford scattering.</a:t>
+            </a:r>
+          </a:p>
+          <a:p>
+            <a:pPr marL="0" indent="0">
+              <a:buNone/>
+            </a:pPr>
+            <a:r>
+              <a:rPr lang="en-US" sz="1800" dirty="0">
+                <a:solidFill>
+                  <a:schemeClr val="accent6"/>
+                </a:solidFill>
+              </a:rPr>
+              <a:t>- Simulate an initial distribution of electron trajectories and the outgoing trajectories.</a:t>
+            </a:r>
           </a:p>
         </p:txBody>
       </p:sp>
+      <mc:AlternateContent xmlns:mc="http://schemas.openxmlformats.org/markup-compatibility/2006">
+        <mc:Choice xmlns:p14="http://schemas.microsoft.com/office/powerpoint/2010/main" Requires="p14">
+          <p:contentPart p14:bwMode="auto" r:id="rId3">
+            <p14:nvContentPartPr>
+              <p14:cNvPr id="15" name="Ink 14">
+                <a:extLst>
+                  <a:ext uri="{FF2B5EF4-FFF2-40B4-BE49-F238E27FC236}">
+                    <a16:creationId xmlns:a16="http://schemas.microsoft.com/office/drawing/2014/main" id="{2E5E1FFA-D4A4-4535-ACDC-A7941D2A8342}"/>
+                  </a:ext>
+                </a:extLst>
+              </p14:cNvPr>
+              <p14:cNvContentPartPr/>
+              <p14:nvPr/>
+            </p14:nvContentPartPr>
+            <p14:xfrm>
+              <a:off x="7896926" y="3205303"/>
+              <a:ext cx="16560" cy="9360"/>
+            </p14:xfrm>
+          </p:contentPart>
+        </mc:Choice>
+        <mc:Fallback>
+          <p:pic>
+            <p:nvPicPr>
+              <p:cNvPr id="15" name="Ink 14">
+                <a:extLst>
+                  <a:ext uri="{FF2B5EF4-FFF2-40B4-BE49-F238E27FC236}">
+                    <a16:creationId xmlns:a16="http://schemas.microsoft.com/office/drawing/2014/main" id="{2E5E1FFA-D4A4-4535-ACDC-A7941D2A8342}"/>
+                  </a:ext>
+                </a:extLst>
+              </p:cNvPr>
+              <p:cNvPicPr/>
+              <p:nvPr/>
+            </p:nvPicPr>
+            <p:blipFill>
+              <a:blip r:embed="rId4"/>
+              <a:stretch>
+                <a:fillRect/>
+              </a:stretch>
+            </p:blipFill>
+            <p:spPr>
+              <a:xfrm>
+                <a:off x="7878926" y="3187303"/>
+                <a:ext cx="52200" cy="45000"/>
+              </a:xfrm>
+              <a:prstGeom prst="rect">
+                <a:avLst/>
+              </a:prstGeom>
+            </p:spPr>
+          </p:pic>
+        </mc:Fallback>
+      </mc:AlternateContent>
     </p:spTree>
     <p:extLst>
       <p:ext uri="{BB962C8B-B14F-4D97-AF65-F5344CB8AC3E}">
-        <p14:creationId xmlns:p14="http://schemas.microsoft.com/office/powerpoint/2010/main" val="2945878217"/>
+        <p14:creationId xmlns:p14="http://schemas.microsoft.com/office/powerpoint/2010/main" val="3771746678"/>
       </p:ext>
     </p:extLst>
   </p:cSld>
@@ -34852,7 +31088,7 @@
                   <a:schemeClr val="accent6"/>
                 </a:solidFill>
               </a:rPr>
-              <a:t>Ensemble of Particles in a Synchrotron Oscillation</a:t>
+              <a:t>Optimizing a Bunch-Compressor Chicane</a:t>
             </a:r>
           </a:p>
           <a:p>
@@ -34865,23 +31101,7 @@
                   <a:schemeClr val="accent6"/>
                 </a:solidFill>
               </a:rPr>
-              <a:t>- Generate a 2D Truncated Gaussian distribution of particles, 2D </a:t>
-            </a:r>
-            <a:r>
-              <a:rPr lang="en-US" sz="1800" dirty="0" err="1">
-                <a:solidFill>
-                  <a:schemeClr val="accent6"/>
-                </a:solidFill>
-              </a:rPr>
-              <a:t>histrogram</a:t>
-            </a:r>
-            <a:r>
-              <a:rPr lang="en-US" sz="1800" dirty="0">
-                <a:solidFill>
-                  <a:schemeClr val="accent6"/>
-                </a:solidFill>
-              </a:rPr>
-              <a:t>.</a:t>
+              <a:t>- Take elements from a proposed upgrade to a real electron beamline.</a:t>
             </a:r>
           </a:p>
           <a:p>
@@ -34894,23 +31114,7 @@
                   <a:schemeClr val="accent6"/>
                 </a:solidFill>
               </a:rPr>
-              <a:t>- </a:t>
-            </a:r>
-            <a:r>
-              <a:rPr lang="en-US" sz="1800" dirty="0" err="1">
-                <a:solidFill>
-                  <a:schemeClr val="accent6"/>
-                </a:solidFill>
-              </a:rPr>
-              <a:t>Symplectic</a:t>
-            </a:r>
-            <a:r>
-              <a:rPr lang="en-US" sz="1800" dirty="0">
-                <a:solidFill>
-                  <a:schemeClr val="accent6"/>
-                </a:solidFill>
-              </a:rPr>
-              <a:t> tracking for each particle undergoing synchrotron oscillation.</a:t>
+              <a:t>- Vary and optimize those elements to achieve desired optics objectives.</a:t>
             </a:r>
           </a:p>
           <a:p>
@@ -34923,7 +31127,7 @@
                   <a:schemeClr val="accent6"/>
                 </a:solidFill>
               </a:rPr>
-              <a:t>- Provide an example with a mismatched injection and one with changing V.</a:t>
+              <a:t>- Take into account some reasonable limits in length, component strength.</a:t>
             </a:r>
           </a:p>
           <a:p>
@@ -34936,8 +31140,13 @@
                   <a:schemeClr val="accent6"/>
                 </a:solidFill>
               </a:rPr>
-              <a:t>- Produce 2D animations and 1D plots of the results.</a:t>
+              <a:t>- Compare to that performance to original beamline.</a:t>
             </a:r>
+            <a:endParaRPr lang="en-US" sz="1800" b="1" dirty="0">
+              <a:solidFill>
+                <a:schemeClr val="accent6"/>
+              </a:solidFill>
+            </a:endParaRPr>
           </a:p>
           <a:p>
             <a:pPr marL="0" indent="0">
@@ -34959,7 +31168,7 @@
                   <a:schemeClr val="accent6"/>
                 </a:solidFill>
               </a:rPr>
-              <a:t>Channeling Electrons in a Crystal Lattice</a:t>
+              <a:t>Design of a Simple Wire Octupole</a:t>
             </a:r>
           </a:p>
           <a:p>
@@ -34972,7 +31181,7 @@
                   <a:schemeClr val="accent6"/>
                 </a:solidFill>
               </a:rPr>
-              <a:t>- Make a 2D grid of circular atoms and a track the 2D trajectory of an electron.</a:t>
+              <a:t>- Take the four-wire dipole example and instead make an eight-wire octupole.</a:t>
             </a:r>
           </a:p>
           <a:p>
@@ -34985,7 +31194,7 @@
                   <a:schemeClr val="accent6"/>
                 </a:solidFill>
               </a:rPr>
-              <a:t>- When the electron comes close enough to an atom, give it a random impact parameter and a new trajectory corresponding to Rutherford scattering.</a:t>
+              <a:t>- Consider the effect of errors, such as misaligned orbit or misplaced wire.</a:t>
             </a:r>
           </a:p>
           <a:p>
@@ -34998,7 +31207,23 @@
                   <a:schemeClr val="accent6"/>
                 </a:solidFill>
               </a:rPr>
-              <a:t>- Simulate an initial distribution of electron trajectories and the outgoing trajectories.</a:t>
+              <a:t>- Show the effect of errors on dipole, quadrupole, </a:t>
+            </a:r>
+            <a:r>
+              <a:rPr lang="en-US" sz="1800" dirty="0" err="1">
+                <a:solidFill>
+                  <a:schemeClr val="accent6"/>
+                </a:solidFill>
+              </a:rPr>
+              <a:t>sextupole</a:t>
+            </a:r>
+            <a:r>
+              <a:rPr lang="en-US" sz="1800" dirty="0">
+                <a:solidFill>
+                  <a:schemeClr val="accent6"/>
+                </a:solidFill>
+              </a:rPr>
+              <a:t>, octupole fields. </a:t>
             </a:r>
           </a:p>
         </p:txBody>
@@ -35006,7 +31231,7 @@
     </p:spTree>
     <p:extLst>
       <p:ext uri="{BB962C8B-B14F-4D97-AF65-F5344CB8AC3E}">
-        <p14:creationId xmlns:p14="http://schemas.microsoft.com/office/powerpoint/2010/main" val="3771746678"/>
+        <p14:creationId xmlns:p14="http://schemas.microsoft.com/office/powerpoint/2010/main" val="2172972804"/>
       </p:ext>
     </p:extLst>
   </p:cSld>
@@ -35815,7 +32040,7 @@
           <a:p>
             <a:r>
               <a:rPr lang="en-US" sz="2400" dirty="0"/>
-              <a:t>Some Past “A+” Projects</a:t>
+              <a:t>Some Past “B” Projects</a:t>
             </a:r>
           </a:p>
         </p:txBody>
@@ -36635,7 +32860,7 @@
                   <a:schemeClr val="accent6"/>
                 </a:solidFill>
               </a:rPr>
-              <a:t>Optimizing a Bunch-Compressor Chicane</a:t>
+              <a:t>Random Walk Stock Market</a:t>
             </a:r>
           </a:p>
           <a:p>
@@ -36648,7 +32873,7 @@
                   <a:schemeClr val="accent6"/>
                 </a:solidFill>
               </a:rPr>
-              <a:t>- Take elements from a proposed upgrade to a real electron beamline.</a:t>
+              <a:t>- Simulate a stocks each with a series of random Gaussian kicks.</a:t>
             </a:r>
           </a:p>
           <a:p>
@@ -36661,7 +32886,7 @@
                   <a:schemeClr val="accent6"/>
                 </a:solidFill>
               </a:rPr>
-              <a:t>- Vary and optimize those elements to achieve desired optics objectives.</a:t>
+              <a:t>- Create a GUI to track a wallet, specify which stock buy or sell, advance time.</a:t>
             </a:r>
           </a:p>
           <a:p>
@@ -36671,10 +32896,18 @@
             <a:r>
               <a:rPr lang="en-US" sz="1800" dirty="0">
                 <a:solidFill>
+                  <a:srgbClr val="FF0000"/>
+                </a:solidFill>
+              </a:rPr>
+              <a:t>- Limitation: </a:t>
+            </a:r>
+            <a:r>
+              <a:rPr lang="en-US" sz="1800" dirty="0">
+                <a:solidFill>
                   <a:schemeClr val="accent6"/>
                 </a:solidFill>
               </a:rPr>
-              <a:t>- Take into account some reasonable limits in length, component strength.</a:t>
+              <a:t>Not very STEM-oriented, all stocks are the same, no analysis.</a:t>
             </a:r>
           </a:p>
           <a:p>
@@ -36684,22 +32917,25 @@
             <a:r>
               <a:rPr lang="en-US" sz="1800" dirty="0">
                 <a:solidFill>
+                  <a:schemeClr val="accent3"/>
+                </a:solidFill>
+              </a:rPr>
+              <a:t>- Advice: </a:t>
+            </a:r>
+            <a:r>
+              <a:rPr lang="en-US" sz="1800" dirty="0">
+                <a:solidFill>
                   <a:schemeClr val="accent6"/>
                 </a:solidFill>
               </a:rPr>
-              <a:t>- Compare to that performance to original beamline.</a:t>
+              <a:t>If you are done early, ask how you can push it further.</a:t>
             </a:r>
-            <a:endParaRPr lang="en-US" sz="1800" b="1" dirty="0">
-              <a:solidFill>
-                <a:schemeClr val="accent6"/>
-              </a:solidFill>
-            </a:endParaRPr>
           </a:p>
           <a:p>
             <a:pPr marL="0" indent="0">
               <a:buNone/>
             </a:pPr>
-            <a:endParaRPr lang="en-US" sz="1800" b="1" dirty="0">
+            <a:endParaRPr lang="en-US" sz="800" dirty="0">
               <a:solidFill>
                 <a:schemeClr val="accent6"/>
               </a:solidFill>
@@ -36715,7 +32951,7 @@
                   <a:schemeClr val="accent6"/>
                 </a:solidFill>
               </a:rPr>
-              <a:t>Design of a Simple Wire Octupole</a:t>
+              <a:t>Proton Dose Delivery</a:t>
             </a:r>
           </a:p>
           <a:p>
@@ -36728,7 +32964,7 @@
                   <a:schemeClr val="accent6"/>
                 </a:solidFill>
               </a:rPr>
-              <a:t>- Take the four-wire dipole example and instead make an eight-wire octupole.</a:t>
+              <a:t>- Simulate a radiation therapy schedule by starting with a target delivery area, then a series of proton beams of different energies to cover that area, and calculate the integrate dose to the target delivery area.</a:t>
             </a:r>
           </a:p>
           <a:p>
@@ -36738,10 +32974,18 @@
             <a:r>
               <a:rPr lang="en-US" sz="1800" dirty="0">
                 <a:solidFill>
+                  <a:srgbClr val="FF0000"/>
+                </a:solidFill>
+              </a:rPr>
+              <a:t>- Limitation: </a:t>
+            </a:r>
+            <a:r>
+              <a:rPr lang="en-US" sz="1800" dirty="0">
+                <a:solidFill>
                   <a:schemeClr val="accent6"/>
                 </a:solidFill>
               </a:rPr>
-              <a:t>- Consider the effect of errors, such as misaligned orbit or misplaced wire.</a:t>
+              <a:t>Great idea for a project, but not executed. Drew a 3D box and a 3D trajectory, but no Bragg peak or dose integrating in there. Too ambitious.</a:t>
             </a:r>
           </a:p>
           <a:p>
@@ -36751,18 +32995,10 @@
             <a:r>
               <a:rPr lang="en-US" sz="1800" dirty="0">
                 <a:solidFill>
-                  <a:schemeClr val="accent6"/>
+                  <a:schemeClr val="accent3"/>
                 </a:solidFill>
               </a:rPr>
-              <a:t>- Show the effect of errors on dipole, quadrupole, </a:t>
-            </a:r>
-            <a:r>
-              <a:rPr lang="en-US" sz="1800" dirty="0" err="1">
-                <a:solidFill>
-                  <a:schemeClr val="accent6"/>
-                </a:solidFill>
-              </a:rPr>
-              <a:t>sextupole</a:t>
+              <a:t>- Advice: </a:t>
             </a:r>
             <a:r>
               <a:rPr lang="en-US" sz="1800" dirty="0">
@@ -36770,15 +33006,92 @@
                   <a:schemeClr val="accent6"/>
                 </a:solidFill>
               </a:rPr>
-              <a:t>, octupole fields. </a:t>
+              <a:t>Start small, focus on delivering the core of the project.</a:t>
             </a:r>
+          </a:p>
+          <a:p>
+            <a:pPr marL="0" indent="0">
+              <a:buNone/>
+            </a:pPr>
+            <a:endParaRPr lang="en-US" sz="800" dirty="0">
+              <a:solidFill>
+                <a:schemeClr val="accent6"/>
+              </a:solidFill>
+            </a:endParaRPr>
+          </a:p>
+          <a:p>
+            <a:pPr marL="0" indent="0">
+              <a:buNone/>
+            </a:pPr>
+            <a:r>
+              <a:rPr lang="en-US" sz="1800" b="1" dirty="0">
+                <a:solidFill>
+                  <a:schemeClr val="accent6"/>
+                </a:solidFill>
+              </a:rPr>
+              <a:t>Synchrotron Form Factors</a:t>
+            </a:r>
+          </a:p>
+          <a:p>
+            <a:pPr marL="0" indent="0">
+              <a:buNone/>
+            </a:pPr>
+            <a:r>
+              <a:rPr lang="en-US" sz="1800" dirty="0">
+                <a:solidFill>
+                  <a:schemeClr val="accent6"/>
+                </a:solidFill>
+              </a:rPr>
+              <a:t>- Make 1D plots of formula for a synchrotron form factors.</a:t>
+            </a:r>
+          </a:p>
+          <a:p>
+            <a:pPr marL="0" indent="0">
+              <a:buNone/>
+            </a:pPr>
+            <a:r>
+              <a:rPr lang="en-US" sz="1800" dirty="0">
+                <a:solidFill>
+                  <a:srgbClr val="FF0000"/>
+                </a:solidFill>
+              </a:rPr>
+              <a:t>- Limitation: </a:t>
+            </a:r>
+            <a:r>
+              <a:rPr lang="en-US" sz="1800" dirty="0">
+                <a:solidFill>
+                  <a:schemeClr val="accent6"/>
+                </a:solidFill>
+              </a:rPr>
+              <a:t>Not enough depth there, no analysis or advanced technique.</a:t>
+            </a:r>
+          </a:p>
+          <a:p>
+            <a:pPr marL="0" indent="0">
+              <a:buNone/>
+            </a:pPr>
+            <a:endParaRPr lang="en-US" sz="1800" dirty="0">
+              <a:solidFill>
+                <a:schemeClr val="accent6"/>
+              </a:solidFill>
+            </a:endParaRPr>
+          </a:p>
+          <a:p>
+            <a:pPr marL="0" indent="0">
+              <a:buNone/>
+            </a:pPr>
+            <a:endParaRPr lang="en-US" sz="1800" dirty="0">
+              <a:solidFill>
+                <a:schemeClr val="accent6"/>
+              </a:solidFill>
+            </a:endParaRPr>
           </a:p>
         </p:txBody>
       </p:sp>
     </p:spTree>
     <p:extLst>
       <p:ext uri="{BB962C8B-B14F-4D97-AF65-F5344CB8AC3E}">
-        <p14:creationId xmlns:p14="http://schemas.microsoft.com/office/powerpoint/2010/main" val="2172972804"/>
+        <p14:creationId xmlns:p14="http://schemas.microsoft.com/office/powerpoint/2010/main" val="2981618807"/>
       </p:ext>
     </p:extLst>
   </p:cSld>
@@ -37587,7 +33900,7 @@
           <a:p>
             <a:r>
               <a:rPr lang="en-US" sz="2400" dirty="0"/>
-              <a:t>Some Past “B” Projects</a:t>
+              <a:t>Where to get project ideas?</a:t>
             </a:r>
           </a:p>
         </p:txBody>
@@ -38407,7 +34720,7 @@
                   <a:schemeClr val="accent6"/>
                 </a:solidFill>
               </a:rPr>
-              <a:t>Random Walk Stock Market</a:t>
+              <a:t>1. MATLAB, Python, and Homework scripts</a:t>
             </a:r>
           </a:p>
           <a:p>
@@ -38420,7 +34733,7 @@
                   <a:schemeClr val="accent6"/>
                 </a:solidFill>
               </a:rPr>
-              <a:t>- Simulate a stocks each with a series of random Gaussian kicks.</a:t>
+              <a:t>- Is there a particular example or homework that speaks to you and that you’d like to do a more advanced version of?</a:t>
             </a:r>
           </a:p>
           <a:p>
@@ -38433,7 +34746,46 @@
                   <a:schemeClr val="accent6"/>
                 </a:solidFill>
               </a:rPr>
-              <a:t>- Create a GUI to track a wallet, specify which stock buy or sell, advance time.</a:t>
+              <a:t>- Can you combine what you know from two different examples/</a:t>
+            </a:r>
+            <a:r>
+              <a:rPr lang="en-US" sz="1800" dirty="0" err="1">
+                <a:solidFill>
+                  <a:schemeClr val="accent6"/>
+                </a:solidFill>
+              </a:rPr>
+              <a:t>homeworks</a:t>
+            </a:r>
+            <a:r>
+              <a:rPr lang="en-US" sz="1800" dirty="0">
+                <a:solidFill>
+                  <a:schemeClr val="accent6"/>
+                </a:solidFill>
+              </a:rPr>
+              <a:t>?</a:t>
+            </a:r>
+          </a:p>
+          <a:p>
+            <a:pPr marL="0" indent="0">
+              <a:buNone/>
+            </a:pPr>
+            <a:endParaRPr lang="en-US" sz="800" b="1" dirty="0">
+              <a:solidFill>
+                <a:schemeClr val="accent6"/>
+              </a:solidFill>
+            </a:endParaRPr>
+          </a:p>
+          <a:p>
+            <a:pPr marL="0" indent="0">
+              <a:buNone/>
+            </a:pPr>
+            <a:r>
+              <a:rPr lang="en-US" sz="1800" b="1" dirty="0">
+                <a:solidFill>
+                  <a:schemeClr val="accent6"/>
+                </a:solidFill>
+              </a:rPr>
+              <a:t>2. Catching up on Work</a:t>
             </a:r>
           </a:p>
           <a:p>
@@ -38443,18 +34795,10 @@
             <a:r>
               <a:rPr lang="en-US" sz="1800" dirty="0">
                 <a:solidFill>
-                  <a:srgbClr val="FF0000"/>
+                  <a:schemeClr val="accent6"/>
                 </a:solidFill>
               </a:rPr>
-              <a:t>- Limitation: </a:t>
-            </a:r>
-            <a:r>
-              <a:rPr lang="en-US" sz="1800" dirty="0">
-                <a:solidFill>
-                  <a:schemeClr val="accent6"/>
-                </a:solidFill>
-              </a:rPr>
-              <a:t>Not very STEM-oriented, all stocks are the same, no analysis.</a:t>
+              <a:t>- Is there something you’d like to do for work/study/research anyway?</a:t>
             </a:r>
           </a:p>
           <a:p>
@@ -38464,18 +34808,10 @@
             <a:r>
               <a:rPr lang="en-US" sz="1800" dirty="0">
                 <a:solidFill>
-                  <a:schemeClr val="accent3"/>
+                  <a:schemeClr val="accent6"/>
                 </a:solidFill>
               </a:rPr>
-              <a:t>- Advice: </a:t>
-            </a:r>
-            <a:r>
-              <a:rPr lang="en-US" sz="1800" dirty="0">
-                <a:solidFill>
-                  <a:schemeClr val="accent6"/>
-                </a:solidFill>
-              </a:rPr>
-              <a:t>If you are done early, ask how you can push it further.</a:t>
+              <a:t>- If not, what is basic physics taking place where you work and can you make an oversimplified model of it?</a:t>
             </a:r>
           </a:p>
           <a:p>
@@ -38498,7 +34834,7 @@
                   <a:schemeClr val="accent6"/>
                 </a:solidFill>
               </a:rPr>
-              <a:t>Proton Dose Delivery</a:t>
+              <a:t>3. Learn something new</a:t>
             </a:r>
           </a:p>
           <a:p>
@@ -38511,7 +34847,7 @@
                   <a:schemeClr val="accent6"/>
                 </a:solidFill>
               </a:rPr>
-              <a:t>- Simulate a radiation therapy schedule by starting with a target delivery area, then a series of proton beams of different energies to cover that area, and calculate the integrate dose to the target delivery area.</a:t>
+              <a:t>- Did you want to use something you learned in another class?</a:t>
             </a:r>
           </a:p>
           <a:p>
@@ -38521,39 +34857,10 @@
             <a:r>
               <a:rPr lang="en-US" sz="1800" dirty="0">
                 <a:solidFill>
-                  <a:srgbClr val="FF0000"/>
+                  <a:schemeClr val="accent6"/>
                 </a:solidFill>
               </a:rPr>
-              <a:t>- Limitation: </a:t>
-            </a:r>
-            <a:r>
-              <a:rPr lang="en-US" sz="1800" dirty="0">
-                <a:solidFill>
-                  <a:schemeClr val="accent6"/>
-                </a:solidFill>
-              </a:rPr>
-              <a:t>Great idea for a project, but not executed. Drew a 3D box and a 3D trajectory, but no Bragg peak or dose integrating in there. Too ambitious.</a:t>
-            </a:r>
-          </a:p>
-          <a:p>
-            <a:pPr marL="0" indent="0">
-              <a:buNone/>
-            </a:pPr>
-            <a:r>
-              <a:rPr lang="en-US" sz="1800" dirty="0">
-                <a:solidFill>
-                  <a:schemeClr val="accent3"/>
-                </a:solidFill>
-              </a:rPr>
-              <a:t>- Advice: </a:t>
-            </a:r>
-            <a:r>
-              <a:rPr lang="en-US" sz="1800" dirty="0">
-                <a:solidFill>
-                  <a:schemeClr val="accent6"/>
-                </a:solidFill>
-              </a:rPr>
-              <a:t>Start small, focus on delivering the core of the project.</a:t>
+              <a:t>- Something you want to learn about, such as loess smoothing or ICA algorithms.</a:t>
             </a:r>
           </a:p>
           <a:p>
@@ -38576,69 +34883,15 @@
                   <a:schemeClr val="accent6"/>
                 </a:solidFill>
               </a:rPr>
-              <a:t>Synchrotron Form Factors</a:t>
+              <a:t>4. Adam, Dan, and I can help</a:t>
             </a:r>
-          </a:p>
-          <a:p>
-            <a:pPr marL="0" indent="0">
-              <a:buNone/>
-            </a:pPr>
-            <a:r>
-              <a:rPr lang="en-US" sz="1800" dirty="0">
-                <a:solidFill>
-                  <a:schemeClr val="accent6"/>
-                </a:solidFill>
-              </a:rPr>
-              <a:t>- Make 1D plots of formula for a synchrotron form factors.</a:t>
-            </a:r>
-          </a:p>
-          <a:p>
-            <a:pPr marL="0" indent="0">
-              <a:buNone/>
-            </a:pPr>
-            <a:r>
-              <a:rPr lang="en-US" sz="1800" dirty="0">
-                <a:solidFill>
-                  <a:srgbClr val="FF0000"/>
-                </a:solidFill>
-              </a:rPr>
-              <a:t>- Limitation: </a:t>
-            </a:r>
-            <a:r>
-              <a:rPr lang="en-US" sz="1800" dirty="0">
-                <a:solidFill>
-                  <a:schemeClr val="accent6"/>
-                </a:solidFill>
-              </a:rPr>
-              <a:t>Not enough depth there, no analysis or advanced technique.</a:t>
-            </a:r>
-          </a:p>
-          <a:p>
-            <a:pPr marL="0" indent="0">
-              <a:buNone/>
-            </a:pPr>
-            <a:endParaRPr lang="en-US" sz="1800" dirty="0">
-              <a:solidFill>
-                <a:schemeClr val="accent6"/>
-              </a:solidFill>
-            </a:endParaRPr>
-          </a:p>
-          <a:p>
-            <a:pPr marL="0" indent="0">
-              <a:buNone/>
-            </a:pPr>
-            <a:endParaRPr lang="en-US" sz="1800" dirty="0">
-              <a:solidFill>
-                <a:schemeClr val="accent6"/>
-              </a:solidFill>
-            </a:endParaRPr>
           </a:p>
         </p:txBody>
       </p:sp>
     </p:spTree>
     <p:extLst>
       <p:ext uri="{BB962C8B-B14F-4D97-AF65-F5344CB8AC3E}">
-        <p14:creationId xmlns:p14="http://schemas.microsoft.com/office/powerpoint/2010/main" val="2981618807"/>
+        <p14:creationId xmlns:p14="http://schemas.microsoft.com/office/powerpoint/2010/main" val="3160264201"/>
       </p:ext>
     </p:extLst>
   </p:cSld>
